--- a/doku/vCity-Präsentation.pptx
+++ b/doku/vCity-Präsentation.pptx
@@ -5,7 +5,7 @@
     <p:sldMasterId id="2147483708" r:id="rId1"/>
   </p:sldMasterIdLst>
   <p:notesMasterIdLst>
-    <p:notesMasterId r:id="rId41"/>
+    <p:notesMasterId r:id="rId52"/>
   </p:notesMasterIdLst>
   <p:sldIdLst>
     <p:sldId id="256" r:id="rId2"/>
@@ -21,32 +21,43 @@
     <p:sldId id="289" r:id="rId12"/>
     <p:sldId id="294" r:id="rId13"/>
     <p:sldId id="290" r:id="rId14"/>
-    <p:sldId id="291" r:id="rId15"/>
-    <p:sldId id="272" r:id="rId16"/>
-    <p:sldId id="278" r:id="rId17"/>
-    <p:sldId id="273" r:id="rId18"/>
-    <p:sldId id="274" r:id="rId19"/>
-    <p:sldId id="275" r:id="rId20"/>
-    <p:sldId id="276" r:id="rId21"/>
-    <p:sldId id="277" r:id="rId22"/>
-    <p:sldId id="279" r:id="rId23"/>
-    <p:sldId id="269" r:id="rId24"/>
-    <p:sldId id="271" r:id="rId25"/>
-    <p:sldId id="257" r:id="rId26"/>
-    <p:sldId id="258" r:id="rId27"/>
-    <p:sldId id="259" r:id="rId28"/>
-    <p:sldId id="260" r:id="rId29"/>
-    <p:sldId id="261" r:id="rId30"/>
-    <p:sldId id="262" r:id="rId31"/>
-    <p:sldId id="263" r:id="rId32"/>
-    <p:sldId id="264" r:id="rId33"/>
-    <p:sldId id="265" r:id="rId34"/>
-    <p:sldId id="266" r:id="rId35"/>
-    <p:sldId id="267" r:id="rId36"/>
-    <p:sldId id="292" r:id="rId37"/>
-    <p:sldId id="268" r:id="rId38"/>
-    <p:sldId id="270" r:id="rId39"/>
-    <p:sldId id="293" r:id="rId40"/>
+    <p:sldId id="295" r:id="rId15"/>
+    <p:sldId id="301" r:id="rId16"/>
+    <p:sldId id="300" r:id="rId17"/>
+    <p:sldId id="299" r:id="rId18"/>
+    <p:sldId id="303" r:id="rId19"/>
+    <p:sldId id="296" r:id="rId20"/>
+    <p:sldId id="297" r:id="rId21"/>
+    <p:sldId id="298" r:id="rId22"/>
+    <p:sldId id="304" r:id="rId23"/>
+    <p:sldId id="302" r:id="rId24"/>
+    <p:sldId id="305" r:id="rId25"/>
+    <p:sldId id="291" r:id="rId26"/>
+    <p:sldId id="272" r:id="rId27"/>
+    <p:sldId id="278" r:id="rId28"/>
+    <p:sldId id="273" r:id="rId29"/>
+    <p:sldId id="274" r:id="rId30"/>
+    <p:sldId id="275" r:id="rId31"/>
+    <p:sldId id="276" r:id="rId32"/>
+    <p:sldId id="277" r:id="rId33"/>
+    <p:sldId id="279" r:id="rId34"/>
+    <p:sldId id="269" r:id="rId35"/>
+    <p:sldId id="271" r:id="rId36"/>
+    <p:sldId id="257" r:id="rId37"/>
+    <p:sldId id="258" r:id="rId38"/>
+    <p:sldId id="259" r:id="rId39"/>
+    <p:sldId id="260" r:id="rId40"/>
+    <p:sldId id="261" r:id="rId41"/>
+    <p:sldId id="262" r:id="rId42"/>
+    <p:sldId id="263" r:id="rId43"/>
+    <p:sldId id="264" r:id="rId44"/>
+    <p:sldId id="265" r:id="rId45"/>
+    <p:sldId id="266" r:id="rId46"/>
+    <p:sldId id="267" r:id="rId47"/>
+    <p:sldId id="292" r:id="rId48"/>
+    <p:sldId id="268" r:id="rId49"/>
+    <p:sldId id="270" r:id="rId50"/>
+    <p:sldId id="293" r:id="rId51"/>
   </p:sldIdLst>
   <p:sldSz cx="9144000" cy="6858000" type="screen4x3"/>
   <p:notesSz cx="6858000" cy="9144000"/>
@@ -563,7 +574,7 @@
           <a:p>
             <a:fld id="{B83A044C-E8EF-4CD0-9F6B-22623A7684E2}" type="slidenum">
               <a:rPr lang="de-DE" smtClean="0"/>
-              <a:t>25</a:t>
+              <a:t>36</a:t>
             </a:fld>
             <a:endParaRPr lang="de-DE"/>
           </a:p>
@@ -5840,7 +5851,41 @@
           <a:bodyPr/>
           <a:lstStyle/>
           <a:p>
-            <a:endParaRPr lang="de-DE"/>
+            <a:r>
+              <a:rPr lang="de-DE" dirty="0" smtClean="0"/>
+              <a:t>Bestandteile des Parser-Moduls</a:t>
+            </a:r>
+          </a:p>
+          <a:p>
+            <a:r>
+              <a:rPr lang="de-DE" dirty="0" smtClean="0"/>
+              <a:t>Bibliothek: CityGML4J</a:t>
+            </a:r>
+          </a:p>
+          <a:p>
+            <a:r>
+              <a:rPr lang="de-DE" dirty="0" smtClean="0"/>
+              <a:t>Interfaces</a:t>
+            </a:r>
+          </a:p>
+          <a:p>
+            <a:r>
+              <a:rPr lang="de-DE" dirty="0" smtClean="0"/>
+              <a:t>Import</a:t>
+            </a:r>
+          </a:p>
+          <a:p>
+            <a:r>
+              <a:rPr lang="de-DE" dirty="0" smtClean="0"/>
+              <a:t>Export</a:t>
+            </a:r>
+          </a:p>
+          <a:p>
+            <a:r>
+              <a:rPr lang="de-DE" dirty="0" smtClean="0"/>
+              <a:t>Troubleshooting</a:t>
+            </a:r>
+            <a:endParaRPr lang="de-DE" dirty="0"/>
           </a:p>
         </p:txBody>
       </p:sp>
@@ -5968,37 +6013,36 @@
           <a:lstStyle/>
           <a:p>
             <a:r>
-              <a:rPr lang="de-DE" dirty="0" smtClean="0"/>
-              <a:t>Aufgabe</a:t>
-            </a:r>
-          </a:p>
-          <a:p>
-            <a:r>
-              <a:rPr lang="de-DE" dirty="0" smtClean="0"/>
-              <a:t>Allgemeines zu </a:t>
-            </a:r>
-            <a:r>
-              <a:rPr lang="de-DE" dirty="0" err="1" smtClean="0"/>
-              <a:t>OpenCL</a:t>
-            </a:r>
-            <a:endParaRPr lang="de-DE" dirty="0" smtClean="0"/>
-          </a:p>
-          <a:p>
-            <a:r>
-              <a:rPr lang="de-DE" dirty="0" smtClean="0"/>
-              <a:t>Volumenberechnung</a:t>
-            </a:r>
-          </a:p>
-          <a:p>
-            <a:r>
-              <a:rPr lang="de-DE" dirty="0" smtClean="0"/>
-              <a:t>Schattenberechnung</a:t>
-            </a:r>
-          </a:p>
-          <a:p>
-            <a:r>
-              <a:rPr lang="de-DE" dirty="0" smtClean="0"/>
-              <a:t>Sonnenposition</a:t>
+              <a:rPr lang="de-DE" dirty="0"/>
+              <a:t>Parser besteht aus</a:t>
+            </a:r>
+          </a:p>
+          <a:p>
+            <a:pPr lvl="1"/>
+            <a:r>
+              <a:rPr lang="de-DE" dirty="0"/>
+              <a:t>Import der GML-Datei</a:t>
+            </a:r>
+          </a:p>
+          <a:p>
+            <a:pPr lvl="1"/>
+            <a:r>
+              <a:rPr lang="de-DE" dirty="0"/>
+              <a:t>Koordinatentransformation</a:t>
+            </a:r>
+          </a:p>
+          <a:p>
+            <a:pPr lvl="1"/>
+            <a:r>
+              <a:rPr lang="de-DE" dirty="0"/>
+              <a:t>Polygon-Triangulation</a:t>
+            </a:r>
+          </a:p>
+          <a:p>
+            <a:pPr lvl="1"/>
+            <a:r>
+              <a:rPr lang="de-DE" dirty="0"/>
+              <a:t>Export als CSV, GML oder XML</a:t>
             </a:r>
           </a:p>
           <a:p>
@@ -6070,8 +6114,8 @@
           <a:lstStyle/>
           <a:p>
             <a:r>
-              <a:rPr lang="de-DE" dirty="0" err="1" smtClean="0"/>
-              <a:t>OpenCL</a:t>
+              <a:rPr lang="de-DE" dirty="0" smtClean="0"/>
+              <a:t>Das Parser-Modul</a:t>
             </a:r>
             <a:endParaRPr lang="de-DE" dirty="0"/>
           </a:p>
@@ -6080,7 +6124,7 @@
     </p:spTree>
     <p:extLst>
       <p:ext uri="{BB962C8B-B14F-4D97-AF65-F5344CB8AC3E}">
-        <p14:creationId xmlns:p14="http://schemas.microsoft.com/office/powerpoint/2010/main" val="1711646626"/>
+        <p14:creationId xmlns:p14="http://schemas.microsoft.com/office/powerpoint/2010/main" val="1228984957"/>
       </p:ext>
     </p:extLst>
   </p:cSld>
@@ -6130,33 +6174,50 @@
           <a:lstStyle/>
           <a:p>
             <a:r>
-              <a:rPr lang="de-DE" dirty="0" smtClean="0"/>
-              <a:t>Aufgabe: Implementierung einer Volumenberechnung und einer Schattenberechnung in CUDA oder </a:t>
-            </a:r>
-            <a:r>
-              <a:rPr lang="de-DE" dirty="0" err="1" smtClean="0"/>
-              <a:t>OpenCL</a:t>
-            </a:r>
-            <a:endParaRPr lang="de-DE" dirty="0" smtClean="0"/>
-          </a:p>
-          <a:p>
-            <a:r>
-              <a:rPr lang="de-DE" dirty="0" smtClean="0"/>
-              <a:t>Aufgaben wurden sowohl in Java als auch </a:t>
-            </a:r>
-            <a:r>
-              <a:rPr lang="de-DE" dirty="0" err="1" smtClean="0"/>
-              <a:t>OpenCL</a:t>
-            </a:r>
-            <a:r>
-              <a:rPr lang="de-DE" dirty="0" smtClean="0"/>
-              <a:t> gelöst</a:t>
-            </a:r>
-          </a:p>
-          <a:p>
-            <a:r>
-              <a:rPr lang="de-DE" dirty="0" smtClean="0"/>
-              <a:t>Java Implementierung wird als Fall-Back verwendet</a:t>
+              <a:rPr lang="de-DE" dirty="0"/>
+              <a:t>2002 entwickelter Standard</a:t>
+            </a:r>
+          </a:p>
+          <a:p>
+            <a:r>
+              <a:rPr lang="de-DE" dirty="0" smtClean="0"/>
+              <a:t>XML </a:t>
+            </a:r>
+            <a:r>
+              <a:rPr lang="de-DE" dirty="0"/>
+              <a:t>- basiert</a:t>
+            </a:r>
+          </a:p>
+          <a:p>
+            <a:r>
+              <a:rPr lang="de-DE" dirty="0" smtClean="0"/>
+              <a:t>5 </a:t>
+            </a:r>
+            <a:r>
+              <a:rPr lang="de-DE" dirty="0"/>
+              <a:t>Skalenbereiche / Level </a:t>
+            </a:r>
+            <a:r>
+              <a:rPr lang="de-DE" dirty="0" err="1"/>
+              <a:t>Of</a:t>
+            </a:r>
+            <a:r>
+              <a:rPr lang="de-DE" dirty="0"/>
+              <a:t> Details (LOD)</a:t>
+            </a:r>
+          </a:p>
+          <a:p>
+            <a:r>
+              <a:rPr lang="de-DE" dirty="0" smtClean="0"/>
+              <a:t>Datenmodell</a:t>
+            </a:r>
+            <a:r>
+              <a:rPr lang="de-DE" dirty="0"/>
+              <a:t>, das geparst </a:t>
+            </a:r>
+            <a:r>
+              <a:rPr lang="de-DE" dirty="0" smtClean="0"/>
+              <a:t>wird</a:t>
             </a:r>
             <a:endParaRPr lang="de-DE" dirty="0"/>
           </a:p>
@@ -6164,30 +6225,7 @@
       </p:sp>
       <p:sp>
         <p:nvSpPr>
-          <p:cNvPr id="3" name="Titel 2"/>
-          <p:cNvSpPr>
-            <a:spLocks noGrp="1"/>
-          </p:cNvSpPr>
-          <p:nvPr>
-            <p:ph type="title"/>
-          </p:nvPr>
-        </p:nvSpPr>
-        <p:spPr/>
-        <p:txBody>
-          <a:bodyPr/>
-          <a:lstStyle/>
-          <a:p>
-            <a:r>
-              <a:rPr lang="de-DE" dirty="0" smtClean="0"/>
-              <a:t>Aufgabe</a:t>
-            </a:r>
-            <a:endParaRPr lang="de-DE" dirty="0"/>
-          </a:p>
-        </p:txBody>
-      </p:sp>
-      <p:sp>
-        <p:nvSpPr>
-          <p:cNvPr id="4" name="Datumsplatzhalter 3"/>
+          <p:cNvPr id="3" name="Datumsplatzhalter 2"/>
           <p:cNvSpPr>
             <a:spLocks noGrp="1"/>
           </p:cNvSpPr>
@@ -6210,7 +6248,7 @@
       </p:sp>
       <p:sp>
         <p:nvSpPr>
-          <p:cNvPr id="5" name="Foliennummernplatzhalter 4"/>
+          <p:cNvPr id="4" name="Foliennummernplatzhalter 3"/>
           <p:cNvSpPr>
             <a:spLocks noGrp="1"/>
           </p:cNvSpPr>
@@ -6231,23 +6269,65 @@
           </a:p>
         </p:txBody>
       </p:sp>
+      <p:sp>
+        <p:nvSpPr>
+          <p:cNvPr id="5" name="Titel 4"/>
+          <p:cNvSpPr>
+            <a:spLocks noGrp="1"/>
+          </p:cNvSpPr>
+          <p:nvPr>
+            <p:ph type="title"/>
+          </p:nvPr>
+        </p:nvSpPr>
+        <p:spPr/>
+        <p:txBody>
+          <a:bodyPr/>
+          <a:lstStyle/>
+          <a:p>
+            <a:r>
+              <a:rPr lang="de-DE" dirty="0" smtClean="0"/>
+              <a:t>Bibliothek: CityGML4J</a:t>
+            </a:r>
+            <a:endParaRPr lang="de-DE" dirty="0"/>
+          </a:p>
+        </p:txBody>
+      </p:sp>
+      <p:pic>
+        <p:nvPicPr>
+          <p:cNvPr id="6" name="Grafik 5"/>
+          <p:cNvPicPr/>
+          <p:nvPr/>
+        </p:nvPicPr>
+        <p:blipFill>
+          <a:blip r:embed="rId2"/>
+          <a:srcRect t="5004" b="47458"/>
+          <a:stretch>
+            <a:fillRect/>
+          </a:stretch>
+        </p:blipFill>
+        <p:spPr>
+          <a:xfrm>
+            <a:off x="857874" y="3920859"/>
+            <a:ext cx="6953040" cy="1983240"/>
+          </a:xfrm>
+          <a:prstGeom prst="rect">
+            <a:avLst/>
+          </a:prstGeom>
+          <a:ln>
+            <a:noFill/>
+          </a:ln>
+        </p:spPr>
+      </p:pic>
     </p:spTree>
     <p:extLst>
       <p:ext uri="{BB962C8B-B14F-4D97-AF65-F5344CB8AC3E}">
-        <p14:creationId xmlns:p14="http://schemas.microsoft.com/office/powerpoint/2010/main" val="1439573380"/>
+        <p14:creationId xmlns:p14="http://schemas.microsoft.com/office/powerpoint/2010/main" val="572850538"/>
       </p:ext>
     </p:extLst>
   </p:cSld>
   <p:clrMapOvr>
     <a:masterClrMapping/>
   </p:clrMapOvr>
-  <p:timing>
-    <p:tnLst>
-      <p:par>
-        <p:cTn id="1" dur="indefinite" restart="never" nodeType="tmRoot"/>
-      </p:par>
-    </p:tnLst>
-  </p:timing>
 </p:sld>
 </file>
 
@@ -6285,43 +6365,8 @@
           <a:p>
             <a:r>
               <a:rPr lang="de-DE" dirty="0" smtClean="0"/>
-              <a:t>CPU hat 2 – 8 Kerne, GPU im Labor hat 1024 Kerne</a:t>
-            </a:r>
-          </a:p>
-          <a:p>
-            <a:r>
-              <a:rPr lang="de-DE" dirty="0" smtClean="0"/>
-              <a:t>Aber geringere Taktrate pro Kern</a:t>
-            </a:r>
-          </a:p>
-          <a:p>
-            <a:r>
-              <a:rPr lang="de-DE" dirty="0" err="1" smtClean="0"/>
-              <a:t>Parallelisierbarer</a:t>
-            </a:r>
-            <a:r>
-              <a:rPr lang="de-DE" dirty="0" smtClean="0"/>
-              <a:t> Code kann extrem gut auf der GPU berechnet werden</a:t>
-            </a:r>
-          </a:p>
-          <a:p>
-            <a:r>
-              <a:rPr lang="de-DE" dirty="0" smtClean="0"/>
-              <a:t>Sowohl Volumenberechnung als auch Schattenberechnung gut </a:t>
-            </a:r>
-            <a:r>
-              <a:rPr lang="de-DE" dirty="0" err="1" smtClean="0"/>
-              <a:t>parallelisierbar</a:t>
-            </a:r>
-            <a:endParaRPr lang="de-DE" dirty="0" smtClean="0"/>
-          </a:p>
-          <a:p>
-            <a:r>
-              <a:rPr lang="de-DE" dirty="0" smtClean="0"/>
-              <a:t>Schattenberechnungszeit von Stunden auf Minuten reduziert</a:t>
-            </a:r>
-          </a:p>
-          <a:p>
+              <a:t>TODO</a:t>
+            </a:r>
             <a:endParaRPr lang="de-DE" dirty="0"/>
           </a:p>
         </p:txBody>
@@ -6389,7 +6434,7 @@
           <a:p>
             <a:r>
               <a:rPr lang="de-DE" dirty="0" smtClean="0"/>
-              <a:t>Warum GPU?</a:t>
+              <a:t>Interfaces des Parsers</a:t>
             </a:r>
             <a:endParaRPr lang="de-DE" dirty="0"/>
           </a:p>
@@ -6398,20 +6443,13 @@
     </p:spTree>
     <p:extLst>
       <p:ext uri="{BB962C8B-B14F-4D97-AF65-F5344CB8AC3E}">
-        <p14:creationId xmlns:p14="http://schemas.microsoft.com/office/powerpoint/2010/main" val="3272700345"/>
+        <p14:creationId xmlns:p14="http://schemas.microsoft.com/office/powerpoint/2010/main" val="2033190520"/>
       </p:ext>
     </p:extLst>
   </p:cSld>
   <p:clrMapOvr>
     <a:masterClrMapping/>
   </p:clrMapOvr>
-  <p:timing>
-    <p:tnLst>
-      <p:par>
-        <p:cTn id="1" dur="indefinite" restart="never" nodeType="tmRoot"/>
-      </p:par>
-    </p:tnLst>
-  </p:timing>
 </p:sld>
 </file>
 
@@ -6449,47 +6487,7 @@
           <a:p>
             <a:r>
               <a:rPr lang="de-DE" dirty="0" smtClean="0"/>
-              <a:t>Entscheidung für </a:t>
-            </a:r>
-            <a:r>
-              <a:rPr lang="de-DE" dirty="0" err="1" smtClean="0"/>
-              <a:t>OpenCL</a:t>
-            </a:r>
-            <a:r>
-              <a:rPr lang="de-DE" dirty="0" smtClean="0"/>
-              <a:t> da plattformübergreifend</a:t>
-            </a:r>
-          </a:p>
-          <a:p>
-            <a:r>
-              <a:rPr lang="de-DE" dirty="0" smtClean="0"/>
-              <a:t>Offener Standard seit 2008</a:t>
-            </a:r>
-          </a:p>
-          <a:p>
-            <a:r>
-              <a:rPr lang="de-DE" dirty="0" smtClean="0"/>
-              <a:t>Wird von der </a:t>
-            </a:r>
-            <a:r>
-              <a:rPr lang="de-DE" dirty="0" err="1" smtClean="0"/>
-              <a:t>Khronos</a:t>
-            </a:r>
-            <a:r>
-              <a:rPr lang="de-DE" dirty="0" smtClean="0"/>
-              <a:t>-Group gepflegt</a:t>
-            </a:r>
-          </a:p>
-          <a:p>
-            <a:r>
-              <a:rPr lang="de-DE" dirty="0" smtClean="0"/>
-              <a:t>Unterstützt AMD-Grafikkarten</a:t>
-            </a:r>
-          </a:p>
-          <a:p>
-            <a:r>
-              <a:rPr lang="de-DE" dirty="0" smtClean="0"/>
-              <a:t>Java-Binding mit JOCL vorhanden</a:t>
+              <a:t>TODO</a:t>
             </a:r>
             <a:endParaRPr lang="de-DE" dirty="0"/>
           </a:p>
@@ -6497,30 +6495,7 @@
       </p:sp>
       <p:sp>
         <p:nvSpPr>
-          <p:cNvPr id="3" name="Titel 2"/>
-          <p:cNvSpPr>
-            <a:spLocks noGrp="1"/>
-          </p:cNvSpPr>
-          <p:nvPr>
-            <p:ph type="title"/>
-          </p:nvPr>
-        </p:nvSpPr>
-        <p:spPr/>
-        <p:txBody>
-          <a:bodyPr/>
-          <a:lstStyle/>
-          <a:p>
-            <a:r>
-              <a:rPr lang="de-DE" dirty="0" err="1" smtClean="0"/>
-              <a:t>OpenCL</a:t>
-            </a:r>
-            <a:endParaRPr lang="de-DE" dirty="0"/>
-          </a:p>
-        </p:txBody>
-      </p:sp>
-      <p:sp>
-        <p:nvSpPr>
-          <p:cNvPr id="4" name="Datumsplatzhalter 3"/>
+          <p:cNvPr id="3" name="Datumsplatzhalter 2"/>
           <p:cNvSpPr>
             <a:spLocks noGrp="1"/>
           </p:cNvSpPr>
@@ -6543,7 +6518,7 @@
       </p:sp>
       <p:sp>
         <p:nvSpPr>
-          <p:cNvPr id="5" name="Foliennummernplatzhalter 4"/>
+          <p:cNvPr id="4" name="Foliennummernplatzhalter 3"/>
           <p:cNvSpPr>
             <a:spLocks noGrp="1"/>
           </p:cNvSpPr>
@@ -6564,23 +6539,39 @@
           </a:p>
         </p:txBody>
       </p:sp>
+      <p:sp>
+        <p:nvSpPr>
+          <p:cNvPr id="5" name="Titel 4"/>
+          <p:cNvSpPr>
+            <a:spLocks noGrp="1"/>
+          </p:cNvSpPr>
+          <p:nvPr>
+            <p:ph type="title"/>
+          </p:nvPr>
+        </p:nvSpPr>
+        <p:spPr/>
+        <p:txBody>
+          <a:bodyPr/>
+          <a:lstStyle/>
+          <a:p>
+            <a:r>
+              <a:rPr lang="de-DE" dirty="0" smtClean="0"/>
+              <a:t>Parser: Import (1/2)</a:t>
+            </a:r>
+            <a:endParaRPr lang="de-DE" dirty="0"/>
+          </a:p>
+        </p:txBody>
+      </p:sp>
     </p:spTree>
     <p:extLst>
       <p:ext uri="{BB962C8B-B14F-4D97-AF65-F5344CB8AC3E}">
-        <p14:creationId xmlns:p14="http://schemas.microsoft.com/office/powerpoint/2010/main" val="1885144604"/>
+        <p14:creationId xmlns:p14="http://schemas.microsoft.com/office/powerpoint/2010/main" val="1532570572"/>
       </p:ext>
     </p:extLst>
   </p:cSld>
   <p:clrMapOvr>
     <a:masterClrMapping/>
   </p:clrMapOvr>
-  <p:timing>
-    <p:tnLst>
-      <p:par>
-        <p:cTn id="1" dur="indefinite" restart="never" nodeType="tmRoot"/>
-      </p:par>
-    </p:tnLst>
-  </p:timing>
 </p:sld>
 </file>
 
@@ -6617,118 +6608,8 @@
           <a:lstStyle/>
           <a:p>
             <a:r>
-              <a:rPr lang="de-DE" dirty="0" err="1" smtClean="0"/>
-              <a:t>OpenCL</a:t>
-            </a:r>
-            <a:r>
-              <a:rPr lang="de-DE" dirty="0" smtClean="0"/>
-              <a:t> </a:t>
-            </a:r>
-            <a:r>
-              <a:rPr lang="de-DE" dirty="0" err="1" smtClean="0"/>
-              <a:t>Context</a:t>
-            </a:r>
-            <a:r>
-              <a:rPr lang="de-DE" dirty="0" smtClean="0"/>
-              <a:t> erstellen</a:t>
-            </a:r>
-            <a:br>
-              <a:rPr lang="de-DE" dirty="0" smtClean="0"/>
-            </a:br>
-            <a:r>
-              <a:rPr lang="de-DE" i="1" dirty="0" err="1" smtClean="0"/>
-              <a:t>clCreateContextFromType</a:t>
-            </a:r>
-            <a:endParaRPr lang="de-DE" i="1" dirty="0" smtClean="0"/>
-          </a:p>
-          <a:p>
-            <a:r>
-              <a:rPr lang="de-DE" dirty="0" smtClean="0"/>
-              <a:t>Devices (GPUs oder </a:t>
-            </a:r>
-            <a:r>
-              <a:rPr lang="de-DE" dirty="0" err="1" smtClean="0"/>
-              <a:t>evtl</a:t>
-            </a:r>
-            <a:r>
-              <a:rPr lang="de-DE" dirty="0" smtClean="0"/>
-              <a:t> CPUs) holen</a:t>
-            </a:r>
-            <a:br>
-              <a:rPr lang="de-DE" dirty="0" smtClean="0"/>
-            </a:br>
-            <a:r>
-              <a:rPr lang="de-DE" i="1" dirty="0" err="1" smtClean="0"/>
-              <a:t>clGetContextInfo</a:t>
-            </a:r>
-            <a:endParaRPr lang="de-DE" i="1" dirty="0" smtClean="0"/>
-          </a:p>
-          <a:p>
-            <a:r>
-              <a:rPr lang="de-DE" dirty="0" smtClean="0"/>
-              <a:t>Eine </a:t>
-            </a:r>
-            <a:r>
-              <a:rPr lang="de-DE" dirty="0" err="1" smtClean="0"/>
-              <a:t>CommandQueue</a:t>
-            </a:r>
-            <a:r>
-              <a:rPr lang="de-DE" dirty="0" smtClean="0"/>
-              <a:t> erstellen</a:t>
-            </a:r>
-            <a:br>
-              <a:rPr lang="de-DE" dirty="0" smtClean="0"/>
-            </a:br>
-            <a:r>
-              <a:rPr lang="de-DE" i="1" dirty="0" err="1" smtClean="0"/>
-              <a:t>clCreateCommandQueue</a:t>
-            </a:r>
-            <a:endParaRPr lang="de-DE" i="1" dirty="0" smtClean="0"/>
-          </a:p>
-          <a:p>
-            <a:r>
-              <a:rPr lang="de-DE" dirty="0" smtClean="0"/>
-              <a:t>Ein Programm laden</a:t>
-            </a:r>
-            <a:br>
-              <a:rPr lang="de-DE" dirty="0" smtClean="0"/>
-            </a:br>
-            <a:r>
-              <a:rPr lang="de-DE" i="1" dirty="0" err="1" smtClean="0"/>
-              <a:t>clCreateProgramWithSource</a:t>
-            </a:r>
-            <a:endParaRPr lang="de-DE" i="1" dirty="0" smtClean="0"/>
-          </a:p>
-        </p:txBody>
-      </p:sp>
-      <p:sp>
-        <p:nvSpPr>
-          <p:cNvPr id="3" name="Titel 2"/>
-          <p:cNvSpPr>
-            <a:spLocks noGrp="1"/>
-          </p:cNvSpPr>
-          <p:nvPr>
-            <p:ph type="title"/>
-          </p:nvPr>
-        </p:nvSpPr>
-        <p:spPr/>
-        <p:txBody>
-          <a:bodyPr>
-            <a:normAutofit fontScale="90000"/>
-          </a:bodyPr>
-          <a:lstStyle/>
-          <a:p>
-            <a:r>
-              <a:rPr lang="de-DE" dirty="0" smtClean="0"/>
-              <a:t>Aufbau </a:t>
-            </a:r>
-            <a:r>
-              <a:rPr lang="de-DE" dirty="0" err="1" smtClean="0"/>
-              <a:t>OpenCL</a:t>
-            </a:r>
-            <a:r>
-              <a:rPr lang="de-DE" dirty="0" smtClean="0"/>
-              <a:t> Programm (1/3)</a:t>
+              <a:rPr lang="de-DE" dirty="0" smtClean="0"/>
+              <a:t>TODO</a:t>
             </a:r>
             <a:endParaRPr lang="de-DE" dirty="0"/>
           </a:p>
@@ -6736,7 +6617,7 @@
       </p:sp>
       <p:sp>
         <p:nvSpPr>
-          <p:cNvPr id="4" name="Datumsplatzhalter 3"/>
+          <p:cNvPr id="3" name="Datumsplatzhalter 2"/>
           <p:cNvSpPr>
             <a:spLocks noGrp="1"/>
           </p:cNvSpPr>
@@ -6759,7 +6640,7 @@
       </p:sp>
       <p:sp>
         <p:nvSpPr>
-          <p:cNvPr id="5" name="Foliennummernplatzhalter 4"/>
+          <p:cNvPr id="4" name="Foliennummernplatzhalter 3"/>
           <p:cNvSpPr>
             <a:spLocks noGrp="1"/>
           </p:cNvSpPr>
@@ -6780,23 +6661,39 @@
           </a:p>
         </p:txBody>
       </p:sp>
+      <p:sp>
+        <p:nvSpPr>
+          <p:cNvPr id="5" name="Titel 4"/>
+          <p:cNvSpPr>
+            <a:spLocks noGrp="1"/>
+          </p:cNvSpPr>
+          <p:nvPr>
+            <p:ph type="title"/>
+          </p:nvPr>
+        </p:nvSpPr>
+        <p:spPr/>
+        <p:txBody>
+          <a:bodyPr/>
+          <a:lstStyle/>
+          <a:p>
+            <a:r>
+              <a:rPr lang="de-DE" dirty="0" smtClean="0"/>
+              <a:t>Parser: Import (2/2)</a:t>
+            </a:r>
+            <a:endParaRPr lang="de-DE" dirty="0"/>
+          </a:p>
+        </p:txBody>
+      </p:sp>
     </p:spTree>
     <p:extLst>
       <p:ext uri="{BB962C8B-B14F-4D97-AF65-F5344CB8AC3E}">
-        <p14:creationId xmlns:p14="http://schemas.microsoft.com/office/powerpoint/2010/main" val="3149190744"/>
+        <p14:creationId xmlns:p14="http://schemas.microsoft.com/office/powerpoint/2010/main" val="4119979449"/>
       </p:ext>
     </p:extLst>
   </p:cSld>
   <p:clrMapOvr>
     <a:masterClrMapping/>
   </p:clrMapOvr>
-  <p:timing>
-    <p:tnLst>
-      <p:par>
-        <p:cTn id="1" dur="indefinite" restart="never" nodeType="tmRoot"/>
-      </p:par>
-    </p:tnLst>
-  </p:timing>
 </p:sld>
 </file>
 
@@ -6833,115 +6730,24 @@
           <a:lstStyle/>
           <a:p>
             <a:r>
-              <a:rPr lang="de-DE" dirty="0" smtClean="0"/>
-              <a:t>Das Programm kompilieren und linken </a:t>
-            </a:r>
-            <a:r>
-              <a:rPr lang="de-DE" i="1" dirty="0" err="1" smtClean="0"/>
-              <a:t>clBuildProgram</a:t>
-            </a:r>
-            <a:endParaRPr lang="de-DE" i="1" dirty="0" smtClean="0"/>
-          </a:p>
-          <a:p>
-            <a:r>
-              <a:rPr lang="de-DE" dirty="0" smtClean="0"/>
-              <a:t>Den </a:t>
-            </a:r>
-            <a:r>
-              <a:rPr lang="de-DE" dirty="0" err="1" smtClean="0"/>
-              <a:t>Programmkernel</a:t>
-            </a:r>
-            <a:r>
-              <a:rPr lang="de-DE" dirty="0" smtClean="0"/>
-              <a:t> erstellen</a:t>
-            </a:r>
-            <a:br>
-              <a:rPr lang="de-DE" dirty="0" smtClean="0"/>
-            </a:br>
-            <a:r>
-              <a:rPr lang="de-DE" i="1" dirty="0" err="1" smtClean="0"/>
-              <a:t>clCreateKernel</a:t>
-            </a:r>
-            <a:endParaRPr lang="de-DE" i="1" dirty="0" smtClean="0"/>
-          </a:p>
-          <a:p>
-            <a:r>
-              <a:rPr lang="de-DE" dirty="0" smtClean="0"/>
-              <a:t>Programmdaten auf die GPU laden</a:t>
-            </a:r>
-          </a:p>
-          <a:p>
-            <a:pPr lvl="1"/>
-            <a:r>
-              <a:rPr lang="de-DE" dirty="0" err="1" smtClean="0"/>
-              <a:t>Buffer</a:t>
-            </a:r>
-            <a:r>
-              <a:rPr lang="de-DE" dirty="0" smtClean="0"/>
-              <a:t> auf GPU erstellen mit </a:t>
-            </a:r>
-            <a:br>
-              <a:rPr lang="de-DE" dirty="0" smtClean="0"/>
-            </a:br>
-            <a:r>
-              <a:rPr lang="de-DE" i="1" dirty="0" err="1" smtClean="0"/>
-              <a:t>clCreateBuffer</a:t>
-            </a:r>
-            <a:endParaRPr lang="de-DE" i="1" dirty="0" smtClean="0"/>
-          </a:p>
-          <a:p>
-            <a:pPr lvl="1"/>
-            <a:r>
-              <a:rPr lang="de-DE" dirty="0" smtClean="0"/>
-              <a:t>Parameter für den Kernel setzen mit</a:t>
-            </a:r>
-            <a:br>
-              <a:rPr lang="de-DE" dirty="0" smtClean="0"/>
-            </a:br>
-            <a:r>
-              <a:rPr lang="de-DE" i="1" dirty="0" err="1"/>
-              <a:t>clSetKernelArg</a:t>
-            </a:r>
+              <a:rPr lang="de-DE" dirty="0"/>
+              <a:t>Einfache CSV-Datei</a:t>
+            </a:r>
+          </a:p>
+          <a:p>
             <a:endParaRPr lang="de-DE" dirty="0"/>
           </a:p>
-        </p:txBody>
-      </p:sp>
-      <p:sp>
-        <p:nvSpPr>
-          <p:cNvPr id="3" name="Titel 2"/>
-          <p:cNvSpPr>
-            <a:spLocks noGrp="1"/>
-          </p:cNvSpPr>
-          <p:nvPr>
-            <p:ph type="title"/>
-          </p:nvPr>
-        </p:nvSpPr>
-        <p:spPr/>
-        <p:txBody>
-          <a:bodyPr>
-            <a:normAutofit fontScale="90000"/>
-          </a:bodyPr>
-          <a:lstStyle/>
-          <a:p>
-            <a:r>
-              <a:rPr lang="de-DE" dirty="0" smtClean="0"/>
-              <a:t>Aufbau </a:t>
-            </a:r>
-            <a:r>
-              <a:rPr lang="de-DE" dirty="0" err="1" smtClean="0"/>
-              <a:t>OpenCL</a:t>
-            </a:r>
-            <a:r>
-              <a:rPr lang="de-DE" dirty="0" smtClean="0"/>
-              <a:t> Programm (2/3)</a:t>
-            </a:r>
-            <a:endParaRPr lang="de-DE" dirty="0"/>
-          </a:p>
-        </p:txBody>
-      </p:sp>
-      <p:sp>
-        <p:nvSpPr>
-          <p:cNvPr id="4" name="Datumsplatzhalter 3"/>
+          <a:p>
+            <a:r>
+              <a:rPr lang="de-DE" dirty="0"/>
+              <a:t>Enthält Gebäude-ID und errechnetes Volumen</a:t>
+            </a:r>
+          </a:p>
+        </p:txBody>
+      </p:sp>
+      <p:sp>
+        <p:nvSpPr>
+          <p:cNvPr id="3" name="Datumsplatzhalter 2"/>
           <p:cNvSpPr>
             <a:spLocks noGrp="1"/>
           </p:cNvSpPr>
@@ -6964,7 +6770,7 @@
       </p:sp>
       <p:sp>
         <p:nvSpPr>
-          <p:cNvPr id="5" name="Foliennummernplatzhalter 4"/>
+          <p:cNvPr id="4" name="Foliennummernplatzhalter 3"/>
           <p:cNvSpPr>
             <a:spLocks noGrp="1"/>
           </p:cNvSpPr>
@@ -6985,10 +6791,89 @@
           </a:p>
         </p:txBody>
       </p:sp>
+      <p:sp>
+        <p:nvSpPr>
+          <p:cNvPr id="5" name="Titel 4"/>
+          <p:cNvSpPr>
+            <a:spLocks noGrp="1"/>
+          </p:cNvSpPr>
+          <p:nvPr>
+            <p:ph type="title"/>
+          </p:nvPr>
+        </p:nvSpPr>
+        <p:spPr/>
+        <p:txBody>
+          <a:bodyPr>
+            <a:normAutofit/>
+          </a:bodyPr>
+          <a:lstStyle/>
+          <a:p>
+            <a:r>
+              <a:rPr lang="de-DE" dirty="0"/>
+              <a:t>Export: CSV</a:t>
+            </a:r>
+            <a:endParaRPr lang="de-DE" dirty="0"/>
+          </a:p>
+        </p:txBody>
+      </p:sp>
+      <p:pic>
+        <p:nvPicPr>
+          <p:cNvPr id="6" name="Picture 2"/>
+          <p:cNvPicPr>
+            <a:picLocks noChangeAspect="1" noChangeArrowheads="1"/>
+          </p:cNvPicPr>
+          <p:nvPr/>
+        </p:nvPicPr>
+        <p:blipFill>
+          <a:blip r:embed="rId2">
+            <a:extLst>
+              <a:ext uri="{28A0092B-C50C-407E-A947-70E740481C1C}">
+                <a14:useLocalDpi xmlns:a14="http://schemas.microsoft.com/office/drawing/2010/main" val="0"/>
+              </a:ext>
+            </a:extLst>
+          </a:blip>
+          <a:srcRect/>
+          <a:stretch>
+            <a:fillRect/>
+          </a:stretch>
+        </p:blipFill>
+        <p:spPr bwMode="auto">
+          <a:xfrm>
+            <a:off x="1979712" y="4050823"/>
+            <a:ext cx="4762500" cy="828675"/>
+          </a:xfrm>
+          <a:prstGeom prst="rect">
+            <a:avLst/>
+          </a:prstGeom>
+          <a:noFill/>
+          <a:ln>
+            <a:noFill/>
+          </a:ln>
+          <a:extLst>
+            <a:ext uri="{909E8E84-426E-40DD-AFC4-6F175D3DCCD1}">
+              <a14:hiddenFill xmlns:a14="http://schemas.microsoft.com/office/drawing/2010/main">
+                <a:solidFill>
+                  <a:schemeClr val="accent1"/>
+                </a:solidFill>
+              </a14:hiddenFill>
+            </a:ext>
+            <a:ext uri="{91240B29-F687-4F45-9708-019B960494DF}">
+              <a14:hiddenLine xmlns:a14="http://schemas.microsoft.com/office/drawing/2010/main" w="9525">
+                <a:solidFill>
+                  <a:schemeClr val="tx1"/>
+                </a:solidFill>
+                <a:miter lim="800000"/>
+                <a:headEnd/>
+                <a:tailEnd/>
+              </a14:hiddenLine>
+            </a:ext>
+          </a:extLst>
+        </p:spPr>
+      </p:pic>
     </p:spTree>
     <p:extLst>
       <p:ext uri="{BB962C8B-B14F-4D97-AF65-F5344CB8AC3E}">
-        <p14:creationId xmlns:p14="http://schemas.microsoft.com/office/powerpoint/2010/main" val="2679847430"/>
+        <p14:creationId xmlns:p14="http://schemas.microsoft.com/office/powerpoint/2010/main" val="321062966"/>
       </p:ext>
     </p:extLst>
   </p:cSld>
@@ -7206,124 +7091,29 @@
           <a:lstStyle/>
           <a:p>
             <a:r>
-              <a:rPr lang="de-DE" dirty="0" err="1" smtClean="0"/>
-              <a:t>OpenCL</a:t>
-            </a:r>
-            <a:r>
-              <a:rPr lang="de-DE" dirty="0" smtClean="0"/>
-              <a:t> </a:t>
-            </a:r>
-            <a:r>
-              <a:rPr lang="de-DE" dirty="0" err="1" smtClean="0"/>
-              <a:t>kernel</a:t>
-            </a:r>
-            <a:r>
-              <a:rPr lang="de-DE" dirty="0" smtClean="0"/>
-              <a:t> ausführen</a:t>
-            </a:r>
-            <a:br>
-              <a:rPr lang="de-DE" dirty="0" smtClean="0"/>
-            </a:br>
-            <a:r>
-              <a:rPr lang="de-DE" i="1" dirty="0" err="1" smtClean="0"/>
-              <a:t>clEnqueueNDRangeKernel</a:t>
-            </a:r>
-            <a:endParaRPr lang="de-DE" i="1" dirty="0" smtClean="0"/>
-          </a:p>
-          <a:p>
-            <a:r>
-              <a:rPr lang="de-DE" dirty="0" smtClean="0"/>
-              <a:t>Warten bis die Ausführung beendet ist</a:t>
-            </a:r>
-            <a:br>
-              <a:rPr lang="de-DE" dirty="0" smtClean="0"/>
-            </a:br>
-            <a:r>
-              <a:rPr lang="de-DE" i="1" dirty="0" err="1" smtClean="0"/>
-              <a:t>clFinish</a:t>
-            </a:r>
-            <a:endParaRPr lang="de-DE" i="1" dirty="0" smtClean="0"/>
-          </a:p>
-          <a:p>
-            <a:r>
-              <a:rPr lang="de-DE" dirty="0" smtClean="0"/>
-              <a:t>Lesen von Ausgabedaten</a:t>
-            </a:r>
-            <a:br>
-              <a:rPr lang="de-DE" dirty="0" smtClean="0"/>
-            </a:br>
-            <a:r>
-              <a:rPr lang="de-DE" i="1" dirty="0" err="1" smtClean="0"/>
-              <a:t>clEnqueueReadBuffer</a:t>
-            </a:r>
-            <a:endParaRPr lang="de-DE" i="1" dirty="0" smtClean="0"/>
-          </a:p>
-          <a:p>
-            <a:r>
-              <a:rPr lang="de-DE" dirty="0" smtClean="0"/>
-              <a:t>Gespeicherte Daten wieder löschen</a:t>
-            </a:r>
-            <a:br>
-              <a:rPr lang="de-DE" dirty="0" smtClean="0"/>
-            </a:br>
-            <a:r>
-              <a:rPr lang="de-DE" i="1" dirty="0" err="1" smtClean="0"/>
-              <a:t>clReleaseMemObject</a:t>
-            </a:r>
-            <a:endParaRPr lang="de-DE" i="1" dirty="0" smtClean="0"/>
-          </a:p>
-          <a:p>
-            <a:r>
-              <a:rPr lang="de-DE" dirty="0" smtClean="0"/>
-              <a:t>Kernel wieder freigeben</a:t>
-            </a:r>
-            <a:br>
-              <a:rPr lang="de-DE" dirty="0" smtClean="0"/>
-            </a:br>
-            <a:r>
-              <a:rPr lang="de-DE" i="1" dirty="0" err="1"/>
-              <a:t>clReleaseKernel</a:t>
-            </a:r>
-            <a:endParaRPr lang="de-DE" dirty="0" smtClean="0"/>
-          </a:p>
-        </p:txBody>
-      </p:sp>
-      <p:sp>
-        <p:nvSpPr>
-          <p:cNvPr id="3" name="Titel 2"/>
-          <p:cNvSpPr>
-            <a:spLocks noGrp="1"/>
-          </p:cNvSpPr>
-          <p:nvPr>
-            <p:ph type="title"/>
-          </p:nvPr>
-        </p:nvSpPr>
-        <p:spPr/>
-        <p:txBody>
-          <a:bodyPr>
-            <a:normAutofit fontScale="90000"/>
-          </a:bodyPr>
-          <a:lstStyle/>
-          <a:p>
-            <a:r>
-              <a:rPr lang="de-DE" dirty="0" smtClean="0"/>
-              <a:t>Aufbau </a:t>
-            </a:r>
-            <a:r>
-              <a:rPr lang="de-DE" dirty="0" err="1" smtClean="0"/>
-              <a:t>OpenCL</a:t>
-            </a:r>
-            <a:r>
-              <a:rPr lang="de-DE" dirty="0" smtClean="0"/>
-              <a:t> Programm (3/3)</a:t>
-            </a:r>
+              <a:rPr lang="de-DE" dirty="0"/>
+              <a:t>Export aller Original-Daten plus errechnetes Volumen als Double-Attribut</a:t>
+            </a:r>
+          </a:p>
+          <a:p>
             <a:endParaRPr lang="de-DE" dirty="0"/>
           </a:p>
-        </p:txBody>
-      </p:sp>
-      <p:sp>
-        <p:nvSpPr>
-          <p:cNvPr id="4" name="Datumsplatzhalter 3"/>
+          <a:p>
+            <a:r>
+              <a:rPr lang="de-DE" dirty="0" err="1"/>
+              <a:t>CityGML</a:t>
+            </a:r>
+            <a:r>
+              <a:rPr lang="de-DE" dirty="0"/>
+              <a:t>-Framework</a:t>
+            </a:r>
+            <a:endParaRPr lang="de-DE" dirty="0"/>
+          </a:p>
+        </p:txBody>
+      </p:sp>
+      <p:sp>
+        <p:nvSpPr>
+          <p:cNvPr id="3" name="Datumsplatzhalter 2"/>
           <p:cNvSpPr>
             <a:spLocks noGrp="1"/>
           </p:cNvSpPr>
@@ -7346,7 +7136,7 @@
       </p:sp>
       <p:sp>
         <p:nvSpPr>
-          <p:cNvPr id="5" name="Foliennummernplatzhalter 4"/>
+          <p:cNvPr id="4" name="Foliennummernplatzhalter 3"/>
           <p:cNvSpPr>
             <a:spLocks noGrp="1"/>
           </p:cNvSpPr>
@@ -7367,10 +7157,89 @@
           </a:p>
         </p:txBody>
       </p:sp>
+      <p:sp>
+        <p:nvSpPr>
+          <p:cNvPr id="5" name="Titel 4"/>
+          <p:cNvSpPr>
+            <a:spLocks noGrp="1"/>
+          </p:cNvSpPr>
+          <p:nvPr>
+            <p:ph type="title"/>
+          </p:nvPr>
+        </p:nvSpPr>
+        <p:spPr/>
+        <p:txBody>
+          <a:bodyPr>
+            <a:normAutofit/>
+          </a:bodyPr>
+          <a:lstStyle/>
+          <a:p>
+            <a:r>
+              <a:rPr lang="de-DE" dirty="0" smtClean="0"/>
+              <a:t>Export: GML</a:t>
+            </a:r>
+            <a:endParaRPr lang="de-DE" dirty="0"/>
+          </a:p>
+        </p:txBody>
+      </p:sp>
+      <p:pic>
+        <p:nvPicPr>
+          <p:cNvPr id="6" name="Picture 2"/>
+          <p:cNvPicPr>
+            <a:picLocks noChangeAspect="1" noChangeArrowheads="1"/>
+          </p:cNvPicPr>
+          <p:nvPr/>
+        </p:nvPicPr>
+        <p:blipFill>
+          <a:blip r:embed="rId2">
+            <a:extLst>
+              <a:ext uri="{28A0092B-C50C-407E-A947-70E740481C1C}">
+                <a14:useLocalDpi xmlns:a14="http://schemas.microsoft.com/office/drawing/2010/main" val="0"/>
+              </a:ext>
+            </a:extLst>
+          </a:blip>
+          <a:srcRect/>
+          <a:stretch>
+            <a:fillRect/>
+          </a:stretch>
+        </p:blipFill>
+        <p:spPr bwMode="auto">
+          <a:xfrm>
+            <a:off x="1809727" y="4145412"/>
+            <a:ext cx="5295900" cy="752475"/>
+          </a:xfrm>
+          <a:prstGeom prst="rect">
+            <a:avLst/>
+          </a:prstGeom>
+          <a:noFill/>
+          <a:ln>
+            <a:noFill/>
+          </a:ln>
+          <a:extLst>
+            <a:ext uri="{909E8E84-426E-40DD-AFC4-6F175D3DCCD1}">
+              <a14:hiddenFill xmlns:a14="http://schemas.microsoft.com/office/drawing/2010/main">
+                <a:solidFill>
+                  <a:schemeClr val="accent1"/>
+                </a:solidFill>
+              </a14:hiddenFill>
+            </a:ext>
+            <a:ext uri="{91240B29-F687-4F45-9708-019B960494DF}">
+              <a14:hiddenLine xmlns:a14="http://schemas.microsoft.com/office/drawing/2010/main" w="9525">
+                <a:solidFill>
+                  <a:schemeClr val="tx1"/>
+                </a:solidFill>
+                <a:miter lim="800000"/>
+                <a:headEnd/>
+                <a:tailEnd/>
+              </a14:hiddenLine>
+            </a:ext>
+          </a:extLst>
+        </p:spPr>
+      </p:pic>
     </p:spTree>
     <p:extLst>
       <p:ext uri="{BB962C8B-B14F-4D97-AF65-F5344CB8AC3E}">
-        <p14:creationId xmlns:p14="http://schemas.microsoft.com/office/powerpoint/2010/main" val="8515451"/>
+        <p14:creationId xmlns:p14="http://schemas.microsoft.com/office/powerpoint/2010/main" val="3881839749"/>
       </p:ext>
     </p:extLst>
   </p:cSld>
@@ -7416,317 +7285,100 @@
         </p:nvSpPr>
         <p:spPr/>
         <p:txBody>
+          <a:bodyPr/>
+          <a:lstStyle/>
+          <a:p>
+            <a:r>
+              <a:rPr lang="de-DE" dirty="0"/>
+              <a:t>Export der errechneten Volumen-, Flächen- und Schattenwerte als XML-Datei zur Verwendung mit </a:t>
+            </a:r>
+            <a:r>
+              <a:rPr lang="de-DE" b="1" dirty="0" smtClean="0"/>
+              <a:t>INSEL</a:t>
+            </a:r>
+          </a:p>
+          <a:p>
+            <a:endParaRPr lang="de-DE" b="1" dirty="0"/>
+          </a:p>
+          <a:p>
+            <a:r>
+              <a:rPr lang="de-DE" dirty="0" err="1"/>
+              <a:t>StAX</a:t>
+            </a:r>
+            <a:r>
+              <a:rPr lang="de-DE" dirty="0"/>
+              <a:t>-Framework</a:t>
+            </a:r>
+            <a:endParaRPr lang="de-DE" dirty="0"/>
+          </a:p>
+        </p:txBody>
+      </p:sp>
+      <p:sp>
+        <p:nvSpPr>
+          <p:cNvPr id="3" name="Datumsplatzhalter 2"/>
+          <p:cNvSpPr>
+            <a:spLocks noGrp="1"/>
+          </p:cNvSpPr>
+          <p:nvPr>
+            <p:ph type="dt" sz="half" idx="10"/>
+          </p:nvPr>
+        </p:nvSpPr>
+        <p:spPr/>
+        <p:txBody>
+          <a:bodyPr/>
+          <a:lstStyle/>
+          <a:p>
+            <a:r>
+              <a:rPr lang="de-DE" smtClean="0"/>
+              <a:t>23.06.2014</a:t>
+            </a:r>
+            <a:endParaRPr lang="de-DE"/>
+          </a:p>
+        </p:txBody>
+      </p:sp>
+      <p:sp>
+        <p:nvSpPr>
+          <p:cNvPr id="4" name="Foliennummernplatzhalter 3"/>
+          <p:cNvSpPr>
+            <a:spLocks noGrp="1"/>
+          </p:cNvSpPr>
+          <p:nvPr>
+            <p:ph type="sldNum" sz="quarter" idx="12"/>
+          </p:nvPr>
+        </p:nvSpPr>
+        <p:spPr/>
+        <p:txBody>
+          <a:bodyPr/>
+          <a:lstStyle/>
+          <a:p>
+            <a:fld id="{02075A8B-51D4-4999-A4F2-B3FAC6295E4D}" type="slidenum">
+              <a:rPr lang="de-DE" smtClean="0"/>
+              <a:t>21</a:t>
+            </a:fld>
+            <a:endParaRPr lang="de-DE"/>
+          </a:p>
+        </p:txBody>
+      </p:sp>
+      <p:sp>
+        <p:nvSpPr>
+          <p:cNvPr id="5" name="Titel 4"/>
+          <p:cNvSpPr>
+            <a:spLocks noGrp="1"/>
+          </p:cNvSpPr>
+          <p:nvPr>
+            <p:ph type="title"/>
+          </p:nvPr>
+        </p:nvSpPr>
+        <p:spPr/>
+        <p:txBody>
           <a:bodyPr>
             <a:normAutofit/>
           </a:bodyPr>
           <a:lstStyle/>
           <a:p>
             <a:r>
-              <a:rPr lang="de-DE" dirty="0" err="1" smtClean="0"/>
-              <a:t>OpenCL</a:t>
-            </a:r>
-            <a:r>
-              <a:rPr lang="de-DE" dirty="0" smtClean="0"/>
-              <a:t> Sprache ist eine </a:t>
-            </a:r>
-            <a:r>
               <a:rPr lang="de-DE" dirty="0"/>
-              <a:t>E</a:t>
-            </a:r>
-            <a:r>
-              <a:rPr lang="de-DE" dirty="0" smtClean="0"/>
-              <a:t>rweiterung des C-Standards</a:t>
-            </a:r>
-          </a:p>
-          <a:p>
-            <a:r>
-              <a:rPr lang="de-DE" dirty="0" smtClean="0"/>
-              <a:t>Beispiel zur Berechnung von Quadratzahlen auf der GPU</a:t>
-            </a:r>
-          </a:p>
-          <a:p>
-            <a:pPr marL="109728" indent="0">
-              <a:buNone/>
-            </a:pPr>
-            <a:r>
-              <a:rPr lang="de-DE" dirty="0" smtClean="0"/>
-              <a:t>__</a:t>
-            </a:r>
-            <a:r>
-              <a:rPr lang="de-DE" dirty="0" err="1"/>
-              <a:t>kernel</a:t>
-            </a:r>
-            <a:r>
-              <a:rPr lang="de-DE" dirty="0"/>
-              <a:t> </a:t>
-            </a:r>
-            <a:r>
-              <a:rPr lang="de-DE" dirty="0" err="1">
-                <a:solidFill>
-                  <a:srgbClr val="0070C0"/>
-                </a:solidFill>
-              </a:rPr>
-              <a:t>void</a:t>
-            </a:r>
-            <a:r>
-              <a:rPr lang="de-DE" dirty="0">
-                <a:solidFill>
-                  <a:srgbClr val="0070C0"/>
-                </a:solidFill>
-              </a:rPr>
-              <a:t> </a:t>
-            </a:r>
-            <a:r>
-              <a:rPr lang="de-DE" dirty="0" err="1"/>
-              <a:t>calc</a:t>
-            </a:r>
-            <a:r>
-              <a:rPr lang="de-DE" dirty="0"/>
-              <a:t>(__global </a:t>
-            </a:r>
-            <a:r>
-              <a:rPr lang="de-DE" dirty="0" err="1">
-                <a:solidFill>
-                  <a:srgbClr val="0070C0"/>
-                </a:solidFill>
-              </a:rPr>
-              <a:t>int</a:t>
-            </a:r>
-            <a:r>
-              <a:rPr lang="de-DE" dirty="0"/>
-              <a:t>* </a:t>
-            </a:r>
-            <a:r>
-              <a:rPr lang="de-DE" dirty="0" err="1"/>
-              <a:t>array</a:t>
-            </a:r>
-            <a:r>
-              <a:rPr lang="de-DE" dirty="0"/>
-              <a:t>,				   </a:t>
-            </a:r>
-            <a:r>
-              <a:rPr lang="de-DE" dirty="0" smtClean="0"/>
-              <a:t>         __</a:t>
-            </a:r>
-            <a:r>
-              <a:rPr lang="de-DE" dirty="0"/>
-              <a:t>global </a:t>
-            </a:r>
-            <a:r>
-              <a:rPr lang="de-DE" dirty="0" err="1">
-                <a:solidFill>
-                  <a:srgbClr val="0070C0"/>
-                </a:solidFill>
-              </a:rPr>
-              <a:t>int</a:t>
-            </a:r>
-            <a:r>
-              <a:rPr lang="de-DE" dirty="0"/>
-              <a:t>* </a:t>
-            </a:r>
-            <a:r>
-              <a:rPr lang="de-DE" dirty="0" err="1"/>
-              <a:t>result</a:t>
-            </a:r>
-            <a:r>
-              <a:rPr lang="de-DE" dirty="0"/>
-              <a:t>) </a:t>
-            </a:r>
-            <a:r>
-              <a:rPr lang="de-DE" dirty="0" smtClean="0"/>
-              <a:t>{</a:t>
-            </a:r>
-            <a:br>
-              <a:rPr lang="de-DE" dirty="0" smtClean="0"/>
-            </a:br>
-            <a:r>
-              <a:rPr lang="de-DE" dirty="0" smtClean="0"/>
-              <a:t>	</a:t>
-            </a:r>
-            <a:r>
-              <a:rPr lang="de-DE" dirty="0" err="1" smtClean="0">
-                <a:solidFill>
-                  <a:srgbClr val="0070C0"/>
-                </a:solidFill>
-              </a:rPr>
-              <a:t>int</a:t>
-            </a:r>
-            <a:r>
-              <a:rPr lang="de-DE" dirty="0" smtClean="0">
-                <a:solidFill>
-                  <a:srgbClr val="0070C0"/>
-                </a:solidFill>
-              </a:rPr>
-              <a:t> </a:t>
-            </a:r>
-            <a:r>
-              <a:rPr lang="de-DE" dirty="0" err="1"/>
-              <a:t>gid</a:t>
-            </a:r>
-            <a:r>
-              <a:rPr lang="de-DE" dirty="0"/>
-              <a:t> = </a:t>
-            </a:r>
-            <a:r>
-              <a:rPr lang="de-DE" dirty="0" err="1"/>
-              <a:t>get_global_id</a:t>
-            </a:r>
-            <a:r>
-              <a:rPr lang="de-DE" dirty="0"/>
-              <a:t>(</a:t>
-            </a:r>
-            <a:r>
-              <a:rPr lang="de-DE" dirty="0">
-                <a:solidFill>
-                  <a:srgbClr val="FFC000"/>
-                </a:solidFill>
-              </a:rPr>
-              <a:t>0</a:t>
-            </a:r>
-            <a:r>
-              <a:rPr lang="de-DE" dirty="0" smtClean="0"/>
-              <a:t>);</a:t>
-            </a:r>
-            <a:br>
-              <a:rPr lang="de-DE" dirty="0" smtClean="0"/>
-            </a:br>
-            <a:r>
-              <a:rPr lang="de-DE" dirty="0" smtClean="0"/>
-              <a:t>	</a:t>
-            </a:r>
-            <a:r>
-              <a:rPr lang="de-DE" dirty="0" err="1" smtClean="0"/>
-              <a:t>result</a:t>
-            </a:r>
-            <a:r>
-              <a:rPr lang="de-DE" dirty="0" smtClean="0"/>
-              <a:t>[</a:t>
-            </a:r>
-            <a:r>
-              <a:rPr lang="de-DE" dirty="0" err="1" smtClean="0"/>
-              <a:t>gid</a:t>
-            </a:r>
-            <a:r>
-              <a:rPr lang="de-DE" dirty="0"/>
-              <a:t>] = </a:t>
-            </a:r>
-            <a:r>
-              <a:rPr lang="de-DE" dirty="0" err="1"/>
-              <a:t>array</a:t>
-            </a:r>
-            <a:r>
-              <a:rPr lang="de-DE" dirty="0"/>
-              <a:t>[</a:t>
-            </a:r>
-            <a:r>
-              <a:rPr lang="de-DE" dirty="0" err="1"/>
-              <a:t>gid</a:t>
-            </a:r>
-            <a:r>
-              <a:rPr lang="de-DE" dirty="0"/>
-              <a:t>] * </a:t>
-            </a:r>
-            <a:r>
-              <a:rPr lang="de-DE" dirty="0" err="1"/>
-              <a:t>array</a:t>
-            </a:r>
-            <a:r>
-              <a:rPr lang="de-DE" dirty="0"/>
-              <a:t>[</a:t>
-            </a:r>
-            <a:r>
-              <a:rPr lang="de-DE" dirty="0" err="1"/>
-              <a:t>gid</a:t>
-            </a:r>
-            <a:r>
-              <a:rPr lang="de-DE" dirty="0" smtClean="0"/>
-              <a:t>];</a:t>
-            </a:r>
-          </a:p>
-          <a:p>
-            <a:pPr marL="109728" indent="0">
-              <a:buNone/>
-            </a:pPr>
-            <a:r>
-              <a:rPr lang="de-DE" dirty="0" smtClean="0"/>
-              <a:t>}</a:t>
-            </a:r>
-            <a:endParaRPr lang="de-DE" dirty="0"/>
-          </a:p>
-        </p:txBody>
-      </p:sp>
-      <p:sp>
-        <p:nvSpPr>
-          <p:cNvPr id="3" name="Datumsplatzhalter 2"/>
-          <p:cNvSpPr>
-            <a:spLocks noGrp="1"/>
-          </p:cNvSpPr>
-          <p:nvPr>
-            <p:ph type="dt" sz="half" idx="10"/>
-          </p:nvPr>
-        </p:nvSpPr>
-        <p:spPr/>
-        <p:txBody>
-          <a:bodyPr/>
-          <a:lstStyle/>
-          <a:p>
-            <a:r>
-              <a:rPr lang="de-DE" smtClean="0"/>
-              <a:t>23.06.2014</a:t>
-            </a:r>
-            <a:endParaRPr lang="de-DE"/>
-          </a:p>
-        </p:txBody>
-      </p:sp>
-      <p:sp>
-        <p:nvSpPr>
-          <p:cNvPr id="4" name="Foliennummernplatzhalter 3"/>
-          <p:cNvSpPr>
-            <a:spLocks noGrp="1"/>
-          </p:cNvSpPr>
-          <p:nvPr>
-            <p:ph type="sldNum" sz="quarter" idx="12"/>
-          </p:nvPr>
-        </p:nvSpPr>
-        <p:spPr/>
-        <p:txBody>
-          <a:bodyPr/>
-          <a:lstStyle/>
-          <a:p>
-            <a:fld id="{02075A8B-51D4-4999-A4F2-B3FAC6295E4D}" type="slidenum">
-              <a:rPr lang="de-DE" smtClean="0"/>
-              <a:t>21</a:t>
-            </a:fld>
-            <a:endParaRPr lang="de-DE"/>
-          </a:p>
-        </p:txBody>
-      </p:sp>
-      <p:sp>
-        <p:nvSpPr>
-          <p:cNvPr id="5" name="Titel 4"/>
-          <p:cNvSpPr>
-            <a:spLocks noGrp="1"/>
-          </p:cNvSpPr>
-          <p:nvPr>
-            <p:ph type="title"/>
-          </p:nvPr>
-        </p:nvSpPr>
-        <p:spPr/>
-        <p:txBody>
-          <a:bodyPr/>
-          <a:lstStyle/>
-          <a:p>
-            <a:r>
-              <a:rPr lang="de-DE" dirty="0" smtClean="0"/>
-              <a:t>Aufbau </a:t>
-            </a:r>
-            <a:r>
-              <a:rPr lang="de-DE" dirty="0" err="1" smtClean="0"/>
-              <a:t>OpenCL</a:t>
-            </a:r>
-            <a:r>
-              <a:rPr lang="de-DE" dirty="0" smtClean="0"/>
-              <a:t> Kernel</a:t>
+              <a:t>Export: XML</a:t>
             </a:r>
             <a:endParaRPr lang="de-DE" dirty="0"/>
           </a:p>
@@ -7735,7 +7387,7 @@
     </p:spTree>
     <p:extLst>
       <p:ext uri="{BB962C8B-B14F-4D97-AF65-F5344CB8AC3E}">
-        <p14:creationId xmlns:p14="http://schemas.microsoft.com/office/powerpoint/2010/main" val="3256973187"/>
+        <p14:creationId xmlns:p14="http://schemas.microsoft.com/office/powerpoint/2010/main" val="3102554863"/>
       </p:ext>
     </p:extLst>
   </p:cSld>
@@ -7781,6 +7433,2974 @@
         </p:nvSpPr>
         <p:spPr/>
         <p:txBody>
+          <a:bodyPr>
+            <a:normAutofit/>
+          </a:bodyPr>
+          <a:lstStyle/>
+          <a:p>
+            <a:r>
+              <a:rPr lang="de-DE" dirty="0" err="1"/>
+              <a:t>CityGML</a:t>
+            </a:r>
+            <a:r>
+              <a:rPr lang="de-DE" dirty="0"/>
+              <a:t>- Doku</a:t>
+            </a:r>
+          </a:p>
+          <a:p>
+            <a:pPr lvl="1"/>
+            <a:r>
+              <a:rPr lang="de-DE" dirty="0" smtClean="0"/>
+              <a:t>Schlecht </a:t>
+            </a:r>
+            <a:r>
+              <a:rPr lang="de-DE" dirty="0"/>
+              <a:t>dokumentiert</a:t>
+            </a:r>
+          </a:p>
+          <a:p>
+            <a:pPr lvl="1"/>
+            <a:r>
+              <a:rPr lang="de-DE" dirty="0" smtClean="0"/>
+              <a:t>Viele </a:t>
+            </a:r>
+            <a:r>
+              <a:rPr lang="de-DE" dirty="0"/>
+              <a:t>Felder oft nicht belegt -&gt; „null“</a:t>
+            </a:r>
+          </a:p>
+          <a:p>
+            <a:pPr lvl="1"/>
+            <a:r>
+              <a:rPr lang="de-DE" dirty="0" smtClean="0"/>
+              <a:t>Exploratives </a:t>
+            </a:r>
+            <a:r>
+              <a:rPr lang="de-DE" dirty="0"/>
+              <a:t>Testen </a:t>
+            </a:r>
+            <a:r>
+              <a:rPr lang="de-DE" dirty="0" smtClean="0"/>
+              <a:t>schwerfällig</a:t>
+            </a:r>
+            <a:endParaRPr lang="de-DE" dirty="0"/>
+          </a:p>
+        </p:txBody>
+      </p:sp>
+      <p:sp>
+        <p:nvSpPr>
+          <p:cNvPr id="3" name="Datumsplatzhalter 2"/>
+          <p:cNvSpPr>
+            <a:spLocks noGrp="1"/>
+          </p:cNvSpPr>
+          <p:nvPr>
+            <p:ph type="dt" sz="half" idx="10"/>
+          </p:nvPr>
+        </p:nvSpPr>
+        <p:spPr/>
+        <p:txBody>
+          <a:bodyPr/>
+          <a:lstStyle/>
+          <a:p>
+            <a:r>
+              <a:rPr lang="de-DE" smtClean="0"/>
+              <a:t>23.06.2014</a:t>
+            </a:r>
+            <a:endParaRPr lang="de-DE"/>
+          </a:p>
+        </p:txBody>
+      </p:sp>
+      <p:sp>
+        <p:nvSpPr>
+          <p:cNvPr id="4" name="Foliennummernplatzhalter 3"/>
+          <p:cNvSpPr>
+            <a:spLocks noGrp="1"/>
+          </p:cNvSpPr>
+          <p:nvPr>
+            <p:ph type="sldNum" sz="quarter" idx="12"/>
+          </p:nvPr>
+        </p:nvSpPr>
+        <p:spPr/>
+        <p:txBody>
+          <a:bodyPr/>
+          <a:lstStyle/>
+          <a:p>
+            <a:fld id="{02075A8B-51D4-4999-A4F2-B3FAC6295E4D}" type="slidenum">
+              <a:rPr lang="de-DE" smtClean="0"/>
+              <a:t>22</a:t>
+            </a:fld>
+            <a:endParaRPr lang="de-DE"/>
+          </a:p>
+        </p:txBody>
+      </p:sp>
+      <p:sp>
+        <p:nvSpPr>
+          <p:cNvPr id="5" name="Titel 4"/>
+          <p:cNvSpPr>
+            <a:spLocks noGrp="1"/>
+          </p:cNvSpPr>
+          <p:nvPr>
+            <p:ph type="title"/>
+          </p:nvPr>
+        </p:nvSpPr>
+        <p:spPr/>
+        <p:txBody>
+          <a:bodyPr/>
+          <a:lstStyle/>
+          <a:p>
+            <a:r>
+              <a:rPr lang="de-DE" dirty="0" smtClean="0"/>
+              <a:t>Parser: Troubleshooting</a:t>
+            </a:r>
+            <a:endParaRPr lang="de-DE" dirty="0"/>
+          </a:p>
+        </p:txBody>
+      </p:sp>
+      <p:graphicFrame>
+        <p:nvGraphicFramePr>
+          <p:cNvPr id="6" name="Table 3"/>
+          <p:cNvGraphicFramePr/>
+          <p:nvPr>
+            <p:extLst>
+              <p:ext uri="{D42A27DB-BD31-4B8C-83A1-F6EECF244321}">
+                <p14:modId xmlns:p14="http://schemas.microsoft.com/office/powerpoint/2010/main" val="3635636256"/>
+              </p:ext>
+            </p:extLst>
+          </p:nvPr>
+        </p:nvGraphicFramePr>
+        <p:xfrm>
+          <a:off x="827584" y="3501008"/>
+          <a:ext cx="7847280" cy="1635120"/>
+        </p:xfrm>
+        <a:graphic>
+          <a:graphicData uri="http://schemas.openxmlformats.org/drawingml/2006/table">
+            <a:tbl>
+              <a:tblPr/>
+              <a:tblGrid>
+                <a:gridCol w="2808312"/>
+                <a:gridCol w="5038968"/>
+              </a:tblGrid>
+              <a:tr h="1635120">
+                <a:tc>
+                  <a:txBody>
+                    <a:bodyPr/>
+                    <a:lstStyle/>
+                    <a:p>
+                      <a:r>
+                        <a:rPr lang="de-DE" sz="1200" dirty="0">
+                          <a:solidFill>
+                            <a:srgbClr val="000000"/>
+                          </a:solidFill>
+                          <a:latin typeface="Arial"/>
+                          <a:ea typeface="Microsoft YaHei"/>
+                        </a:rPr>
+                        <a:t>String </a:t>
+                      </a:r>
+                      <a:r>
+                        <a:rPr lang="de-DE" sz="1200" dirty="0" err="1">
+                          <a:solidFill>
+                            <a:srgbClr val="000000"/>
+                          </a:solidFill>
+                          <a:latin typeface="Arial"/>
+                          <a:ea typeface="Microsoft YaHei"/>
+                        </a:rPr>
+                        <a:t>theCity</a:t>
+                      </a:r>
+                      <a:r>
+                        <a:rPr lang="de-DE" sz="1200" dirty="0">
+                          <a:solidFill>
+                            <a:srgbClr val="000000"/>
+                          </a:solidFill>
+                          <a:latin typeface="Arial"/>
+                          <a:ea typeface="Microsoft YaHei"/>
+                        </a:rPr>
+                        <a:t> = </a:t>
+                      </a:r>
+                      <a:r>
+                        <a:rPr lang="de-DE" sz="1200" dirty="0" err="1">
+                          <a:solidFill>
+                            <a:srgbClr val="000000"/>
+                          </a:solidFill>
+                          <a:latin typeface="Arial"/>
+                          <a:ea typeface="Microsoft YaHei"/>
+                        </a:rPr>
+                        <a:t>building.getAddress</a:t>
+                      </a:r>
+                      <a:r>
+                        <a:rPr lang="de-DE" sz="1200" dirty="0">
+                          <a:solidFill>
+                            <a:srgbClr val="000000"/>
+                          </a:solidFill>
+                          <a:latin typeface="Arial"/>
+                          <a:ea typeface="Microsoft YaHei"/>
+                        </a:rPr>
+                        <a:t>()</a:t>
+                      </a:r>
+                      <a:endParaRPr dirty="0"/>
+                    </a:p>
+                    <a:p>
+                      <a:r>
+                        <a:rPr lang="de-DE" sz="1200" dirty="0">
+                          <a:solidFill>
+                            <a:srgbClr val="000000"/>
+                          </a:solidFill>
+                          <a:latin typeface="Arial"/>
+                          <a:ea typeface="Microsoft YaHei"/>
+                        </a:rPr>
+                        <a:t>.</a:t>
+                      </a:r>
+                      <a:r>
+                        <a:rPr lang="de-DE" sz="1200" dirty="0" err="1">
+                          <a:solidFill>
+                            <a:srgbClr val="000000"/>
+                          </a:solidFill>
+                          <a:latin typeface="Arial"/>
+                          <a:ea typeface="Microsoft YaHei"/>
+                        </a:rPr>
+                        <a:t>get</a:t>
+                      </a:r>
+                      <a:r>
+                        <a:rPr lang="de-DE" sz="1200" dirty="0">
+                          <a:solidFill>
+                            <a:srgbClr val="000000"/>
+                          </a:solidFill>
+                          <a:latin typeface="Arial"/>
+                          <a:ea typeface="Microsoft YaHei"/>
+                        </a:rPr>
+                        <a:t>(0).</a:t>
+                      </a:r>
+                      <a:r>
+                        <a:rPr lang="de-DE" sz="1200" dirty="0" err="1">
+                          <a:solidFill>
+                            <a:srgbClr val="000000"/>
+                          </a:solidFill>
+                          <a:latin typeface="Arial"/>
+                          <a:ea typeface="Microsoft YaHei"/>
+                        </a:rPr>
+                        <a:t>getAddress</a:t>
+                      </a:r>
+                      <a:r>
+                        <a:rPr lang="de-DE" sz="1200" dirty="0">
+                          <a:solidFill>
+                            <a:srgbClr val="000000"/>
+                          </a:solidFill>
+                          <a:latin typeface="Arial"/>
+                          <a:ea typeface="Microsoft YaHei"/>
+                        </a:rPr>
+                        <a:t>()</a:t>
+                      </a:r>
+                      <a:endParaRPr dirty="0"/>
+                    </a:p>
+                    <a:p>
+                      <a:r>
+                        <a:rPr lang="de-DE" sz="1200" dirty="0">
+                          <a:solidFill>
+                            <a:srgbClr val="000000"/>
+                          </a:solidFill>
+                          <a:latin typeface="Arial"/>
+                          <a:ea typeface="Microsoft YaHei"/>
+                        </a:rPr>
+                        <a:t>.</a:t>
+                      </a:r>
+                      <a:r>
+                        <a:rPr lang="de-DE" sz="1200" dirty="0" err="1">
+                          <a:solidFill>
+                            <a:srgbClr val="000000"/>
+                          </a:solidFill>
+                          <a:latin typeface="Arial"/>
+                          <a:ea typeface="Microsoft YaHei"/>
+                        </a:rPr>
+                        <a:t>getXalAddress</a:t>
+                      </a:r>
+                      <a:r>
+                        <a:rPr lang="de-DE" sz="1200" dirty="0">
+                          <a:solidFill>
+                            <a:srgbClr val="000000"/>
+                          </a:solidFill>
+                          <a:latin typeface="Arial"/>
+                          <a:ea typeface="Microsoft YaHei"/>
+                        </a:rPr>
+                        <a:t>()</a:t>
+                      </a:r>
+                      <a:endParaRPr dirty="0"/>
+                    </a:p>
+                    <a:p>
+                      <a:r>
+                        <a:rPr lang="de-DE" sz="1200" dirty="0">
+                          <a:solidFill>
+                            <a:srgbClr val="000000"/>
+                          </a:solidFill>
+                          <a:latin typeface="Arial"/>
+                          <a:ea typeface="Microsoft YaHei"/>
+                        </a:rPr>
+                        <a:t>.</a:t>
+                      </a:r>
+                      <a:r>
+                        <a:rPr lang="de-DE" sz="1200" dirty="0" err="1">
+                          <a:solidFill>
+                            <a:srgbClr val="000000"/>
+                          </a:solidFill>
+                          <a:latin typeface="Arial"/>
+                          <a:ea typeface="Microsoft YaHei"/>
+                        </a:rPr>
+                        <a:t>getAddressDetails</a:t>
+                      </a:r>
+                      <a:r>
+                        <a:rPr lang="de-DE" sz="1200" dirty="0">
+                          <a:solidFill>
+                            <a:srgbClr val="000000"/>
+                          </a:solidFill>
+                          <a:latin typeface="Arial"/>
+                          <a:ea typeface="Microsoft YaHei"/>
+                        </a:rPr>
+                        <a:t>()</a:t>
+                      </a:r>
+                      <a:endParaRPr dirty="0"/>
+                    </a:p>
+                    <a:p>
+                      <a:r>
+                        <a:rPr lang="de-DE" sz="1200" dirty="0">
+                          <a:solidFill>
+                            <a:srgbClr val="000000"/>
+                          </a:solidFill>
+                          <a:latin typeface="Arial"/>
+                          <a:ea typeface="Microsoft YaHei"/>
+                        </a:rPr>
+                        <a:t>.</a:t>
+                      </a:r>
+                      <a:r>
+                        <a:rPr lang="de-DE" sz="1200" dirty="0" err="1">
+                          <a:solidFill>
+                            <a:srgbClr val="000000"/>
+                          </a:solidFill>
+                          <a:latin typeface="Arial"/>
+                          <a:ea typeface="Microsoft YaHei"/>
+                        </a:rPr>
+                        <a:t>getCountry</a:t>
+                      </a:r>
+                      <a:r>
+                        <a:rPr lang="de-DE" sz="1200" dirty="0">
+                          <a:solidFill>
+                            <a:srgbClr val="000000"/>
+                          </a:solidFill>
+                          <a:latin typeface="Arial"/>
+                          <a:ea typeface="Microsoft YaHei"/>
+                        </a:rPr>
+                        <a:t>().</a:t>
+                      </a:r>
+                      <a:r>
+                        <a:rPr lang="de-DE" sz="1200" dirty="0" err="1">
+                          <a:solidFill>
+                            <a:srgbClr val="000000"/>
+                          </a:solidFill>
+                          <a:latin typeface="Arial"/>
+                          <a:ea typeface="Microsoft YaHei"/>
+                        </a:rPr>
+                        <a:t>getLocality</a:t>
+                      </a:r>
+                      <a:r>
+                        <a:rPr lang="de-DE" sz="1200" dirty="0">
+                          <a:solidFill>
+                            <a:srgbClr val="000000"/>
+                          </a:solidFill>
+                          <a:latin typeface="Arial"/>
+                          <a:ea typeface="Microsoft YaHei"/>
+                        </a:rPr>
+                        <a:t>()</a:t>
+                      </a:r>
+                      <a:endParaRPr dirty="0"/>
+                    </a:p>
+                    <a:p>
+                      <a:r>
+                        <a:rPr lang="de-DE" sz="1200" dirty="0">
+                          <a:solidFill>
+                            <a:srgbClr val="000000"/>
+                          </a:solidFill>
+                          <a:latin typeface="Arial"/>
+                          <a:ea typeface="Microsoft YaHei"/>
+                        </a:rPr>
+                        <a:t>.</a:t>
+                      </a:r>
+                      <a:r>
+                        <a:rPr lang="de-DE" sz="1200" dirty="0" err="1">
+                          <a:solidFill>
+                            <a:srgbClr val="000000"/>
+                          </a:solidFill>
+                          <a:latin typeface="Arial"/>
+                          <a:ea typeface="Microsoft YaHei"/>
+                        </a:rPr>
+                        <a:t>getLocalityName</a:t>
+                      </a:r>
+                      <a:r>
+                        <a:rPr lang="de-DE" sz="1200" dirty="0">
+                          <a:solidFill>
+                            <a:srgbClr val="000000"/>
+                          </a:solidFill>
+                          <a:latin typeface="Arial"/>
+                          <a:ea typeface="Microsoft YaHei"/>
+                        </a:rPr>
+                        <a:t>()</a:t>
+                      </a:r>
+                      <a:endParaRPr dirty="0"/>
+                    </a:p>
+                    <a:p>
+                      <a:pPr>
+                        <a:lnSpc>
+                          <a:spcPct val="100000"/>
+                        </a:lnSpc>
+                      </a:pPr>
+                      <a:r>
+                        <a:rPr lang="de-DE" sz="1200" dirty="0">
+                          <a:solidFill>
+                            <a:srgbClr val="000000"/>
+                          </a:solidFill>
+                          <a:latin typeface="Arial"/>
+                          <a:ea typeface="Microsoft YaHei"/>
+                        </a:rPr>
+                        <a:t>.</a:t>
+                      </a:r>
+                      <a:r>
+                        <a:rPr lang="de-DE" sz="1200" dirty="0" err="1">
+                          <a:solidFill>
+                            <a:srgbClr val="000000"/>
+                          </a:solidFill>
+                          <a:latin typeface="Arial"/>
+                          <a:ea typeface="Microsoft YaHei"/>
+                        </a:rPr>
+                        <a:t>get</a:t>
+                      </a:r>
+                      <a:r>
+                        <a:rPr lang="de-DE" sz="1200" dirty="0">
+                          <a:solidFill>
+                            <a:srgbClr val="000000"/>
+                          </a:solidFill>
+                          <a:latin typeface="Arial"/>
+                          <a:ea typeface="Microsoft YaHei"/>
+                        </a:rPr>
+                        <a:t>(0).</a:t>
+                      </a:r>
+                      <a:r>
+                        <a:rPr lang="de-DE" sz="1200" dirty="0" err="1">
+                          <a:solidFill>
+                            <a:srgbClr val="000000"/>
+                          </a:solidFill>
+                          <a:latin typeface="Arial"/>
+                          <a:ea typeface="Microsoft YaHei"/>
+                        </a:rPr>
+                        <a:t>getContent</a:t>
+                      </a:r>
+                      <a:r>
+                        <a:rPr lang="de-DE" sz="1200" dirty="0">
+                          <a:solidFill>
+                            <a:srgbClr val="000000"/>
+                          </a:solidFill>
+                          <a:latin typeface="Arial"/>
+                          <a:ea typeface="Microsoft YaHei"/>
+                        </a:rPr>
+                        <a:t>();</a:t>
+                      </a:r>
+                      <a:endParaRPr dirty="0"/>
+                    </a:p>
+                  </a:txBody>
+                  <a:tcPr/>
+                </a:tc>
+                <a:tc>
+                  <a:txBody>
+                    <a:bodyPr/>
+                    <a:lstStyle/>
+                    <a:p>
+                      <a:pPr>
+                        <a:lnSpc>
+                          <a:spcPct val="100000"/>
+                        </a:lnSpc>
+                      </a:pPr>
+                      <a:r>
+                        <a:rPr lang="de-DE" sz="1200" dirty="0"/>
+                        <a:t>&lt;</a:t>
+                      </a:r>
+                      <a:r>
+                        <a:rPr lang="de-DE" sz="1200" dirty="0" err="1"/>
+                        <a:t>bldg:address</a:t>
+                      </a:r>
+                      <a:r>
+                        <a:rPr lang="de-DE" sz="1200" dirty="0"/>
+                        <a:t>&gt;</a:t>
+                      </a:r>
+                      <a:endParaRPr dirty="0"/>
+                    </a:p>
+                    <a:p>
+                      <a:pPr>
+                        <a:lnSpc>
+                          <a:spcPct val="100000"/>
+                        </a:lnSpc>
+                      </a:pPr>
+                      <a:r>
+                        <a:rPr lang="de-DE" sz="1200" dirty="0"/>
+                        <a:t>  &lt;</a:t>
+                      </a:r>
+                      <a:r>
+                        <a:rPr lang="de-DE" sz="1200" dirty="0" err="1"/>
+                        <a:t>core:Address</a:t>
+                      </a:r>
+                      <a:r>
+                        <a:rPr lang="de-DE" sz="1200" dirty="0"/>
+                        <a:t>&gt;</a:t>
+                      </a:r>
+                      <a:endParaRPr dirty="0"/>
+                    </a:p>
+                    <a:p>
+                      <a:pPr>
+                        <a:lnSpc>
+                          <a:spcPct val="100000"/>
+                        </a:lnSpc>
+                      </a:pPr>
+                      <a:r>
+                        <a:rPr lang="de-DE" sz="1200" dirty="0"/>
+                        <a:t>    &lt;</a:t>
+                      </a:r>
+                      <a:r>
+                        <a:rPr lang="de-DE" sz="1200" dirty="0" err="1"/>
+                        <a:t>core:xalAddress</a:t>
+                      </a:r>
+                      <a:r>
+                        <a:rPr lang="de-DE" sz="1200" dirty="0"/>
+                        <a:t>&gt;</a:t>
+                      </a:r>
+                      <a:endParaRPr dirty="0"/>
+                    </a:p>
+                    <a:p>
+                      <a:pPr>
+                        <a:lnSpc>
+                          <a:spcPct val="100000"/>
+                        </a:lnSpc>
+                      </a:pPr>
+                      <a:r>
+                        <a:rPr lang="de-DE" sz="1200" dirty="0"/>
+                        <a:t>      &lt;</a:t>
+                      </a:r>
+                      <a:r>
+                        <a:rPr lang="de-DE" sz="1200" dirty="0" err="1"/>
+                        <a:t>xal:AddressDetails</a:t>
+                      </a:r>
+                      <a:r>
+                        <a:rPr lang="de-DE" sz="1200" dirty="0"/>
+                        <a:t>&gt;</a:t>
+                      </a:r>
+                      <a:endParaRPr dirty="0"/>
+                    </a:p>
+                    <a:p>
+                      <a:pPr>
+                        <a:lnSpc>
+                          <a:spcPct val="100000"/>
+                        </a:lnSpc>
+                      </a:pPr>
+                      <a:r>
+                        <a:rPr lang="de-DE" sz="1200" dirty="0"/>
+                        <a:t>        &lt;</a:t>
+                      </a:r>
+                      <a:r>
+                        <a:rPr lang="de-DE" sz="1200" dirty="0" err="1"/>
+                        <a:t>xal:Country</a:t>
+                      </a:r>
+                      <a:r>
+                        <a:rPr lang="de-DE" sz="1200" dirty="0"/>
+                        <a:t>&gt;</a:t>
+                      </a:r>
+                      <a:endParaRPr dirty="0"/>
+                    </a:p>
+                    <a:p>
+                      <a:pPr>
+                        <a:lnSpc>
+                          <a:spcPct val="100000"/>
+                        </a:lnSpc>
+                      </a:pPr>
+                      <a:r>
+                        <a:rPr lang="de-DE" sz="1200" dirty="0"/>
+                        <a:t>          &lt;</a:t>
+                      </a:r>
+                      <a:r>
+                        <a:rPr lang="de-DE" sz="1200" dirty="0" err="1"/>
+                        <a:t>xal:CountryName</a:t>
+                      </a:r>
+                      <a:r>
+                        <a:rPr lang="de-DE" sz="1200" dirty="0"/>
+                        <a:t>&gt;Germany&lt;/</a:t>
+                      </a:r>
+                      <a:r>
+                        <a:rPr lang="de-DE" sz="1200" dirty="0" err="1"/>
+                        <a:t>xal:CountryName</a:t>
+                      </a:r>
+                      <a:r>
+                        <a:rPr lang="de-DE" sz="1200" dirty="0"/>
+                        <a:t>&gt;</a:t>
+                      </a:r>
+                      <a:endParaRPr dirty="0"/>
+                    </a:p>
+                    <a:p>
+                      <a:pPr>
+                        <a:lnSpc>
+                          <a:spcPct val="100000"/>
+                        </a:lnSpc>
+                      </a:pPr>
+                      <a:r>
+                        <a:rPr lang="de-DE" sz="1200" dirty="0"/>
+                        <a:t>          &lt;</a:t>
+                      </a:r>
+                      <a:r>
+                        <a:rPr lang="de-DE" sz="1200" dirty="0" err="1"/>
+                        <a:t>xal:Locality</a:t>
+                      </a:r>
+                      <a:r>
+                        <a:rPr lang="de-DE" sz="1200" dirty="0"/>
+                        <a:t> Type="Town"&gt;</a:t>
+                      </a:r>
+                      <a:endParaRPr dirty="0"/>
+                    </a:p>
+                    <a:p>
+                      <a:pPr>
+                        <a:lnSpc>
+                          <a:spcPct val="100000"/>
+                        </a:lnSpc>
+                      </a:pPr>
+                      <a:r>
+                        <a:rPr lang="de-DE" sz="1200" dirty="0"/>
+                        <a:t>            &lt;</a:t>
+                      </a:r>
+                      <a:r>
+                        <a:rPr lang="de-DE" sz="1200" dirty="0" err="1"/>
+                        <a:t>xal:LocalityName</a:t>
+                      </a:r>
+                      <a:r>
+                        <a:rPr lang="de-DE" sz="1200" dirty="0"/>
+                        <a:t>&gt;</a:t>
+                      </a:r>
+                      <a:r>
+                        <a:rPr lang="de-DE" sz="1200" u="sng" dirty="0">
+                          <a:solidFill>
+                            <a:srgbClr val="000000"/>
+                          </a:solidFill>
+                          <a:latin typeface="Consolas"/>
+                          <a:ea typeface="Consolas"/>
+                        </a:rPr>
+                        <a:t>Ludwigsburg</a:t>
+                      </a:r>
+                      <a:r>
+                        <a:rPr lang="de-DE" sz="1200" dirty="0">
+                          <a:solidFill>
+                            <a:srgbClr val="000000"/>
+                          </a:solidFill>
+                          <a:latin typeface="Consolas"/>
+                          <a:ea typeface="Consolas"/>
+                        </a:rPr>
+                        <a:t>&lt;/</a:t>
+                      </a:r>
+                      <a:r>
+                        <a:rPr lang="de-DE" sz="1200" dirty="0" err="1">
+                          <a:solidFill>
+                            <a:srgbClr val="000000"/>
+                          </a:solidFill>
+                          <a:latin typeface="Consolas"/>
+                          <a:ea typeface="Consolas"/>
+                        </a:rPr>
+                        <a:t>xal:LocalityName</a:t>
+                      </a:r>
+                      <a:r>
+                        <a:rPr lang="de-DE" sz="1200" dirty="0">
+                          <a:solidFill>
+                            <a:srgbClr val="000000"/>
+                          </a:solidFill>
+                          <a:latin typeface="Consolas"/>
+                          <a:ea typeface="Consolas"/>
+                        </a:rPr>
+                        <a:t>&gt;</a:t>
+                      </a:r>
+                      <a:endParaRPr dirty="0"/>
+                    </a:p>
+                  </a:txBody>
+                  <a:tcPr/>
+                </a:tc>
+              </a:tr>
+            </a:tbl>
+          </a:graphicData>
+        </a:graphic>
+      </p:graphicFrame>
+    </p:spTree>
+    <p:extLst>
+      <p:ext uri="{BB962C8B-B14F-4D97-AF65-F5344CB8AC3E}">
+        <p14:creationId xmlns:p14="http://schemas.microsoft.com/office/powerpoint/2010/main" val="3947915183"/>
+      </p:ext>
+    </p:extLst>
+  </p:cSld>
+  <p:clrMapOvr>
+    <a:masterClrMapping/>
+  </p:clrMapOvr>
+</p:sld>
+</file>
+
+<file path=ppt/slides/slide23.xml><?xml version="1.0" encoding="utf-8"?>
+<p:sld xmlns:a="http://schemas.openxmlformats.org/drawingml/2006/main" xmlns:r="http://schemas.openxmlformats.org/officeDocument/2006/relationships" xmlns:p="http://schemas.openxmlformats.org/presentationml/2006/main">
+  <p:cSld>
+    <p:spTree>
+      <p:nvGrpSpPr>
+        <p:cNvPr id="1" name=""/>
+        <p:cNvGrpSpPr/>
+        <p:nvPr/>
+      </p:nvGrpSpPr>
+      <p:grpSpPr>
+        <a:xfrm>
+          <a:off x="0" y="0"/>
+          <a:ext cx="0" cy="0"/>
+          <a:chOff x="0" y="0"/>
+          <a:chExt cx="0" cy="0"/>
+        </a:xfrm>
+      </p:grpSpPr>
+      <p:sp>
+        <p:nvSpPr>
+          <p:cNvPr id="2" name="Inhaltsplatzhalter 1"/>
+          <p:cNvSpPr>
+            <a:spLocks noGrp="1"/>
+          </p:cNvSpPr>
+          <p:nvPr>
+            <p:ph idx="1"/>
+          </p:nvPr>
+        </p:nvSpPr>
+        <p:spPr/>
+        <p:txBody>
+          <a:bodyPr>
+            <a:normAutofit/>
+          </a:bodyPr>
+          <a:lstStyle/>
+          <a:p>
+            <a:r>
+              <a:rPr lang="de-DE" dirty="0" err="1"/>
+              <a:t>CityGML</a:t>
+            </a:r>
+            <a:r>
+              <a:rPr lang="de-DE" dirty="0"/>
+              <a:t>- Doku</a:t>
+            </a:r>
+          </a:p>
+          <a:p>
+            <a:pPr lvl="1"/>
+            <a:r>
+              <a:rPr lang="de-DE" dirty="0" smtClean="0"/>
+              <a:t>Schlecht </a:t>
+            </a:r>
+            <a:r>
+              <a:rPr lang="de-DE" dirty="0"/>
+              <a:t>dokumentiert</a:t>
+            </a:r>
+          </a:p>
+          <a:p>
+            <a:pPr lvl="1"/>
+            <a:r>
+              <a:rPr lang="de-DE" dirty="0" smtClean="0"/>
+              <a:t>Viele </a:t>
+            </a:r>
+            <a:r>
+              <a:rPr lang="de-DE" dirty="0"/>
+              <a:t>Felder oft nicht belegt -&gt; „null“</a:t>
+            </a:r>
+          </a:p>
+          <a:p>
+            <a:pPr lvl="1"/>
+            <a:r>
+              <a:rPr lang="de-DE" dirty="0" smtClean="0"/>
+              <a:t>Exploratives </a:t>
+            </a:r>
+            <a:r>
+              <a:rPr lang="de-DE" dirty="0"/>
+              <a:t>Testen schwerfällig</a:t>
+            </a:r>
+          </a:p>
+          <a:p>
+            <a:r>
+              <a:rPr lang="de-DE" dirty="0"/>
+              <a:t>Laufzeit Parser</a:t>
+            </a:r>
+          </a:p>
+          <a:p>
+            <a:pPr lvl="1"/>
+            <a:r>
+              <a:rPr lang="de-DE" dirty="0" smtClean="0"/>
+              <a:t>Bisher </a:t>
+            </a:r>
+            <a:r>
+              <a:rPr lang="de-DE" dirty="0"/>
+              <a:t>verkraftbar</a:t>
+            </a:r>
+          </a:p>
+          <a:p>
+            <a:pPr lvl="1"/>
+            <a:r>
+              <a:rPr lang="de-DE" dirty="0" smtClean="0"/>
+              <a:t>Problem</a:t>
+            </a:r>
+            <a:r>
+              <a:rPr lang="de-DE" dirty="0"/>
+              <a:t>: Größere Stadtmodelle</a:t>
+            </a:r>
+          </a:p>
+          <a:p>
+            <a:pPr lvl="1"/>
+            <a:r>
+              <a:rPr lang="de-DE" dirty="0" smtClean="0"/>
+              <a:t>Ausblick</a:t>
+            </a:r>
+            <a:r>
+              <a:rPr lang="de-DE" dirty="0"/>
+              <a:t>: XML-Dokument in </a:t>
+            </a:r>
+            <a:r>
+              <a:rPr lang="de-DE" dirty="0" smtClean="0"/>
+              <a:t>RAM</a:t>
+            </a:r>
+            <a:endParaRPr lang="de-DE" dirty="0"/>
+          </a:p>
+        </p:txBody>
+      </p:sp>
+      <p:sp>
+        <p:nvSpPr>
+          <p:cNvPr id="3" name="Datumsplatzhalter 2"/>
+          <p:cNvSpPr>
+            <a:spLocks noGrp="1"/>
+          </p:cNvSpPr>
+          <p:nvPr>
+            <p:ph type="dt" sz="half" idx="10"/>
+          </p:nvPr>
+        </p:nvSpPr>
+        <p:spPr/>
+        <p:txBody>
+          <a:bodyPr/>
+          <a:lstStyle/>
+          <a:p>
+            <a:r>
+              <a:rPr lang="de-DE" smtClean="0"/>
+              <a:t>23.06.2014</a:t>
+            </a:r>
+            <a:endParaRPr lang="de-DE"/>
+          </a:p>
+        </p:txBody>
+      </p:sp>
+      <p:sp>
+        <p:nvSpPr>
+          <p:cNvPr id="4" name="Foliennummernplatzhalter 3"/>
+          <p:cNvSpPr>
+            <a:spLocks noGrp="1"/>
+          </p:cNvSpPr>
+          <p:nvPr>
+            <p:ph type="sldNum" sz="quarter" idx="12"/>
+          </p:nvPr>
+        </p:nvSpPr>
+        <p:spPr/>
+        <p:txBody>
+          <a:bodyPr/>
+          <a:lstStyle/>
+          <a:p>
+            <a:fld id="{02075A8B-51D4-4999-A4F2-B3FAC6295E4D}" type="slidenum">
+              <a:rPr lang="de-DE" smtClean="0"/>
+              <a:t>23</a:t>
+            </a:fld>
+            <a:endParaRPr lang="de-DE"/>
+          </a:p>
+        </p:txBody>
+      </p:sp>
+      <p:sp>
+        <p:nvSpPr>
+          <p:cNvPr id="5" name="Titel 4"/>
+          <p:cNvSpPr>
+            <a:spLocks noGrp="1"/>
+          </p:cNvSpPr>
+          <p:nvPr>
+            <p:ph type="title"/>
+          </p:nvPr>
+        </p:nvSpPr>
+        <p:spPr/>
+        <p:txBody>
+          <a:bodyPr/>
+          <a:lstStyle/>
+          <a:p>
+            <a:r>
+              <a:rPr lang="de-DE" dirty="0" smtClean="0"/>
+              <a:t>Parser: Troubleshooting</a:t>
+            </a:r>
+            <a:endParaRPr lang="de-DE" dirty="0"/>
+          </a:p>
+        </p:txBody>
+      </p:sp>
+    </p:spTree>
+    <p:extLst>
+      <p:ext uri="{BB962C8B-B14F-4D97-AF65-F5344CB8AC3E}">
+        <p14:creationId xmlns:p14="http://schemas.microsoft.com/office/powerpoint/2010/main" val="174954716"/>
+      </p:ext>
+    </p:extLst>
+  </p:cSld>
+  <p:clrMapOvr>
+    <a:masterClrMapping/>
+  </p:clrMapOvr>
+</p:sld>
+</file>
+
+<file path=ppt/slides/slide24.xml><?xml version="1.0" encoding="utf-8"?>
+<p:sld xmlns:a="http://schemas.openxmlformats.org/drawingml/2006/main" xmlns:r="http://schemas.openxmlformats.org/officeDocument/2006/relationships" xmlns:p="http://schemas.openxmlformats.org/presentationml/2006/main">
+  <p:cSld>
+    <p:spTree>
+      <p:nvGrpSpPr>
+        <p:cNvPr id="1" name=""/>
+        <p:cNvGrpSpPr/>
+        <p:nvPr/>
+      </p:nvGrpSpPr>
+      <p:grpSpPr>
+        <a:xfrm>
+          <a:off x="0" y="0"/>
+          <a:ext cx="0" cy="0"/>
+          <a:chOff x="0" y="0"/>
+          <a:chExt cx="0" cy="0"/>
+        </a:xfrm>
+      </p:grpSpPr>
+      <p:sp>
+        <p:nvSpPr>
+          <p:cNvPr id="2" name="Inhaltsplatzhalter 1"/>
+          <p:cNvSpPr>
+            <a:spLocks noGrp="1"/>
+          </p:cNvSpPr>
+          <p:nvPr>
+            <p:ph idx="1"/>
+          </p:nvPr>
+        </p:nvSpPr>
+        <p:spPr/>
+        <p:txBody>
+          <a:bodyPr>
+            <a:normAutofit/>
+          </a:bodyPr>
+          <a:lstStyle/>
+          <a:p>
+            <a:r>
+              <a:rPr lang="de-DE" dirty="0" err="1"/>
+              <a:t>CityGML</a:t>
+            </a:r>
+            <a:r>
+              <a:rPr lang="de-DE" dirty="0"/>
+              <a:t>- Doku</a:t>
+            </a:r>
+          </a:p>
+          <a:p>
+            <a:pPr lvl="1"/>
+            <a:r>
+              <a:rPr lang="de-DE" dirty="0" smtClean="0"/>
+              <a:t>Schlecht </a:t>
+            </a:r>
+            <a:r>
+              <a:rPr lang="de-DE" dirty="0"/>
+              <a:t>dokumentiert</a:t>
+            </a:r>
+          </a:p>
+          <a:p>
+            <a:pPr lvl="1"/>
+            <a:r>
+              <a:rPr lang="de-DE" dirty="0" smtClean="0"/>
+              <a:t>Viele </a:t>
+            </a:r>
+            <a:r>
+              <a:rPr lang="de-DE" dirty="0"/>
+              <a:t>Felder oft nicht belegt -&gt; „null“</a:t>
+            </a:r>
+          </a:p>
+          <a:p>
+            <a:pPr lvl="1"/>
+            <a:r>
+              <a:rPr lang="de-DE" dirty="0" smtClean="0"/>
+              <a:t>Exploratives </a:t>
+            </a:r>
+            <a:r>
+              <a:rPr lang="de-DE" dirty="0"/>
+              <a:t>Testen schwerfällig</a:t>
+            </a:r>
+          </a:p>
+          <a:p>
+            <a:r>
+              <a:rPr lang="de-DE" dirty="0"/>
+              <a:t>Laufzeit Parser</a:t>
+            </a:r>
+          </a:p>
+          <a:p>
+            <a:pPr lvl="1"/>
+            <a:r>
+              <a:rPr lang="de-DE" dirty="0" smtClean="0"/>
+              <a:t>Bisher </a:t>
+            </a:r>
+            <a:r>
+              <a:rPr lang="de-DE" dirty="0"/>
+              <a:t>verkraftbar</a:t>
+            </a:r>
+          </a:p>
+          <a:p>
+            <a:pPr lvl="1"/>
+            <a:r>
+              <a:rPr lang="de-DE" dirty="0" smtClean="0"/>
+              <a:t>Problem</a:t>
+            </a:r>
+            <a:r>
+              <a:rPr lang="de-DE" dirty="0"/>
+              <a:t>: Größere Stadtmodelle</a:t>
+            </a:r>
+          </a:p>
+          <a:p>
+            <a:pPr lvl="1"/>
+            <a:r>
+              <a:rPr lang="de-DE" dirty="0" smtClean="0"/>
+              <a:t>Ausblick</a:t>
+            </a:r>
+            <a:r>
+              <a:rPr lang="de-DE" dirty="0"/>
+              <a:t>: XML-Dokument in RAM</a:t>
+            </a:r>
+          </a:p>
+          <a:p>
+            <a:r>
+              <a:rPr lang="de-DE" dirty="0"/>
+              <a:t>Genauigkeit der Berechnungen</a:t>
+            </a:r>
+          </a:p>
+          <a:p>
+            <a:pPr lvl="1"/>
+            <a:r>
+              <a:rPr lang="de-DE" dirty="0" smtClean="0"/>
+              <a:t>„Umrechnen</a:t>
+            </a:r>
+            <a:r>
+              <a:rPr lang="de-DE" dirty="0"/>
+              <a:t>“ von double zu </a:t>
+            </a:r>
+            <a:r>
+              <a:rPr lang="de-DE" dirty="0" err="1"/>
+              <a:t>float</a:t>
+            </a:r>
+            <a:r>
+              <a:rPr lang="de-DE" dirty="0"/>
+              <a:t> - Datentypen zur Volumenberechnung</a:t>
+            </a:r>
+          </a:p>
+          <a:p>
+            <a:endParaRPr lang="de-DE" dirty="0"/>
+          </a:p>
+        </p:txBody>
+      </p:sp>
+      <p:sp>
+        <p:nvSpPr>
+          <p:cNvPr id="3" name="Datumsplatzhalter 2"/>
+          <p:cNvSpPr>
+            <a:spLocks noGrp="1"/>
+          </p:cNvSpPr>
+          <p:nvPr>
+            <p:ph type="dt" sz="half" idx="10"/>
+          </p:nvPr>
+        </p:nvSpPr>
+        <p:spPr/>
+        <p:txBody>
+          <a:bodyPr/>
+          <a:lstStyle/>
+          <a:p>
+            <a:r>
+              <a:rPr lang="de-DE" smtClean="0"/>
+              <a:t>23.06.2014</a:t>
+            </a:r>
+            <a:endParaRPr lang="de-DE"/>
+          </a:p>
+        </p:txBody>
+      </p:sp>
+      <p:sp>
+        <p:nvSpPr>
+          <p:cNvPr id="4" name="Foliennummernplatzhalter 3"/>
+          <p:cNvSpPr>
+            <a:spLocks noGrp="1"/>
+          </p:cNvSpPr>
+          <p:nvPr>
+            <p:ph type="sldNum" sz="quarter" idx="12"/>
+          </p:nvPr>
+        </p:nvSpPr>
+        <p:spPr/>
+        <p:txBody>
+          <a:bodyPr/>
+          <a:lstStyle/>
+          <a:p>
+            <a:fld id="{02075A8B-51D4-4999-A4F2-B3FAC6295E4D}" type="slidenum">
+              <a:rPr lang="de-DE" smtClean="0"/>
+              <a:t>24</a:t>
+            </a:fld>
+            <a:endParaRPr lang="de-DE"/>
+          </a:p>
+        </p:txBody>
+      </p:sp>
+      <p:sp>
+        <p:nvSpPr>
+          <p:cNvPr id="5" name="Titel 4"/>
+          <p:cNvSpPr>
+            <a:spLocks noGrp="1"/>
+          </p:cNvSpPr>
+          <p:nvPr>
+            <p:ph type="title"/>
+          </p:nvPr>
+        </p:nvSpPr>
+        <p:spPr/>
+        <p:txBody>
+          <a:bodyPr/>
+          <a:lstStyle/>
+          <a:p>
+            <a:r>
+              <a:rPr lang="de-DE" dirty="0" smtClean="0"/>
+              <a:t>Parser: Troubleshooting</a:t>
+            </a:r>
+            <a:endParaRPr lang="de-DE" dirty="0"/>
+          </a:p>
+        </p:txBody>
+      </p:sp>
+    </p:spTree>
+    <p:extLst>
+      <p:ext uri="{BB962C8B-B14F-4D97-AF65-F5344CB8AC3E}">
+        <p14:creationId xmlns:p14="http://schemas.microsoft.com/office/powerpoint/2010/main" val="3529786392"/>
+      </p:ext>
+    </p:extLst>
+  </p:cSld>
+  <p:clrMapOvr>
+    <a:masterClrMapping/>
+  </p:clrMapOvr>
+</p:sld>
+</file>
+
+<file path=ppt/slides/slide25.xml><?xml version="1.0" encoding="utf-8"?>
+<p:sld xmlns:a="http://schemas.openxmlformats.org/drawingml/2006/main" xmlns:r="http://schemas.openxmlformats.org/officeDocument/2006/relationships" xmlns:p="http://schemas.openxmlformats.org/presentationml/2006/main">
+  <p:cSld>
+    <p:spTree>
+      <p:nvGrpSpPr>
+        <p:cNvPr id="1" name=""/>
+        <p:cNvGrpSpPr/>
+        <p:nvPr/>
+      </p:nvGrpSpPr>
+      <p:grpSpPr>
+        <a:xfrm>
+          <a:off x="0" y="0"/>
+          <a:ext cx="0" cy="0"/>
+          <a:chOff x="0" y="0"/>
+          <a:chExt cx="0" cy="0"/>
+        </a:xfrm>
+      </p:grpSpPr>
+      <p:sp>
+        <p:nvSpPr>
+          <p:cNvPr id="2" name="Inhaltsplatzhalter 1"/>
+          <p:cNvSpPr>
+            <a:spLocks noGrp="1"/>
+          </p:cNvSpPr>
+          <p:nvPr>
+            <p:ph idx="1"/>
+          </p:nvPr>
+        </p:nvSpPr>
+        <p:spPr/>
+        <p:txBody>
+          <a:bodyPr/>
+          <a:lstStyle/>
+          <a:p>
+            <a:r>
+              <a:rPr lang="de-DE" dirty="0" smtClean="0"/>
+              <a:t>Aufgabe</a:t>
+            </a:r>
+          </a:p>
+          <a:p>
+            <a:r>
+              <a:rPr lang="de-DE" dirty="0" smtClean="0"/>
+              <a:t>Allgemeines zu </a:t>
+            </a:r>
+            <a:r>
+              <a:rPr lang="de-DE" dirty="0" err="1" smtClean="0"/>
+              <a:t>OpenCL</a:t>
+            </a:r>
+            <a:endParaRPr lang="de-DE" dirty="0" smtClean="0"/>
+          </a:p>
+          <a:p>
+            <a:r>
+              <a:rPr lang="de-DE" dirty="0" smtClean="0"/>
+              <a:t>Volumenberechnung</a:t>
+            </a:r>
+          </a:p>
+          <a:p>
+            <a:r>
+              <a:rPr lang="de-DE" dirty="0" smtClean="0"/>
+              <a:t>Schattenberechnung</a:t>
+            </a:r>
+          </a:p>
+          <a:p>
+            <a:r>
+              <a:rPr lang="de-DE" dirty="0" smtClean="0"/>
+              <a:t>Sonnenposition</a:t>
+            </a:r>
+          </a:p>
+          <a:p>
+            <a:endParaRPr lang="de-DE" dirty="0"/>
+          </a:p>
+        </p:txBody>
+      </p:sp>
+      <p:sp>
+        <p:nvSpPr>
+          <p:cNvPr id="3" name="Datumsplatzhalter 2"/>
+          <p:cNvSpPr>
+            <a:spLocks noGrp="1"/>
+          </p:cNvSpPr>
+          <p:nvPr>
+            <p:ph type="dt" sz="half" idx="10"/>
+          </p:nvPr>
+        </p:nvSpPr>
+        <p:spPr/>
+        <p:txBody>
+          <a:bodyPr/>
+          <a:lstStyle/>
+          <a:p>
+            <a:r>
+              <a:rPr lang="de-DE" smtClean="0"/>
+              <a:t>23.06.2014</a:t>
+            </a:r>
+            <a:endParaRPr lang="de-DE"/>
+          </a:p>
+        </p:txBody>
+      </p:sp>
+      <p:sp>
+        <p:nvSpPr>
+          <p:cNvPr id="4" name="Foliennummernplatzhalter 3"/>
+          <p:cNvSpPr>
+            <a:spLocks noGrp="1"/>
+          </p:cNvSpPr>
+          <p:nvPr>
+            <p:ph type="sldNum" sz="quarter" idx="12"/>
+          </p:nvPr>
+        </p:nvSpPr>
+        <p:spPr/>
+        <p:txBody>
+          <a:bodyPr/>
+          <a:lstStyle/>
+          <a:p>
+            <a:fld id="{02075A8B-51D4-4999-A4F2-B3FAC6295E4D}" type="slidenum">
+              <a:rPr lang="de-DE" smtClean="0"/>
+              <a:t>25</a:t>
+            </a:fld>
+            <a:endParaRPr lang="de-DE"/>
+          </a:p>
+        </p:txBody>
+      </p:sp>
+      <p:sp>
+        <p:nvSpPr>
+          <p:cNvPr id="5" name="Titel 4"/>
+          <p:cNvSpPr>
+            <a:spLocks noGrp="1"/>
+          </p:cNvSpPr>
+          <p:nvPr>
+            <p:ph type="title"/>
+          </p:nvPr>
+        </p:nvSpPr>
+        <p:spPr/>
+        <p:txBody>
+          <a:bodyPr>
+            <a:normAutofit/>
+          </a:bodyPr>
+          <a:lstStyle/>
+          <a:p>
+            <a:r>
+              <a:rPr lang="de-DE" dirty="0" err="1" smtClean="0"/>
+              <a:t>OpenCL</a:t>
+            </a:r>
+            <a:endParaRPr lang="de-DE" dirty="0"/>
+          </a:p>
+        </p:txBody>
+      </p:sp>
+    </p:spTree>
+    <p:extLst>
+      <p:ext uri="{BB962C8B-B14F-4D97-AF65-F5344CB8AC3E}">
+        <p14:creationId xmlns:p14="http://schemas.microsoft.com/office/powerpoint/2010/main" val="1711646626"/>
+      </p:ext>
+    </p:extLst>
+  </p:cSld>
+  <p:clrMapOvr>
+    <a:masterClrMapping/>
+  </p:clrMapOvr>
+  <p:timing>
+    <p:tnLst>
+      <p:par>
+        <p:cTn id="1" dur="indefinite" restart="never" nodeType="tmRoot"/>
+      </p:par>
+    </p:tnLst>
+  </p:timing>
+</p:sld>
+</file>
+
+<file path=ppt/slides/slide26.xml><?xml version="1.0" encoding="utf-8"?>
+<p:sld xmlns:a="http://schemas.openxmlformats.org/drawingml/2006/main" xmlns:r="http://schemas.openxmlformats.org/officeDocument/2006/relationships" xmlns:p="http://schemas.openxmlformats.org/presentationml/2006/main">
+  <p:cSld>
+    <p:spTree>
+      <p:nvGrpSpPr>
+        <p:cNvPr id="1" name=""/>
+        <p:cNvGrpSpPr/>
+        <p:nvPr/>
+      </p:nvGrpSpPr>
+      <p:grpSpPr>
+        <a:xfrm>
+          <a:off x="0" y="0"/>
+          <a:ext cx="0" cy="0"/>
+          <a:chOff x="0" y="0"/>
+          <a:chExt cx="0" cy="0"/>
+        </a:xfrm>
+      </p:grpSpPr>
+      <p:sp>
+        <p:nvSpPr>
+          <p:cNvPr id="2" name="Inhaltsplatzhalter 1"/>
+          <p:cNvSpPr>
+            <a:spLocks noGrp="1"/>
+          </p:cNvSpPr>
+          <p:nvPr>
+            <p:ph idx="1"/>
+          </p:nvPr>
+        </p:nvSpPr>
+        <p:spPr/>
+        <p:txBody>
+          <a:bodyPr/>
+          <a:lstStyle/>
+          <a:p>
+            <a:r>
+              <a:rPr lang="de-DE" dirty="0" smtClean="0"/>
+              <a:t>Aufgabe: Implementierung einer Volumenberechnung und einer Schattenberechnung in CUDA oder </a:t>
+            </a:r>
+            <a:r>
+              <a:rPr lang="de-DE" dirty="0" err="1" smtClean="0"/>
+              <a:t>OpenCL</a:t>
+            </a:r>
+            <a:endParaRPr lang="de-DE" dirty="0" smtClean="0"/>
+          </a:p>
+          <a:p>
+            <a:r>
+              <a:rPr lang="de-DE" dirty="0" smtClean="0"/>
+              <a:t>Aufgaben wurden sowohl in Java als auch </a:t>
+            </a:r>
+            <a:r>
+              <a:rPr lang="de-DE" dirty="0" err="1" smtClean="0"/>
+              <a:t>OpenCL</a:t>
+            </a:r>
+            <a:r>
+              <a:rPr lang="de-DE" dirty="0" smtClean="0"/>
+              <a:t> gelöst</a:t>
+            </a:r>
+          </a:p>
+          <a:p>
+            <a:r>
+              <a:rPr lang="de-DE" dirty="0" smtClean="0"/>
+              <a:t>Java Implementierung wird als Fall-Back verwendet</a:t>
+            </a:r>
+            <a:endParaRPr lang="de-DE" dirty="0"/>
+          </a:p>
+        </p:txBody>
+      </p:sp>
+      <p:sp>
+        <p:nvSpPr>
+          <p:cNvPr id="3" name="Titel 2"/>
+          <p:cNvSpPr>
+            <a:spLocks noGrp="1"/>
+          </p:cNvSpPr>
+          <p:nvPr>
+            <p:ph type="title"/>
+          </p:nvPr>
+        </p:nvSpPr>
+        <p:spPr/>
+        <p:txBody>
+          <a:bodyPr/>
+          <a:lstStyle/>
+          <a:p>
+            <a:r>
+              <a:rPr lang="de-DE" dirty="0" smtClean="0"/>
+              <a:t>Aufgabe</a:t>
+            </a:r>
+            <a:endParaRPr lang="de-DE" dirty="0"/>
+          </a:p>
+        </p:txBody>
+      </p:sp>
+      <p:sp>
+        <p:nvSpPr>
+          <p:cNvPr id="4" name="Datumsplatzhalter 3"/>
+          <p:cNvSpPr>
+            <a:spLocks noGrp="1"/>
+          </p:cNvSpPr>
+          <p:nvPr>
+            <p:ph type="dt" sz="half" idx="10"/>
+          </p:nvPr>
+        </p:nvSpPr>
+        <p:spPr/>
+        <p:txBody>
+          <a:bodyPr/>
+          <a:lstStyle/>
+          <a:p>
+            <a:r>
+              <a:rPr lang="de-DE" smtClean="0"/>
+              <a:t>23.06.2014</a:t>
+            </a:r>
+            <a:endParaRPr lang="de-DE"/>
+          </a:p>
+        </p:txBody>
+      </p:sp>
+      <p:sp>
+        <p:nvSpPr>
+          <p:cNvPr id="5" name="Foliennummernplatzhalter 4"/>
+          <p:cNvSpPr>
+            <a:spLocks noGrp="1"/>
+          </p:cNvSpPr>
+          <p:nvPr>
+            <p:ph type="sldNum" sz="quarter" idx="12"/>
+          </p:nvPr>
+        </p:nvSpPr>
+        <p:spPr/>
+        <p:txBody>
+          <a:bodyPr/>
+          <a:lstStyle/>
+          <a:p>
+            <a:fld id="{02075A8B-51D4-4999-A4F2-B3FAC6295E4D}" type="slidenum">
+              <a:rPr lang="de-DE" smtClean="0"/>
+              <a:t>26</a:t>
+            </a:fld>
+            <a:endParaRPr lang="de-DE"/>
+          </a:p>
+        </p:txBody>
+      </p:sp>
+    </p:spTree>
+    <p:extLst>
+      <p:ext uri="{BB962C8B-B14F-4D97-AF65-F5344CB8AC3E}">
+        <p14:creationId xmlns:p14="http://schemas.microsoft.com/office/powerpoint/2010/main" val="1439573380"/>
+      </p:ext>
+    </p:extLst>
+  </p:cSld>
+  <p:clrMapOvr>
+    <a:masterClrMapping/>
+  </p:clrMapOvr>
+  <p:timing>
+    <p:tnLst>
+      <p:par>
+        <p:cTn id="1" dur="indefinite" restart="never" nodeType="tmRoot"/>
+      </p:par>
+    </p:tnLst>
+  </p:timing>
+</p:sld>
+</file>
+
+<file path=ppt/slides/slide27.xml><?xml version="1.0" encoding="utf-8"?>
+<p:sld xmlns:a="http://schemas.openxmlformats.org/drawingml/2006/main" xmlns:r="http://schemas.openxmlformats.org/officeDocument/2006/relationships" xmlns:p="http://schemas.openxmlformats.org/presentationml/2006/main">
+  <p:cSld>
+    <p:spTree>
+      <p:nvGrpSpPr>
+        <p:cNvPr id="1" name=""/>
+        <p:cNvGrpSpPr/>
+        <p:nvPr/>
+      </p:nvGrpSpPr>
+      <p:grpSpPr>
+        <a:xfrm>
+          <a:off x="0" y="0"/>
+          <a:ext cx="0" cy="0"/>
+          <a:chOff x="0" y="0"/>
+          <a:chExt cx="0" cy="0"/>
+        </a:xfrm>
+      </p:grpSpPr>
+      <p:sp>
+        <p:nvSpPr>
+          <p:cNvPr id="2" name="Inhaltsplatzhalter 1"/>
+          <p:cNvSpPr>
+            <a:spLocks noGrp="1"/>
+          </p:cNvSpPr>
+          <p:nvPr>
+            <p:ph idx="1"/>
+          </p:nvPr>
+        </p:nvSpPr>
+        <p:spPr/>
+        <p:txBody>
+          <a:bodyPr/>
+          <a:lstStyle/>
+          <a:p>
+            <a:r>
+              <a:rPr lang="de-DE" dirty="0" smtClean="0"/>
+              <a:t>CPU hat 2 – 8 Kerne, GPU im Labor hat 1024 Kerne</a:t>
+            </a:r>
+          </a:p>
+          <a:p>
+            <a:r>
+              <a:rPr lang="de-DE" dirty="0" smtClean="0"/>
+              <a:t>Aber geringere Taktrate pro Kern</a:t>
+            </a:r>
+          </a:p>
+          <a:p>
+            <a:r>
+              <a:rPr lang="de-DE" dirty="0" err="1" smtClean="0"/>
+              <a:t>Parallelisierbarer</a:t>
+            </a:r>
+            <a:r>
+              <a:rPr lang="de-DE" dirty="0" smtClean="0"/>
+              <a:t> Code kann extrem gut auf der GPU berechnet werden</a:t>
+            </a:r>
+          </a:p>
+          <a:p>
+            <a:r>
+              <a:rPr lang="de-DE" dirty="0" smtClean="0"/>
+              <a:t>Sowohl Volumenberechnung als auch Schattenberechnung gut </a:t>
+            </a:r>
+            <a:r>
+              <a:rPr lang="de-DE" dirty="0" err="1" smtClean="0"/>
+              <a:t>parallelisierbar</a:t>
+            </a:r>
+            <a:endParaRPr lang="de-DE" dirty="0" smtClean="0"/>
+          </a:p>
+          <a:p>
+            <a:r>
+              <a:rPr lang="de-DE" dirty="0" smtClean="0"/>
+              <a:t>Schattenberechnungszeit von Stunden auf Minuten reduziert</a:t>
+            </a:r>
+          </a:p>
+          <a:p>
+            <a:endParaRPr lang="de-DE" dirty="0"/>
+          </a:p>
+        </p:txBody>
+      </p:sp>
+      <p:sp>
+        <p:nvSpPr>
+          <p:cNvPr id="3" name="Datumsplatzhalter 2"/>
+          <p:cNvSpPr>
+            <a:spLocks noGrp="1"/>
+          </p:cNvSpPr>
+          <p:nvPr>
+            <p:ph type="dt" sz="half" idx="10"/>
+          </p:nvPr>
+        </p:nvSpPr>
+        <p:spPr/>
+        <p:txBody>
+          <a:bodyPr/>
+          <a:lstStyle/>
+          <a:p>
+            <a:r>
+              <a:rPr lang="de-DE" smtClean="0"/>
+              <a:t>23.06.2014</a:t>
+            </a:r>
+            <a:endParaRPr lang="de-DE"/>
+          </a:p>
+        </p:txBody>
+      </p:sp>
+      <p:sp>
+        <p:nvSpPr>
+          <p:cNvPr id="4" name="Foliennummernplatzhalter 3"/>
+          <p:cNvSpPr>
+            <a:spLocks noGrp="1"/>
+          </p:cNvSpPr>
+          <p:nvPr>
+            <p:ph type="sldNum" sz="quarter" idx="12"/>
+          </p:nvPr>
+        </p:nvSpPr>
+        <p:spPr/>
+        <p:txBody>
+          <a:bodyPr/>
+          <a:lstStyle/>
+          <a:p>
+            <a:fld id="{02075A8B-51D4-4999-A4F2-B3FAC6295E4D}" type="slidenum">
+              <a:rPr lang="de-DE" smtClean="0"/>
+              <a:t>27</a:t>
+            </a:fld>
+            <a:endParaRPr lang="de-DE"/>
+          </a:p>
+        </p:txBody>
+      </p:sp>
+      <p:sp>
+        <p:nvSpPr>
+          <p:cNvPr id="5" name="Titel 4"/>
+          <p:cNvSpPr>
+            <a:spLocks noGrp="1"/>
+          </p:cNvSpPr>
+          <p:nvPr>
+            <p:ph type="title"/>
+          </p:nvPr>
+        </p:nvSpPr>
+        <p:spPr/>
+        <p:txBody>
+          <a:bodyPr/>
+          <a:lstStyle/>
+          <a:p>
+            <a:r>
+              <a:rPr lang="de-DE" dirty="0" smtClean="0"/>
+              <a:t>Warum GPU?</a:t>
+            </a:r>
+            <a:endParaRPr lang="de-DE" dirty="0"/>
+          </a:p>
+        </p:txBody>
+      </p:sp>
+    </p:spTree>
+    <p:extLst>
+      <p:ext uri="{BB962C8B-B14F-4D97-AF65-F5344CB8AC3E}">
+        <p14:creationId xmlns:p14="http://schemas.microsoft.com/office/powerpoint/2010/main" val="3272700345"/>
+      </p:ext>
+    </p:extLst>
+  </p:cSld>
+  <p:clrMapOvr>
+    <a:masterClrMapping/>
+  </p:clrMapOvr>
+  <p:timing>
+    <p:tnLst>
+      <p:par>
+        <p:cTn id="1" dur="indefinite" restart="never" nodeType="tmRoot"/>
+      </p:par>
+    </p:tnLst>
+  </p:timing>
+</p:sld>
+</file>
+
+<file path=ppt/slides/slide28.xml><?xml version="1.0" encoding="utf-8"?>
+<p:sld xmlns:a="http://schemas.openxmlformats.org/drawingml/2006/main" xmlns:r="http://schemas.openxmlformats.org/officeDocument/2006/relationships" xmlns:p="http://schemas.openxmlformats.org/presentationml/2006/main">
+  <p:cSld>
+    <p:spTree>
+      <p:nvGrpSpPr>
+        <p:cNvPr id="1" name=""/>
+        <p:cNvGrpSpPr/>
+        <p:nvPr/>
+      </p:nvGrpSpPr>
+      <p:grpSpPr>
+        <a:xfrm>
+          <a:off x="0" y="0"/>
+          <a:ext cx="0" cy="0"/>
+          <a:chOff x="0" y="0"/>
+          <a:chExt cx="0" cy="0"/>
+        </a:xfrm>
+      </p:grpSpPr>
+      <p:sp>
+        <p:nvSpPr>
+          <p:cNvPr id="2" name="Inhaltsplatzhalter 1"/>
+          <p:cNvSpPr>
+            <a:spLocks noGrp="1"/>
+          </p:cNvSpPr>
+          <p:nvPr>
+            <p:ph idx="1"/>
+          </p:nvPr>
+        </p:nvSpPr>
+        <p:spPr/>
+        <p:txBody>
+          <a:bodyPr/>
+          <a:lstStyle/>
+          <a:p>
+            <a:r>
+              <a:rPr lang="de-DE" dirty="0" smtClean="0"/>
+              <a:t>Entscheidung für </a:t>
+            </a:r>
+            <a:r>
+              <a:rPr lang="de-DE" dirty="0" err="1" smtClean="0"/>
+              <a:t>OpenCL</a:t>
+            </a:r>
+            <a:r>
+              <a:rPr lang="de-DE" dirty="0" smtClean="0"/>
+              <a:t> da plattformübergreifend</a:t>
+            </a:r>
+          </a:p>
+          <a:p>
+            <a:r>
+              <a:rPr lang="de-DE" dirty="0" smtClean="0"/>
+              <a:t>Offener Standard seit 2008</a:t>
+            </a:r>
+          </a:p>
+          <a:p>
+            <a:r>
+              <a:rPr lang="de-DE" dirty="0" smtClean="0"/>
+              <a:t>Wird von der </a:t>
+            </a:r>
+            <a:r>
+              <a:rPr lang="de-DE" dirty="0" err="1" smtClean="0"/>
+              <a:t>Khronos</a:t>
+            </a:r>
+            <a:r>
+              <a:rPr lang="de-DE" dirty="0" smtClean="0"/>
+              <a:t>-Group gepflegt</a:t>
+            </a:r>
+          </a:p>
+          <a:p>
+            <a:r>
+              <a:rPr lang="de-DE" dirty="0" smtClean="0"/>
+              <a:t>Unterstützt AMD-Grafikkarten</a:t>
+            </a:r>
+          </a:p>
+          <a:p>
+            <a:r>
+              <a:rPr lang="de-DE" dirty="0" smtClean="0"/>
+              <a:t>Java-Binding mit JOCL vorhanden</a:t>
+            </a:r>
+            <a:endParaRPr lang="de-DE" dirty="0"/>
+          </a:p>
+        </p:txBody>
+      </p:sp>
+      <p:sp>
+        <p:nvSpPr>
+          <p:cNvPr id="3" name="Titel 2"/>
+          <p:cNvSpPr>
+            <a:spLocks noGrp="1"/>
+          </p:cNvSpPr>
+          <p:nvPr>
+            <p:ph type="title"/>
+          </p:nvPr>
+        </p:nvSpPr>
+        <p:spPr/>
+        <p:txBody>
+          <a:bodyPr/>
+          <a:lstStyle/>
+          <a:p>
+            <a:r>
+              <a:rPr lang="de-DE" dirty="0" err="1" smtClean="0"/>
+              <a:t>OpenCL</a:t>
+            </a:r>
+            <a:endParaRPr lang="de-DE" dirty="0"/>
+          </a:p>
+        </p:txBody>
+      </p:sp>
+      <p:sp>
+        <p:nvSpPr>
+          <p:cNvPr id="4" name="Datumsplatzhalter 3"/>
+          <p:cNvSpPr>
+            <a:spLocks noGrp="1"/>
+          </p:cNvSpPr>
+          <p:nvPr>
+            <p:ph type="dt" sz="half" idx="10"/>
+          </p:nvPr>
+        </p:nvSpPr>
+        <p:spPr/>
+        <p:txBody>
+          <a:bodyPr/>
+          <a:lstStyle/>
+          <a:p>
+            <a:r>
+              <a:rPr lang="de-DE" smtClean="0"/>
+              <a:t>23.06.2014</a:t>
+            </a:r>
+            <a:endParaRPr lang="de-DE"/>
+          </a:p>
+        </p:txBody>
+      </p:sp>
+      <p:sp>
+        <p:nvSpPr>
+          <p:cNvPr id="5" name="Foliennummernplatzhalter 4"/>
+          <p:cNvSpPr>
+            <a:spLocks noGrp="1"/>
+          </p:cNvSpPr>
+          <p:nvPr>
+            <p:ph type="sldNum" sz="quarter" idx="12"/>
+          </p:nvPr>
+        </p:nvSpPr>
+        <p:spPr/>
+        <p:txBody>
+          <a:bodyPr/>
+          <a:lstStyle/>
+          <a:p>
+            <a:fld id="{02075A8B-51D4-4999-A4F2-B3FAC6295E4D}" type="slidenum">
+              <a:rPr lang="de-DE" smtClean="0"/>
+              <a:t>28</a:t>
+            </a:fld>
+            <a:endParaRPr lang="de-DE"/>
+          </a:p>
+        </p:txBody>
+      </p:sp>
+    </p:spTree>
+    <p:extLst>
+      <p:ext uri="{BB962C8B-B14F-4D97-AF65-F5344CB8AC3E}">
+        <p14:creationId xmlns:p14="http://schemas.microsoft.com/office/powerpoint/2010/main" val="1885144604"/>
+      </p:ext>
+    </p:extLst>
+  </p:cSld>
+  <p:clrMapOvr>
+    <a:masterClrMapping/>
+  </p:clrMapOvr>
+  <p:timing>
+    <p:tnLst>
+      <p:par>
+        <p:cTn id="1" dur="indefinite" restart="never" nodeType="tmRoot"/>
+      </p:par>
+    </p:tnLst>
+  </p:timing>
+</p:sld>
+</file>
+
+<file path=ppt/slides/slide29.xml><?xml version="1.0" encoding="utf-8"?>
+<p:sld xmlns:a="http://schemas.openxmlformats.org/drawingml/2006/main" xmlns:r="http://schemas.openxmlformats.org/officeDocument/2006/relationships" xmlns:p="http://schemas.openxmlformats.org/presentationml/2006/main">
+  <p:cSld>
+    <p:spTree>
+      <p:nvGrpSpPr>
+        <p:cNvPr id="1" name=""/>
+        <p:cNvGrpSpPr/>
+        <p:nvPr/>
+      </p:nvGrpSpPr>
+      <p:grpSpPr>
+        <a:xfrm>
+          <a:off x="0" y="0"/>
+          <a:ext cx="0" cy="0"/>
+          <a:chOff x="0" y="0"/>
+          <a:chExt cx="0" cy="0"/>
+        </a:xfrm>
+      </p:grpSpPr>
+      <p:sp>
+        <p:nvSpPr>
+          <p:cNvPr id="2" name="Inhaltsplatzhalter 1"/>
+          <p:cNvSpPr>
+            <a:spLocks noGrp="1"/>
+          </p:cNvSpPr>
+          <p:nvPr>
+            <p:ph idx="1"/>
+          </p:nvPr>
+        </p:nvSpPr>
+        <p:spPr/>
+        <p:txBody>
+          <a:bodyPr/>
+          <a:lstStyle/>
+          <a:p>
+            <a:r>
+              <a:rPr lang="de-DE" dirty="0" err="1" smtClean="0"/>
+              <a:t>OpenCL</a:t>
+            </a:r>
+            <a:r>
+              <a:rPr lang="de-DE" dirty="0" smtClean="0"/>
+              <a:t> </a:t>
+            </a:r>
+            <a:r>
+              <a:rPr lang="de-DE" dirty="0" err="1" smtClean="0"/>
+              <a:t>Context</a:t>
+            </a:r>
+            <a:r>
+              <a:rPr lang="de-DE" dirty="0" smtClean="0"/>
+              <a:t> erstellen</a:t>
+            </a:r>
+            <a:br>
+              <a:rPr lang="de-DE" dirty="0" smtClean="0"/>
+            </a:br>
+            <a:r>
+              <a:rPr lang="de-DE" i="1" dirty="0" err="1" smtClean="0"/>
+              <a:t>clCreateContextFromType</a:t>
+            </a:r>
+            <a:endParaRPr lang="de-DE" i="1" dirty="0" smtClean="0"/>
+          </a:p>
+          <a:p>
+            <a:r>
+              <a:rPr lang="de-DE" dirty="0" smtClean="0"/>
+              <a:t>Devices (GPUs oder </a:t>
+            </a:r>
+            <a:r>
+              <a:rPr lang="de-DE" dirty="0" err="1" smtClean="0"/>
+              <a:t>evtl</a:t>
+            </a:r>
+            <a:r>
+              <a:rPr lang="de-DE" dirty="0" smtClean="0"/>
+              <a:t> CPUs) holen</a:t>
+            </a:r>
+            <a:br>
+              <a:rPr lang="de-DE" dirty="0" smtClean="0"/>
+            </a:br>
+            <a:r>
+              <a:rPr lang="de-DE" i="1" dirty="0" err="1" smtClean="0"/>
+              <a:t>clGetContextInfo</a:t>
+            </a:r>
+            <a:endParaRPr lang="de-DE" i="1" dirty="0" smtClean="0"/>
+          </a:p>
+          <a:p>
+            <a:r>
+              <a:rPr lang="de-DE" dirty="0" smtClean="0"/>
+              <a:t>Eine </a:t>
+            </a:r>
+            <a:r>
+              <a:rPr lang="de-DE" dirty="0" err="1" smtClean="0"/>
+              <a:t>CommandQueue</a:t>
+            </a:r>
+            <a:r>
+              <a:rPr lang="de-DE" dirty="0" smtClean="0"/>
+              <a:t> erstellen</a:t>
+            </a:r>
+            <a:br>
+              <a:rPr lang="de-DE" dirty="0" smtClean="0"/>
+            </a:br>
+            <a:r>
+              <a:rPr lang="de-DE" i="1" dirty="0" err="1" smtClean="0"/>
+              <a:t>clCreateCommandQueue</a:t>
+            </a:r>
+            <a:endParaRPr lang="de-DE" i="1" dirty="0" smtClean="0"/>
+          </a:p>
+          <a:p>
+            <a:r>
+              <a:rPr lang="de-DE" dirty="0" smtClean="0"/>
+              <a:t>Ein Programm laden</a:t>
+            </a:r>
+            <a:br>
+              <a:rPr lang="de-DE" dirty="0" smtClean="0"/>
+            </a:br>
+            <a:r>
+              <a:rPr lang="de-DE" i="1" dirty="0" err="1" smtClean="0"/>
+              <a:t>clCreateProgramWithSource</a:t>
+            </a:r>
+            <a:endParaRPr lang="de-DE" i="1" dirty="0" smtClean="0"/>
+          </a:p>
+        </p:txBody>
+      </p:sp>
+      <p:sp>
+        <p:nvSpPr>
+          <p:cNvPr id="3" name="Titel 2"/>
+          <p:cNvSpPr>
+            <a:spLocks noGrp="1"/>
+          </p:cNvSpPr>
+          <p:nvPr>
+            <p:ph type="title"/>
+          </p:nvPr>
+        </p:nvSpPr>
+        <p:spPr/>
+        <p:txBody>
+          <a:bodyPr>
+            <a:normAutofit fontScale="90000"/>
+          </a:bodyPr>
+          <a:lstStyle/>
+          <a:p>
+            <a:r>
+              <a:rPr lang="de-DE" dirty="0" smtClean="0"/>
+              <a:t>Aufbau </a:t>
+            </a:r>
+            <a:r>
+              <a:rPr lang="de-DE" dirty="0" err="1" smtClean="0"/>
+              <a:t>OpenCL</a:t>
+            </a:r>
+            <a:r>
+              <a:rPr lang="de-DE" dirty="0" smtClean="0"/>
+              <a:t> Programm (1/3)</a:t>
+            </a:r>
+            <a:endParaRPr lang="de-DE" dirty="0"/>
+          </a:p>
+        </p:txBody>
+      </p:sp>
+      <p:sp>
+        <p:nvSpPr>
+          <p:cNvPr id="4" name="Datumsplatzhalter 3"/>
+          <p:cNvSpPr>
+            <a:spLocks noGrp="1"/>
+          </p:cNvSpPr>
+          <p:nvPr>
+            <p:ph type="dt" sz="half" idx="10"/>
+          </p:nvPr>
+        </p:nvSpPr>
+        <p:spPr/>
+        <p:txBody>
+          <a:bodyPr/>
+          <a:lstStyle/>
+          <a:p>
+            <a:r>
+              <a:rPr lang="de-DE" smtClean="0"/>
+              <a:t>23.06.2014</a:t>
+            </a:r>
+            <a:endParaRPr lang="de-DE"/>
+          </a:p>
+        </p:txBody>
+      </p:sp>
+      <p:sp>
+        <p:nvSpPr>
+          <p:cNvPr id="5" name="Foliennummernplatzhalter 4"/>
+          <p:cNvSpPr>
+            <a:spLocks noGrp="1"/>
+          </p:cNvSpPr>
+          <p:nvPr>
+            <p:ph type="sldNum" sz="quarter" idx="12"/>
+          </p:nvPr>
+        </p:nvSpPr>
+        <p:spPr/>
+        <p:txBody>
+          <a:bodyPr/>
+          <a:lstStyle/>
+          <a:p>
+            <a:fld id="{02075A8B-51D4-4999-A4F2-B3FAC6295E4D}" type="slidenum">
+              <a:rPr lang="de-DE" smtClean="0"/>
+              <a:t>29</a:t>
+            </a:fld>
+            <a:endParaRPr lang="de-DE"/>
+          </a:p>
+        </p:txBody>
+      </p:sp>
+    </p:spTree>
+    <p:extLst>
+      <p:ext uri="{BB962C8B-B14F-4D97-AF65-F5344CB8AC3E}">
+        <p14:creationId xmlns:p14="http://schemas.microsoft.com/office/powerpoint/2010/main" val="3149190744"/>
+      </p:ext>
+    </p:extLst>
+  </p:cSld>
+  <p:clrMapOvr>
+    <a:masterClrMapping/>
+  </p:clrMapOvr>
+  <p:timing>
+    <p:tnLst>
+      <p:par>
+        <p:cTn id="1" dur="indefinite" restart="never" nodeType="tmRoot"/>
+      </p:par>
+    </p:tnLst>
+  </p:timing>
+</p:sld>
+</file>
+
+<file path=ppt/slides/slide3.xml><?xml version="1.0" encoding="utf-8"?>
+<p:sld xmlns:a="http://schemas.openxmlformats.org/drawingml/2006/main" xmlns:r="http://schemas.openxmlformats.org/officeDocument/2006/relationships" xmlns:p="http://schemas.openxmlformats.org/presentationml/2006/main">
+  <p:cSld>
+    <p:spTree>
+      <p:nvGrpSpPr>
+        <p:cNvPr id="1" name=""/>
+        <p:cNvGrpSpPr/>
+        <p:nvPr/>
+      </p:nvGrpSpPr>
+      <p:grpSpPr>
+        <a:xfrm>
+          <a:off x="0" y="0"/>
+          <a:ext cx="0" cy="0"/>
+          <a:chOff x="0" y="0"/>
+          <a:chExt cx="0" cy="0"/>
+        </a:xfrm>
+      </p:grpSpPr>
+      <p:sp>
+        <p:nvSpPr>
+          <p:cNvPr id="2" name="Inhaltsplatzhalter 1"/>
+          <p:cNvSpPr>
+            <a:spLocks noGrp="1"/>
+          </p:cNvSpPr>
+          <p:nvPr>
+            <p:ph idx="1"/>
+          </p:nvPr>
+        </p:nvSpPr>
+        <p:spPr/>
+        <p:txBody>
+          <a:bodyPr/>
+          <a:lstStyle/>
+          <a:p>
+            <a:r>
+              <a:rPr lang="de-DE" dirty="0" smtClean="0"/>
+              <a:t>Was ist </a:t>
+            </a:r>
+            <a:r>
+              <a:rPr lang="de-DE" dirty="0" err="1" smtClean="0"/>
+              <a:t>vCity</a:t>
+            </a:r>
+            <a:r>
+              <a:rPr lang="de-DE" dirty="0" smtClean="0"/>
+              <a:t>?</a:t>
+            </a:r>
+          </a:p>
+          <a:p>
+            <a:r>
+              <a:rPr lang="de-DE" dirty="0" smtClean="0"/>
+              <a:t>Kommunikation</a:t>
+            </a:r>
+          </a:p>
+          <a:p>
+            <a:r>
+              <a:rPr lang="de-DE" dirty="0" err="1" smtClean="0"/>
+              <a:t>GitHub</a:t>
+            </a:r>
+            <a:endParaRPr lang="de-DE" dirty="0"/>
+          </a:p>
+        </p:txBody>
+      </p:sp>
+      <p:sp>
+        <p:nvSpPr>
+          <p:cNvPr id="3" name="Datumsplatzhalter 2"/>
+          <p:cNvSpPr>
+            <a:spLocks noGrp="1"/>
+          </p:cNvSpPr>
+          <p:nvPr>
+            <p:ph type="dt" sz="half" idx="10"/>
+          </p:nvPr>
+        </p:nvSpPr>
+        <p:spPr/>
+        <p:txBody>
+          <a:bodyPr/>
+          <a:lstStyle/>
+          <a:p>
+            <a:r>
+              <a:rPr lang="de-DE" smtClean="0"/>
+              <a:t>23.06.2014</a:t>
+            </a:r>
+            <a:endParaRPr lang="de-DE"/>
+          </a:p>
+        </p:txBody>
+      </p:sp>
+      <p:sp>
+        <p:nvSpPr>
+          <p:cNvPr id="4" name="Foliennummernplatzhalter 3"/>
+          <p:cNvSpPr>
+            <a:spLocks noGrp="1"/>
+          </p:cNvSpPr>
+          <p:nvPr>
+            <p:ph type="sldNum" sz="quarter" idx="12"/>
+          </p:nvPr>
+        </p:nvSpPr>
+        <p:spPr/>
+        <p:txBody>
+          <a:bodyPr/>
+          <a:lstStyle/>
+          <a:p>
+            <a:fld id="{02075A8B-51D4-4999-A4F2-B3FAC6295E4D}" type="slidenum">
+              <a:rPr lang="de-DE" smtClean="0"/>
+              <a:t>3</a:t>
+            </a:fld>
+            <a:endParaRPr lang="de-DE"/>
+          </a:p>
+        </p:txBody>
+      </p:sp>
+      <p:sp>
+        <p:nvSpPr>
+          <p:cNvPr id="5" name="Titel 4"/>
+          <p:cNvSpPr>
+            <a:spLocks noGrp="1"/>
+          </p:cNvSpPr>
+          <p:nvPr>
+            <p:ph type="title"/>
+          </p:nvPr>
+        </p:nvSpPr>
+        <p:spPr/>
+        <p:txBody>
+          <a:bodyPr>
+            <a:normAutofit/>
+          </a:bodyPr>
+          <a:lstStyle/>
+          <a:p>
+            <a:r>
+              <a:rPr lang="de-DE" dirty="0"/>
+              <a:t>Vorstellung </a:t>
+            </a:r>
+            <a:r>
+              <a:rPr lang="de-DE" dirty="0" err="1" smtClean="0"/>
+              <a:t>vCity</a:t>
+            </a:r>
+            <a:endParaRPr lang="de-DE" dirty="0"/>
+          </a:p>
+        </p:txBody>
+      </p:sp>
+    </p:spTree>
+    <p:extLst>
+      <p:ext uri="{BB962C8B-B14F-4D97-AF65-F5344CB8AC3E}">
+        <p14:creationId xmlns:p14="http://schemas.microsoft.com/office/powerpoint/2010/main" val="1397236420"/>
+      </p:ext>
+    </p:extLst>
+  </p:cSld>
+  <p:clrMapOvr>
+    <a:masterClrMapping/>
+  </p:clrMapOvr>
+  <p:timing>
+    <p:tnLst>
+      <p:par>
+        <p:cTn id="1" dur="indefinite" restart="never" nodeType="tmRoot"/>
+      </p:par>
+    </p:tnLst>
+  </p:timing>
+</p:sld>
+</file>
+
+<file path=ppt/slides/slide30.xml><?xml version="1.0" encoding="utf-8"?>
+<p:sld xmlns:a="http://schemas.openxmlformats.org/drawingml/2006/main" xmlns:r="http://schemas.openxmlformats.org/officeDocument/2006/relationships" xmlns:p="http://schemas.openxmlformats.org/presentationml/2006/main">
+  <p:cSld>
+    <p:spTree>
+      <p:nvGrpSpPr>
+        <p:cNvPr id="1" name=""/>
+        <p:cNvGrpSpPr/>
+        <p:nvPr/>
+      </p:nvGrpSpPr>
+      <p:grpSpPr>
+        <a:xfrm>
+          <a:off x="0" y="0"/>
+          <a:ext cx="0" cy="0"/>
+          <a:chOff x="0" y="0"/>
+          <a:chExt cx="0" cy="0"/>
+        </a:xfrm>
+      </p:grpSpPr>
+      <p:sp>
+        <p:nvSpPr>
+          <p:cNvPr id="2" name="Inhaltsplatzhalter 1"/>
+          <p:cNvSpPr>
+            <a:spLocks noGrp="1"/>
+          </p:cNvSpPr>
+          <p:nvPr>
+            <p:ph idx="1"/>
+          </p:nvPr>
+        </p:nvSpPr>
+        <p:spPr/>
+        <p:txBody>
+          <a:bodyPr/>
+          <a:lstStyle/>
+          <a:p>
+            <a:r>
+              <a:rPr lang="de-DE" dirty="0" smtClean="0"/>
+              <a:t>Das Programm kompilieren und linken </a:t>
+            </a:r>
+            <a:r>
+              <a:rPr lang="de-DE" i="1" dirty="0" err="1" smtClean="0"/>
+              <a:t>clBuildProgram</a:t>
+            </a:r>
+            <a:endParaRPr lang="de-DE" i="1" dirty="0" smtClean="0"/>
+          </a:p>
+          <a:p>
+            <a:r>
+              <a:rPr lang="de-DE" dirty="0" smtClean="0"/>
+              <a:t>Den </a:t>
+            </a:r>
+            <a:r>
+              <a:rPr lang="de-DE" dirty="0" err="1" smtClean="0"/>
+              <a:t>Programmkernel</a:t>
+            </a:r>
+            <a:r>
+              <a:rPr lang="de-DE" dirty="0" smtClean="0"/>
+              <a:t> erstellen</a:t>
+            </a:r>
+            <a:br>
+              <a:rPr lang="de-DE" dirty="0" smtClean="0"/>
+            </a:br>
+            <a:r>
+              <a:rPr lang="de-DE" i="1" dirty="0" err="1" smtClean="0"/>
+              <a:t>clCreateKernel</a:t>
+            </a:r>
+            <a:endParaRPr lang="de-DE" i="1" dirty="0" smtClean="0"/>
+          </a:p>
+          <a:p>
+            <a:r>
+              <a:rPr lang="de-DE" dirty="0" smtClean="0"/>
+              <a:t>Programmdaten auf die GPU laden</a:t>
+            </a:r>
+          </a:p>
+          <a:p>
+            <a:pPr lvl="1"/>
+            <a:r>
+              <a:rPr lang="de-DE" dirty="0" err="1" smtClean="0"/>
+              <a:t>Buffer</a:t>
+            </a:r>
+            <a:r>
+              <a:rPr lang="de-DE" dirty="0" smtClean="0"/>
+              <a:t> auf GPU erstellen mit </a:t>
+            </a:r>
+            <a:br>
+              <a:rPr lang="de-DE" dirty="0" smtClean="0"/>
+            </a:br>
+            <a:r>
+              <a:rPr lang="de-DE" i="1" dirty="0" err="1" smtClean="0"/>
+              <a:t>clCreateBuffer</a:t>
+            </a:r>
+            <a:endParaRPr lang="de-DE" i="1" dirty="0" smtClean="0"/>
+          </a:p>
+          <a:p>
+            <a:pPr lvl="1"/>
+            <a:r>
+              <a:rPr lang="de-DE" dirty="0" smtClean="0"/>
+              <a:t>Parameter für den Kernel setzen mit</a:t>
+            </a:r>
+            <a:br>
+              <a:rPr lang="de-DE" dirty="0" smtClean="0"/>
+            </a:br>
+            <a:r>
+              <a:rPr lang="de-DE" i="1" dirty="0" err="1"/>
+              <a:t>clSetKernelArg</a:t>
+            </a:r>
+            <a:endParaRPr lang="de-DE" dirty="0"/>
+          </a:p>
+        </p:txBody>
+      </p:sp>
+      <p:sp>
+        <p:nvSpPr>
+          <p:cNvPr id="3" name="Titel 2"/>
+          <p:cNvSpPr>
+            <a:spLocks noGrp="1"/>
+          </p:cNvSpPr>
+          <p:nvPr>
+            <p:ph type="title"/>
+          </p:nvPr>
+        </p:nvSpPr>
+        <p:spPr/>
+        <p:txBody>
+          <a:bodyPr>
+            <a:normAutofit fontScale="90000"/>
+          </a:bodyPr>
+          <a:lstStyle/>
+          <a:p>
+            <a:r>
+              <a:rPr lang="de-DE" dirty="0" smtClean="0"/>
+              <a:t>Aufbau </a:t>
+            </a:r>
+            <a:r>
+              <a:rPr lang="de-DE" dirty="0" err="1" smtClean="0"/>
+              <a:t>OpenCL</a:t>
+            </a:r>
+            <a:r>
+              <a:rPr lang="de-DE" dirty="0" smtClean="0"/>
+              <a:t> Programm (2/3)</a:t>
+            </a:r>
+            <a:endParaRPr lang="de-DE" dirty="0"/>
+          </a:p>
+        </p:txBody>
+      </p:sp>
+      <p:sp>
+        <p:nvSpPr>
+          <p:cNvPr id="4" name="Datumsplatzhalter 3"/>
+          <p:cNvSpPr>
+            <a:spLocks noGrp="1"/>
+          </p:cNvSpPr>
+          <p:nvPr>
+            <p:ph type="dt" sz="half" idx="10"/>
+          </p:nvPr>
+        </p:nvSpPr>
+        <p:spPr/>
+        <p:txBody>
+          <a:bodyPr/>
+          <a:lstStyle/>
+          <a:p>
+            <a:r>
+              <a:rPr lang="de-DE" smtClean="0"/>
+              <a:t>23.06.2014</a:t>
+            </a:r>
+            <a:endParaRPr lang="de-DE"/>
+          </a:p>
+        </p:txBody>
+      </p:sp>
+      <p:sp>
+        <p:nvSpPr>
+          <p:cNvPr id="5" name="Foliennummernplatzhalter 4"/>
+          <p:cNvSpPr>
+            <a:spLocks noGrp="1"/>
+          </p:cNvSpPr>
+          <p:nvPr>
+            <p:ph type="sldNum" sz="quarter" idx="12"/>
+          </p:nvPr>
+        </p:nvSpPr>
+        <p:spPr/>
+        <p:txBody>
+          <a:bodyPr/>
+          <a:lstStyle/>
+          <a:p>
+            <a:fld id="{02075A8B-51D4-4999-A4F2-B3FAC6295E4D}" type="slidenum">
+              <a:rPr lang="de-DE" smtClean="0"/>
+              <a:t>30</a:t>
+            </a:fld>
+            <a:endParaRPr lang="de-DE"/>
+          </a:p>
+        </p:txBody>
+      </p:sp>
+    </p:spTree>
+    <p:extLst>
+      <p:ext uri="{BB962C8B-B14F-4D97-AF65-F5344CB8AC3E}">
+        <p14:creationId xmlns:p14="http://schemas.microsoft.com/office/powerpoint/2010/main" val="2679847430"/>
+      </p:ext>
+    </p:extLst>
+  </p:cSld>
+  <p:clrMapOvr>
+    <a:masterClrMapping/>
+  </p:clrMapOvr>
+  <p:timing>
+    <p:tnLst>
+      <p:par>
+        <p:cTn id="1" dur="indefinite" restart="never" nodeType="tmRoot"/>
+      </p:par>
+    </p:tnLst>
+  </p:timing>
+</p:sld>
+</file>
+
+<file path=ppt/slides/slide31.xml><?xml version="1.0" encoding="utf-8"?>
+<p:sld xmlns:a="http://schemas.openxmlformats.org/drawingml/2006/main" xmlns:r="http://schemas.openxmlformats.org/officeDocument/2006/relationships" xmlns:p="http://schemas.openxmlformats.org/presentationml/2006/main">
+  <p:cSld>
+    <p:spTree>
+      <p:nvGrpSpPr>
+        <p:cNvPr id="1" name=""/>
+        <p:cNvGrpSpPr/>
+        <p:nvPr/>
+      </p:nvGrpSpPr>
+      <p:grpSpPr>
+        <a:xfrm>
+          <a:off x="0" y="0"/>
+          <a:ext cx="0" cy="0"/>
+          <a:chOff x="0" y="0"/>
+          <a:chExt cx="0" cy="0"/>
+        </a:xfrm>
+      </p:grpSpPr>
+      <p:sp>
+        <p:nvSpPr>
+          <p:cNvPr id="2" name="Inhaltsplatzhalter 1"/>
+          <p:cNvSpPr>
+            <a:spLocks noGrp="1"/>
+          </p:cNvSpPr>
+          <p:nvPr>
+            <p:ph idx="1"/>
+          </p:nvPr>
+        </p:nvSpPr>
+        <p:spPr/>
+        <p:txBody>
+          <a:bodyPr/>
+          <a:lstStyle/>
+          <a:p>
+            <a:r>
+              <a:rPr lang="de-DE" dirty="0" err="1" smtClean="0"/>
+              <a:t>OpenCL</a:t>
+            </a:r>
+            <a:r>
+              <a:rPr lang="de-DE" dirty="0" smtClean="0"/>
+              <a:t> </a:t>
+            </a:r>
+            <a:r>
+              <a:rPr lang="de-DE" dirty="0" err="1" smtClean="0"/>
+              <a:t>kernel</a:t>
+            </a:r>
+            <a:r>
+              <a:rPr lang="de-DE" dirty="0" smtClean="0"/>
+              <a:t> ausführen</a:t>
+            </a:r>
+            <a:br>
+              <a:rPr lang="de-DE" dirty="0" smtClean="0"/>
+            </a:br>
+            <a:r>
+              <a:rPr lang="de-DE" i="1" dirty="0" err="1" smtClean="0"/>
+              <a:t>clEnqueueNDRangeKernel</a:t>
+            </a:r>
+            <a:endParaRPr lang="de-DE" i="1" dirty="0" smtClean="0"/>
+          </a:p>
+          <a:p>
+            <a:r>
+              <a:rPr lang="de-DE" dirty="0" smtClean="0"/>
+              <a:t>Warten bis die Ausführung beendet ist</a:t>
+            </a:r>
+            <a:br>
+              <a:rPr lang="de-DE" dirty="0" smtClean="0"/>
+            </a:br>
+            <a:r>
+              <a:rPr lang="de-DE" i="1" dirty="0" err="1" smtClean="0"/>
+              <a:t>clFinish</a:t>
+            </a:r>
+            <a:endParaRPr lang="de-DE" i="1" dirty="0" smtClean="0"/>
+          </a:p>
+          <a:p>
+            <a:r>
+              <a:rPr lang="de-DE" dirty="0" smtClean="0"/>
+              <a:t>Lesen von Ausgabedaten</a:t>
+            </a:r>
+            <a:br>
+              <a:rPr lang="de-DE" dirty="0" smtClean="0"/>
+            </a:br>
+            <a:r>
+              <a:rPr lang="de-DE" i="1" dirty="0" err="1" smtClean="0"/>
+              <a:t>clEnqueueReadBuffer</a:t>
+            </a:r>
+            <a:endParaRPr lang="de-DE" i="1" dirty="0" smtClean="0"/>
+          </a:p>
+          <a:p>
+            <a:r>
+              <a:rPr lang="de-DE" dirty="0" smtClean="0"/>
+              <a:t>Gespeicherte Daten wieder löschen</a:t>
+            </a:r>
+            <a:br>
+              <a:rPr lang="de-DE" dirty="0" smtClean="0"/>
+            </a:br>
+            <a:r>
+              <a:rPr lang="de-DE" i="1" dirty="0" err="1" smtClean="0"/>
+              <a:t>clReleaseMemObject</a:t>
+            </a:r>
+            <a:endParaRPr lang="de-DE" i="1" dirty="0" smtClean="0"/>
+          </a:p>
+          <a:p>
+            <a:r>
+              <a:rPr lang="de-DE" dirty="0" smtClean="0"/>
+              <a:t>Kernel wieder freigeben</a:t>
+            </a:r>
+            <a:br>
+              <a:rPr lang="de-DE" dirty="0" smtClean="0"/>
+            </a:br>
+            <a:r>
+              <a:rPr lang="de-DE" i="1" dirty="0" err="1"/>
+              <a:t>clReleaseKernel</a:t>
+            </a:r>
+            <a:endParaRPr lang="de-DE" dirty="0" smtClean="0"/>
+          </a:p>
+        </p:txBody>
+      </p:sp>
+      <p:sp>
+        <p:nvSpPr>
+          <p:cNvPr id="3" name="Titel 2"/>
+          <p:cNvSpPr>
+            <a:spLocks noGrp="1"/>
+          </p:cNvSpPr>
+          <p:nvPr>
+            <p:ph type="title"/>
+          </p:nvPr>
+        </p:nvSpPr>
+        <p:spPr/>
+        <p:txBody>
+          <a:bodyPr>
+            <a:normAutofit fontScale="90000"/>
+          </a:bodyPr>
+          <a:lstStyle/>
+          <a:p>
+            <a:r>
+              <a:rPr lang="de-DE" dirty="0" smtClean="0"/>
+              <a:t>Aufbau </a:t>
+            </a:r>
+            <a:r>
+              <a:rPr lang="de-DE" dirty="0" err="1" smtClean="0"/>
+              <a:t>OpenCL</a:t>
+            </a:r>
+            <a:r>
+              <a:rPr lang="de-DE" dirty="0" smtClean="0"/>
+              <a:t> Programm (3/3)</a:t>
+            </a:r>
+            <a:endParaRPr lang="de-DE" dirty="0"/>
+          </a:p>
+        </p:txBody>
+      </p:sp>
+      <p:sp>
+        <p:nvSpPr>
+          <p:cNvPr id="4" name="Datumsplatzhalter 3"/>
+          <p:cNvSpPr>
+            <a:spLocks noGrp="1"/>
+          </p:cNvSpPr>
+          <p:nvPr>
+            <p:ph type="dt" sz="half" idx="10"/>
+          </p:nvPr>
+        </p:nvSpPr>
+        <p:spPr/>
+        <p:txBody>
+          <a:bodyPr/>
+          <a:lstStyle/>
+          <a:p>
+            <a:r>
+              <a:rPr lang="de-DE" smtClean="0"/>
+              <a:t>23.06.2014</a:t>
+            </a:r>
+            <a:endParaRPr lang="de-DE"/>
+          </a:p>
+        </p:txBody>
+      </p:sp>
+      <p:sp>
+        <p:nvSpPr>
+          <p:cNvPr id="5" name="Foliennummernplatzhalter 4"/>
+          <p:cNvSpPr>
+            <a:spLocks noGrp="1"/>
+          </p:cNvSpPr>
+          <p:nvPr>
+            <p:ph type="sldNum" sz="quarter" idx="12"/>
+          </p:nvPr>
+        </p:nvSpPr>
+        <p:spPr/>
+        <p:txBody>
+          <a:bodyPr/>
+          <a:lstStyle/>
+          <a:p>
+            <a:fld id="{02075A8B-51D4-4999-A4F2-B3FAC6295E4D}" type="slidenum">
+              <a:rPr lang="de-DE" smtClean="0"/>
+              <a:t>31</a:t>
+            </a:fld>
+            <a:endParaRPr lang="de-DE"/>
+          </a:p>
+        </p:txBody>
+      </p:sp>
+    </p:spTree>
+    <p:extLst>
+      <p:ext uri="{BB962C8B-B14F-4D97-AF65-F5344CB8AC3E}">
+        <p14:creationId xmlns:p14="http://schemas.microsoft.com/office/powerpoint/2010/main" val="8515451"/>
+      </p:ext>
+    </p:extLst>
+  </p:cSld>
+  <p:clrMapOvr>
+    <a:masterClrMapping/>
+  </p:clrMapOvr>
+  <p:timing>
+    <p:tnLst>
+      <p:par>
+        <p:cTn id="1" dur="indefinite" restart="never" nodeType="tmRoot"/>
+      </p:par>
+    </p:tnLst>
+  </p:timing>
+</p:sld>
+</file>
+
+<file path=ppt/slides/slide32.xml><?xml version="1.0" encoding="utf-8"?>
+<p:sld xmlns:a="http://schemas.openxmlformats.org/drawingml/2006/main" xmlns:r="http://schemas.openxmlformats.org/officeDocument/2006/relationships" xmlns:p="http://schemas.openxmlformats.org/presentationml/2006/main">
+  <p:cSld>
+    <p:spTree>
+      <p:nvGrpSpPr>
+        <p:cNvPr id="1" name=""/>
+        <p:cNvGrpSpPr/>
+        <p:nvPr/>
+      </p:nvGrpSpPr>
+      <p:grpSpPr>
+        <a:xfrm>
+          <a:off x="0" y="0"/>
+          <a:ext cx="0" cy="0"/>
+          <a:chOff x="0" y="0"/>
+          <a:chExt cx="0" cy="0"/>
+        </a:xfrm>
+      </p:grpSpPr>
+      <p:sp>
+        <p:nvSpPr>
+          <p:cNvPr id="2" name="Inhaltsplatzhalter 1"/>
+          <p:cNvSpPr>
+            <a:spLocks noGrp="1"/>
+          </p:cNvSpPr>
+          <p:nvPr>
+            <p:ph idx="1"/>
+          </p:nvPr>
+        </p:nvSpPr>
+        <p:spPr/>
+        <p:txBody>
+          <a:bodyPr>
+            <a:normAutofit/>
+          </a:bodyPr>
+          <a:lstStyle/>
+          <a:p>
+            <a:r>
+              <a:rPr lang="de-DE" dirty="0" err="1" smtClean="0"/>
+              <a:t>OpenCL</a:t>
+            </a:r>
+            <a:r>
+              <a:rPr lang="de-DE" dirty="0" smtClean="0"/>
+              <a:t> Sprache ist eine </a:t>
+            </a:r>
+            <a:r>
+              <a:rPr lang="de-DE" dirty="0"/>
+              <a:t>E</a:t>
+            </a:r>
+            <a:r>
+              <a:rPr lang="de-DE" dirty="0" smtClean="0"/>
+              <a:t>rweiterung des C-Standards</a:t>
+            </a:r>
+          </a:p>
+          <a:p>
+            <a:r>
+              <a:rPr lang="de-DE" dirty="0" smtClean="0"/>
+              <a:t>Beispiel zur Berechnung von Quadratzahlen auf der GPU</a:t>
+            </a:r>
+          </a:p>
+          <a:p>
+            <a:pPr marL="109728" indent="0">
+              <a:buNone/>
+            </a:pPr>
+            <a:r>
+              <a:rPr lang="de-DE" dirty="0" smtClean="0"/>
+              <a:t>__</a:t>
+            </a:r>
+            <a:r>
+              <a:rPr lang="de-DE" dirty="0" err="1"/>
+              <a:t>kernel</a:t>
+            </a:r>
+            <a:r>
+              <a:rPr lang="de-DE" dirty="0"/>
+              <a:t> </a:t>
+            </a:r>
+            <a:r>
+              <a:rPr lang="de-DE" dirty="0" err="1">
+                <a:solidFill>
+                  <a:srgbClr val="0070C0"/>
+                </a:solidFill>
+              </a:rPr>
+              <a:t>void</a:t>
+            </a:r>
+            <a:r>
+              <a:rPr lang="de-DE" dirty="0">
+                <a:solidFill>
+                  <a:srgbClr val="0070C0"/>
+                </a:solidFill>
+              </a:rPr>
+              <a:t> </a:t>
+            </a:r>
+            <a:r>
+              <a:rPr lang="de-DE" dirty="0" err="1"/>
+              <a:t>calc</a:t>
+            </a:r>
+            <a:r>
+              <a:rPr lang="de-DE" dirty="0"/>
+              <a:t>(__global </a:t>
+            </a:r>
+            <a:r>
+              <a:rPr lang="de-DE" dirty="0" err="1">
+                <a:solidFill>
+                  <a:srgbClr val="0070C0"/>
+                </a:solidFill>
+              </a:rPr>
+              <a:t>int</a:t>
+            </a:r>
+            <a:r>
+              <a:rPr lang="de-DE" dirty="0"/>
+              <a:t>* </a:t>
+            </a:r>
+            <a:r>
+              <a:rPr lang="de-DE" dirty="0" err="1"/>
+              <a:t>array</a:t>
+            </a:r>
+            <a:r>
+              <a:rPr lang="de-DE" dirty="0"/>
+              <a:t>,				   </a:t>
+            </a:r>
+            <a:r>
+              <a:rPr lang="de-DE" dirty="0" smtClean="0"/>
+              <a:t>         __</a:t>
+            </a:r>
+            <a:r>
+              <a:rPr lang="de-DE" dirty="0"/>
+              <a:t>global </a:t>
+            </a:r>
+            <a:r>
+              <a:rPr lang="de-DE" dirty="0" err="1">
+                <a:solidFill>
+                  <a:srgbClr val="0070C0"/>
+                </a:solidFill>
+              </a:rPr>
+              <a:t>int</a:t>
+            </a:r>
+            <a:r>
+              <a:rPr lang="de-DE" dirty="0"/>
+              <a:t>* </a:t>
+            </a:r>
+            <a:r>
+              <a:rPr lang="de-DE" dirty="0" err="1"/>
+              <a:t>result</a:t>
+            </a:r>
+            <a:r>
+              <a:rPr lang="de-DE" dirty="0"/>
+              <a:t>) </a:t>
+            </a:r>
+            <a:r>
+              <a:rPr lang="de-DE" dirty="0" smtClean="0"/>
+              <a:t>{</a:t>
+            </a:r>
+            <a:br>
+              <a:rPr lang="de-DE" dirty="0" smtClean="0"/>
+            </a:br>
+            <a:r>
+              <a:rPr lang="de-DE" dirty="0" smtClean="0"/>
+              <a:t>	</a:t>
+            </a:r>
+            <a:r>
+              <a:rPr lang="de-DE" dirty="0" err="1" smtClean="0">
+                <a:solidFill>
+                  <a:srgbClr val="0070C0"/>
+                </a:solidFill>
+              </a:rPr>
+              <a:t>int</a:t>
+            </a:r>
+            <a:r>
+              <a:rPr lang="de-DE" dirty="0" smtClean="0">
+                <a:solidFill>
+                  <a:srgbClr val="0070C0"/>
+                </a:solidFill>
+              </a:rPr>
+              <a:t> </a:t>
+            </a:r>
+            <a:r>
+              <a:rPr lang="de-DE" dirty="0" err="1"/>
+              <a:t>gid</a:t>
+            </a:r>
+            <a:r>
+              <a:rPr lang="de-DE" dirty="0"/>
+              <a:t> = </a:t>
+            </a:r>
+            <a:r>
+              <a:rPr lang="de-DE" dirty="0" err="1"/>
+              <a:t>get_global_id</a:t>
+            </a:r>
+            <a:r>
+              <a:rPr lang="de-DE" dirty="0"/>
+              <a:t>(</a:t>
+            </a:r>
+            <a:r>
+              <a:rPr lang="de-DE" dirty="0">
+                <a:solidFill>
+                  <a:srgbClr val="FFC000"/>
+                </a:solidFill>
+              </a:rPr>
+              <a:t>0</a:t>
+            </a:r>
+            <a:r>
+              <a:rPr lang="de-DE" dirty="0" smtClean="0"/>
+              <a:t>);</a:t>
+            </a:r>
+            <a:br>
+              <a:rPr lang="de-DE" dirty="0" smtClean="0"/>
+            </a:br>
+            <a:r>
+              <a:rPr lang="de-DE" dirty="0" smtClean="0"/>
+              <a:t>	</a:t>
+            </a:r>
+            <a:r>
+              <a:rPr lang="de-DE" dirty="0" err="1" smtClean="0"/>
+              <a:t>result</a:t>
+            </a:r>
+            <a:r>
+              <a:rPr lang="de-DE" dirty="0" smtClean="0"/>
+              <a:t>[</a:t>
+            </a:r>
+            <a:r>
+              <a:rPr lang="de-DE" dirty="0" err="1" smtClean="0"/>
+              <a:t>gid</a:t>
+            </a:r>
+            <a:r>
+              <a:rPr lang="de-DE" dirty="0"/>
+              <a:t>] = </a:t>
+            </a:r>
+            <a:r>
+              <a:rPr lang="de-DE" dirty="0" err="1"/>
+              <a:t>array</a:t>
+            </a:r>
+            <a:r>
+              <a:rPr lang="de-DE" dirty="0"/>
+              <a:t>[</a:t>
+            </a:r>
+            <a:r>
+              <a:rPr lang="de-DE" dirty="0" err="1"/>
+              <a:t>gid</a:t>
+            </a:r>
+            <a:r>
+              <a:rPr lang="de-DE" dirty="0"/>
+              <a:t>] * </a:t>
+            </a:r>
+            <a:r>
+              <a:rPr lang="de-DE" dirty="0" err="1"/>
+              <a:t>array</a:t>
+            </a:r>
+            <a:r>
+              <a:rPr lang="de-DE" dirty="0"/>
+              <a:t>[</a:t>
+            </a:r>
+            <a:r>
+              <a:rPr lang="de-DE" dirty="0" err="1"/>
+              <a:t>gid</a:t>
+            </a:r>
+            <a:r>
+              <a:rPr lang="de-DE" dirty="0" smtClean="0"/>
+              <a:t>];</a:t>
+            </a:r>
+          </a:p>
+          <a:p>
+            <a:pPr marL="109728" indent="0">
+              <a:buNone/>
+            </a:pPr>
+            <a:r>
+              <a:rPr lang="de-DE" dirty="0" smtClean="0"/>
+              <a:t>}</a:t>
+            </a:r>
+            <a:endParaRPr lang="de-DE" dirty="0"/>
+          </a:p>
+        </p:txBody>
+      </p:sp>
+      <p:sp>
+        <p:nvSpPr>
+          <p:cNvPr id="3" name="Datumsplatzhalter 2"/>
+          <p:cNvSpPr>
+            <a:spLocks noGrp="1"/>
+          </p:cNvSpPr>
+          <p:nvPr>
+            <p:ph type="dt" sz="half" idx="10"/>
+          </p:nvPr>
+        </p:nvSpPr>
+        <p:spPr/>
+        <p:txBody>
+          <a:bodyPr/>
+          <a:lstStyle/>
+          <a:p>
+            <a:r>
+              <a:rPr lang="de-DE" smtClean="0"/>
+              <a:t>23.06.2014</a:t>
+            </a:r>
+            <a:endParaRPr lang="de-DE"/>
+          </a:p>
+        </p:txBody>
+      </p:sp>
+      <p:sp>
+        <p:nvSpPr>
+          <p:cNvPr id="4" name="Foliennummernplatzhalter 3"/>
+          <p:cNvSpPr>
+            <a:spLocks noGrp="1"/>
+          </p:cNvSpPr>
+          <p:nvPr>
+            <p:ph type="sldNum" sz="quarter" idx="12"/>
+          </p:nvPr>
+        </p:nvSpPr>
+        <p:spPr/>
+        <p:txBody>
+          <a:bodyPr/>
+          <a:lstStyle/>
+          <a:p>
+            <a:fld id="{02075A8B-51D4-4999-A4F2-B3FAC6295E4D}" type="slidenum">
+              <a:rPr lang="de-DE" smtClean="0"/>
+              <a:t>32</a:t>
+            </a:fld>
+            <a:endParaRPr lang="de-DE"/>
+          </a:p>
+        </p:txBody>
+      </p:sp>
+      <p:sp>
+        <p:nvSpPr>
+          <p:cNvPr id="5" name="Titel 4"/>
+          <p:cNvSpPr>
+            <a:spLocks noGrp="1"/>
+          </p:cNvSpPr>
+          <p:nvPr>
+            <p:ph type="title"/>
+          </p:nvPr>
+        </p:nvSpPr>
+        <p:spPr/>
+        <p:txBody>
+          <a:bodyPr/>
+          <a:lstStyle/>
+          <a:p>
+            <a:r>
+              <a:rPr lang="de-DE" dirty="0" smtClean="0"/>
+              <a:t>Aufbau </a:t>
+            </a:r>
+            <a:r>
+              <a:rPr lang="de-DE" dirty="0" err="1" smtClean="0"/>
+              <a:t>OpenCL</a:t>
+            </a:r>
+            <a:r>
+              <a:rPr lang="de-DE" dirty="0" smtClean="0"/>
+              <a:t> Kernel</a:t>
+            </a:r>
+            <a:endParaRPr lang="de-DE" dirty="0"/>
+          </a:p>
+        </p:txBody>
+      </p:sp>
+    </p:spTree>
+    <p:extLst>
+      <p:ext uri="{BB962C8B-B14F-4D97-AF65-F5344CB8AC3E}">
+        <p14:creationId xmlns:p14="http://schemas.microsoft.com/office/powerpoint/2010/main" val="3256973187"/>
+      </p:ext>
+    </p:extLst>
+  </p:cSld>
+  <p:clrMapOvr>
+    <a:masterClrMapping/>
+  </p:clrMapOvr>
+  <p:timing>
+    <p:tnLst>
+      <p:par>
+        <p:cTn id="1" dur="indefinite" restart="never" nodeType="tmRoot"/>
+      </p:par>
+    </p:tnLst>
+  </p:timing>
+</p:sld>
+</file>
+
+<file path=ppt/slides/slide33.xml><?xml version="1.0" encoding="utf-8"?>
+<p:sld xmlns:a="http://schemas.openxmlformats.org/drawingml/2006/main" xmlns:r="http://schemas.openxmlformats.org/officeDocument/2006/relationships" xmlns:p="http://schemas.openxmlformats.org/presentationml/2006/main">
+  <p:cSld>
+    <p:spTree>
+      <p:nvGrpSpPr>
+        <p:cNvPr id="1" name=""/>
+        <p:cNvGrpSpPr/>
+        <p:nvPr/>
+      </p:nvGrpSpPr>
+      <p:grpSpPr>
+        <a:xfrm>
+          <a:off x="0" y="0"/>
+          <a:ext cx="0" cy="0"/>
+          <a:chOff x="0" y="0"/>
+          <a:chExt cx="0" cy="0"/>
+        </a:xfrm>
+      </p:grpSpPr>
+      <p:sp>
+        <p:nvSpPr>
+          <p:cNvPr id="2" name="Inhaltsplatzhalter 1"/>
+          <p:cNvSpPr>
+            <a:spLocks noGrp="1"/>
+          </p:cNvSpPr>
+          <p:nvPr>
+            <p:ph idx="1"/>
+          </p:nvPr>
+        </p:nvSpPr>
+        <p:spPr/>
+        <p:txBody>
           <a:bodyPr/>
           <a:lstStyle/>
           <a:p>
@@ -7867,7 +10487,7 @@
           <a:p>
             <a:fld id="{02075A8B-51D4-4999-A4F2-B3FAC6295E4D}" type="slidenum">
               <a:rPr lang="de-DE" smtClean="0"/>
-              <a:t>22</a:t>
+              <a:t>33</a:t>
             </a:fld>
             <a:endParaRPr lang="de-DE"/>
           </a:p>
@@ -7916,7 +10536,7 @@
 </p:sld>
 </file>
 
-<file path=ppt/slides/slide23.xml><?xml version="1.0" encoding="utf-8"?>
+<file path=ppt/slides/slide34.xml><?xml version="1.0" encoding="utf-8"?>
 <p:sld xmlns:a="http://schemas.openxmlformats.org/drawingml/2006/main" xmlns:r="http://schemas.openxmlformats.org/officeDocument/2006/relationships" xmlns:p="http://schemas.openxmlformats.org/presentationml/2006/main">
   <p:cSld>
     <p:spTree>
@@ -8125,7 +10745,7 @@
           <a:p>
             <a:fld id="{02075A8B-51D4-4999-A4F2-B3FAC6295E4D}" type="slidenum">
               <a:rPr lang="de-DE" smtClean="0"/>
-              <a:t>23</a:t>
+              <a:t>34</a:t>
             </a:fld>
             <a:endParaRPr lang="de-DE"/>
           </a:p>
@@ -8151,7 +10771,7 @@
 </p:sld>
 </file>
 
-<file path=ppt/slides/slide24.xml><?xml version="1.0" encoding="utf-8"?>
+<file path=ppt/slides/slide35.xml><?xml version="1.0" encoding="utf-8"?>
 <p:sld xmlns:a="http://schemas.openxmlformats.org/drawingml/2006/main" xmlns:r="http://schemas.openxmlformats.org/officeDocument/2006/relationships" xmlns:p="http://schemas.openxmlformats.org/presentationml/2006/main">
   <p:cSld>
     <p:spTree>
@@ -8215,13 +10835,8 @@
           <a:p>
             <a:r>
               <a:rPr lang="de-DE" dirty="0" smtClean="0"/>
-              <a:t>GPU </a:t>
-            </a:r>
-            <a:r>
-              <a:rPr lang="de-DE" dirty="0" smtClean="0"/>
-              <a:t>RAM ausreichend</a:t>
-            </a:r>
-            <a:endParaRPr lang="de-DE" dirty="0" smtClean="0"/>
+              <a:t>GPU RAM ausreichend</a:t>
+            </a:r>
           </a:p>
         </p:txBody>
       </p:sp>
@@ -8288,7 +10903,7 @@
           <a:p>
             <a:fld id="{02075A8B-51D4-4999-A4F2-B3FAC6295E4D}" type="slidenum">
               <a:rPr lang="de-DE" smtClean="0"/>
-              <a:t>24</a:t>
+              <a:t>35</a:t>
             </a:fld>
             <a:endParaRPr lang="de-DE"/>
           </a:p>
@@ -8344,7 +10959,7 @@
 </p:sld>
 </file>
 
-<file path=ppt/slides/slide25.xml><?xml version="1.0" encoding="utf-8"?>
+<file path=ppt/slides/slide36.xml><?xml version="1.0" encoding="utf-8"?>
 <p:sld xmlns:a="http://schemas.openxmlformats.org/drawingml/2006/main" xmlns:r="http://schemas.openxmlformats.org/officeDocument/2006/relationships" xmlns:p="http://schemas.openxmlformats.org/presentationml/2006/main">
   <p:cSld>
     <p:spTree>
@@ -8477,7 +11092,7 @@
           <a:p>
             <a:fld id="{02075A8B-51D4-4999-A4F2-B3FAC6295E4D}" type="slidenum">
               <a:rPr lang="de-DE" smtClean="0"/>
-              <a:t>25</a:t>
+              <a:t>36</a:t>
             </a:fld>
             <a:endParaRPr lang="de-DE"/>
           </a:p>
@@ -8503,7 +11118,7 @@
 </p:sld>
 </file>
 
-<file path=ppt/slides/slide26.xml><?xml version="1.0" encoding="utf-8"?>
+<file path=ppt/slides/slide37.xml><?xml version="1.0" encoding="utf-8"?>
 <p:sld xmlns:a="http://schemas.openxmlformats.org/drawingml/2006/main" xmlns:r="http://schemas.openxmlformats.org/officeDocument/2006/relationships" xmlns:p="http://schemas.openxmlformats.org/presentationml/2006/main">
   <p:cSld>
     <p:spTree>
@@ -8668,7 +11283,7 @@
           <a:p>
             <a:fld id="{02075A8B-51D4-4999-A4F2-B3FAC6295E4D}" type="slidenum">
               <a:rPr lang="de-DE" smtClean="0"/>
-              <a:t>26</a:t>
+              <a:t>37</a:t>
             </a:fld>
             <a:endParaRPr lang="de-DE"/>
           </a:p>
@@ -8678,1969 +11293,6 @@
     <p:extLst>
       <p:ext uri="{BB962C8B-B14F-4D97-AF65-F5344CB8AC3E}">
         <p14:creationId xmlns:p14="http://schemas.microsoft.com/office/powerpoint/2010/main" val="2097748742"/>
-      </p:ext>
-    </p:extLst>
-  </p:cSld>
-  <p:clrMapOvr>
-    <a:masterClrMapping/>
-  </p:clrMapOvr>
-  <p:timing>
-    <p:tnLst>
-      <p:par>
-        <p:cTn id="1" dur="indefinite" restart="never" nodeType="tmRoot"/>
-      </p:par>
-    </p:tnLst>
-  </p:timing>
-</p:sld>
-</file>
-
-<file path=ppt/slides/slide27.xml><?xml version="1.0" encoding="utf-8"?>
-<p:sld xmlns:a="http://schemas.openxmlformats.org/drawingml/2006/main" xmlns:r="http://schemas.openxmlformats.org/officeDocument/2006/relationships" xmlns:p="http://schemas.openxmlformats.org/presentationml/2006/main">
-  <p:cSld>
-    <p:spTree>
-      <p:nvGrpSpPr>
-        <p:cNvPr id="1" name=""/>
-        <p:cNvGrpSpPr/>
-        <p:nvPr/>
-      </p:nvGrpSpPr>
-      <p:grpSpPr>
-        <a:xfrm>
-          <a:off x="0" y="0"/>
-          <a:ext cx="0" cy="0"/>
-          <a:chOff x="0" y="0"/>
-          <a:chExt cx="0" cy="0"/>
-        </a:xfrm>
-      </p:grpSpPr>
-      <p:sp>
-        <p:nvSpPr>
-          <p:cNvPr id="2" name="Inhaltsplatzhalter 1"/>
-          <p:cNvSpPr>
-            <a:spLocks noGrp="1"/>
-          </p:cNvSpPr>
-          <p:nvPr>
-            <p:ph idx="1"/>
-          </p:nvPr>
-        </p:nvSpPr>
-        <p:spPr/>
-        <p:txBody>
-          <a:bodyPr/>
-          <a:lstStyle/>
-          <a:p>
-            <a:r>
-              <a:rPr lang="de-DE" dirty="0" smtClean="0"/>
-              <a:t>Zeitunabhängige Berechnung</a:t>
-            </a:r>
-          </a:p>
-          <a:p>
-            <a:r>
-              <a:rPr lang="de-DE" dirty="0"/>
-              <a:t>Schatten wird pro </a:t>
-            </a:r>
-            <a:r>
-              <a:rPr lang="de-DE" dirty="0" err="1"/>
-              <a:t>Skypatch</a:t>
-            </a:r>
-            <a:r>
-              <a:rPr lang="de-DE" dirty="0"/>
-              <a:t> </a:t>
-            </a:r>
-            <a:r>
-              <a:rPr lang="de-DE" dirty="0" smtClean="0"/>
-              <a:t>berechnet</a:t>
-            </a:r>
-          </a:p>
-          <a:p>
-            <a:r>
-              <a:rPr lang="de-DE" dirty="0" smtClean="0"/>
-              <a:t>Pro </a:t>
-            </a:r>
-            <a:r>
-              <a:rPr lang="de-DE" dirty="0" err="1" smtClean="0"/>
-              <a:t>Skypatch</a:t>
-            </a:r>
-            <a:r>
-              <a:rPr lang="de-DE" dirty="0" smtClean="0"/>
-              <a:t> und Dreieck ein </a:t>
-            </a:r>
-            <a:r>
-              <a:rPr lang="de-DE" dirty="0" err="1" smtClean="0"/>
-              <a:t>boolean</a:t>
-            </a:r>
-            <a:r>
-              <a:rPr lang="de-DE" dirty="0" smtClean="0"/>
-              <a:t> Wert</a:t>
-            </a:r>
-          </a:p>
-          <a:p>
-            <a:r>
-              <a:rPr lang="de-DE" dirty="0"/>
-              <a:t>Sonnenstand wird </a:t>
-            </a:r>
-            <a:r>
-              <a:rPr lang="de-DE" dirty="0" err="1"/>
-              <a:t>Skypatch</a:t>
-            </a:r>
-            <a:r>
-              <a:rPr lang="de-DE" dirty="0"/>
-              <a:t> zugeordnet</a:t>
-            </a:r>
-          </a:p>
-          <a:p>
-            <a:r>
-              <a:rPr lang="de-DE" dirty="0" smtClean="0"/>
-              <a:t>Schatten wird von </a:t>
-            </a:r>
-            <a:r>
-              <a:rPr lang="de-DE" dirty="0" err="1" smtClean="0"/>
-              <a:t>Skypatch</a:t>
-            </a:r>
-            <a:r>
-              <a:rPr lang="de-DE" dirty="0" smtClean="0"/>
-              <a:t> genommen</a:t>
-            </a:r>
-            <a:endParaRPr lang="de-DE" dirty="0"/>
-          </a:p>
-        </p:txBody>
-      </p:sp>
-      <p:sp>
-        <p:nvSpPr>
-          <p:cNvPr id="3" name="Titel 2"/>
-          <p:cNvSpPr>
-            <a:spLocks noGrp="1"/>
-          </p:cNvSpPr>
-          <p:nvPr>
-            <p:ph type="title"/>
-          </p:nvPr>
-        </p:nvSpPr>
-        <p:spPr/>
-        <p:txBody>
-          <a:bodyPr/>
-          <a:lstStyle/>
-          <a:p>
-            <a:r>
-              <a:rPr lang="de-DE" dirty="0" err="1" smtClean="0"/>
-              <a:t>Skymodel</a:t>
-            </a:r>
-            <a:r>
-              <a:rPr lang="de-DE" dirty="0" smtClean="0"/>
-              <a:t> (2/2)</a:t>
-            </a:r>
-            <a:endParaRPr lang="de-DE" dirty="0"/>
-          </a:p>
-        </p:txBody>
-      </p:sp>
-      <p:sp>
-        <p:nvSpPr>
-          <p:cNvPr id="4" name="Datumsplatzhalter 3"/>
-          <p:cNvSpPr>
-            <a:spLocks noGrp="1"/>
-          </p:cNvSpPr>
-          <p:nvPr>
-            <p:ph type="dt" sz="half" idx="10"/>
-          </p:nvPr>
-        </p:nvSpPr>
-        <p:spPr/>
-        <p:txBody>
-          <a:bodyPr/>
-          <a:lstStyle/>
-          <a:p>
-            <a:r>
-              <a:rPr lang="de-DE" smtClean="0"/>
-              <a:t>23.06.2014</a:t>
-            </a:r>
-            <a:endParaRPr lang="de-DE"/>
-          </a:p>
-        </p:txBody>
-      </p:sp>
-      <p:sp>
-        <p:nvSpPr>
-          <p:cNvPr id="5" name="Foliennummernplatzhalter 4"/>
-          <p:cNvSpPr>
-            <a:spLocks noGrp="1"/>
-          </p:cNvSpPr>
-          <p:nvPr>
-            <p:ph type="sldNum" sz="quarter" idx="12"/>
-          </p:nvPr>
-        </p:nvSpPr>
-        <p:spPr/>
-        <p:txBody>
-          <a:bodyPr/>
-          <a:lstStyle/>
-          <a:p>
-            <a:fld id="{02075A8B-51D4-4999-A4F2-B3FAC6295E4D}" type="slidenum">
-              <a:rPr lang="de-DE" smtClean="0"/>
-              <a:t>27</a:t>
-            </a:fld>
-            <a:endParaRPr lang="de-DE"/>
-          </a:p>
-        </p:txBody>
-      </p:sp>
-    </p:spTree>
-    <p:extLst>
-      <p:ext uri="{BB962C8B-B14F-4D97-AF65-F5344CB8AC3E}">
-        <p14:creationId xmlns:p14="http://schemas.microsoft.com/office/powerpoint/2010/main" val="409179092"/>
-      </p:ext>
-    </p:extLst>
-  </p:cSld>
-  <p:clrMapOvr>
-    <a:masterClrMapping/>
-  </p:clrMapOvr>
-  <p:timing>
-    <p:tnLst>
-      <p:par>
-        <p:cTn id="1" dur="indefinite" restart="never" nodeType="tmRoot"/>
-      </p:par>
-    </p:tnLst>
-  </p:timing>
-</p:sld>
-</file>
-
-<file path=ppt/slides/slide28.xml><?xml version="1.0" encoding="utf-8"?>
-<p:sld xmlns:a="http://schemas.openxmlformats.org/drawingml/2006/main" xmlns:r="http://schemas.openxmlformats.org/officeDocument/2006/relationships" xmlns:p="http://schemas.openxmlformats.org/presentationml/2006/main">
-  <p:cSld>
-    <p:spTree>
-      <p:nvGrpSpPr>
-        <p:cNvPr id="1" name=""/>
-        <p:cNvGrpSpPr/>
-        <p:nvPr/>
-      </p:nvGrpSpPr>
-      <p:grpSpPr>
-        <a:xfrm>
-          <a:off x="0" y="0"/>
-          <a:ext cx="0" cy="0"/>
-          <a:chOff x="0" y="0"/>
-          <a:chExt cx="0" cy="0"/>
-        </a:xfrm>
-      </p:grpSpPr>
-      <p:sp>
-        <p:nvSpPr>
-          <p:cNvPr id="2" name="Inhaltsplatzhalter 1"/>
-          <p:cNvSpPr>
-            <a:spLocks noGrp="1"/>
-          </p:cNvSpPr>
-          <p:nvPr>
-            <p:ph idx="1"/>
-          </p:nvPr>
-        </p:nvSpPr>
-        <p:spPr/>
-        <p:txBody>
-          <a:bodyPr/>
-          <a:lstStyle/>
-          <a:p>
-            <a:r>
-              <a:rPr lang="de-DE" dirty="0" smtClean="0"/>
-              <a:t>Für jedes Dreieck und </a:t>
-            </a:r>
-            <a:r>
-              <a:rPr lang="de-DE" dirty="0" err="1" smtClean="0"/>
-              <a:t>Skypatch</a:t>
-            </a:r>
-            <a:endParaRPr lang="de-DE" dirty="0" smtClean="0"/>
-          </a:p>
-          <a:p>
-            <a:pPr lvl="1"/>
-            <a:r>
-              <a:rPr lang="de-DE" dirty="0" smtClean="0"/>
-              <a:t>Bilde Gerade von Mittelpunkt von Dreieck zu Mittelpunkt </a:t>
-            </a:r>
-            <a:r>
-              <a:rPr lang="de-DE" dirty="0" err="1" smtClean="0"/>
-              <a:t>Skypatch</a:t>
-            </a:r>
-            <a:endParaRPr lang="de-DE" dirty="0" smtClean="0"/>
-          </a:p>
-          <a:p>
-            <a:pPr lvl="1"/>
-            <a:r>
-              <a:rPr lang="de-DE" dirty="0" smtClean="0"/>
-              <a:t>Prüfe ob Gerade andere Dreiecke</a:t>
-            </a:r>
-            <a:r>
-              <a:rPr lang="de-DE" dirty="0"/>
-              <a:t> </a:t>
-            </a:r>
-            <a:r>
-              <a:rPr lang="de-DE" dirty="0" smtClean="0"/>
-              <a:t>schneidet</a:t>
-            </a:r>
-          </a:p>
-          <a:p>
-            <a:pPr lvl="1"/>
-            <a:r>
-              <a:rPr lang="de-DE" dirty="0" smtClean="0"/>
-              <a:t>Falls Gerade nichts schneidet oder Dreieck hinter dem zu prüfenden Dreieck: kein Schatten</a:t>
-            </a:r>
-          </a:p>
-          <a:p>
-            <a:pPr lvl="1"/>
-            <a:r>
-              <a:rPr lang="de-DE" dirty="0" smtClean="0"/>
-              <a:t>Falls Gerade schneidet und Dreieck vor dem zu prüfenden Dreieck: Schatten</a:t>
-            </a:r>
-            <a:endParaRPr lang="de-DE" dirty="0"/>
-          </a:p>
-        </p:txBody>
-      </p:sp>
-      <p:sp>
-        <p:nvSpPr>
-          <p:cNvPr id="3" name="Titel 2"/>
-          <p:cNvSpPr>
-            <a:spLocks noGrp="1"/>
-          </p:cNvSpPr>
-          <p:nvPr>
-            <p:ph type="title"/>
-          </p:nvPr>
-        </p:nvSpPr>
-        <p:spPr/>
-        <p:txBody>
-          <a:bodyPr/>
-          <a:lstStyle/>
-          <a:p>
-            <a:r>
-              <a:rPr lang="de-DE" dirty="0" smtClean="0"/>
-              <a:t>Berechnung: </a:t>
-            </a:r>
-            <a:r>
-              <a:rPr lang="de-DE" dirty="0" err="1" smtClean="0"/>
-              <a:t>Raytracing</a:t>
-            </a:r>
-            <a:endParaRPr lang="de-DE" dirty="0"/>
-          </a:p>
-        </p:txBody>
-      </p:sp>
-      <p:sp>
-        <p:nvSpPr>
-          <p:cNvPr id="4" name="Datumsplatzhalter 3"/>
-          <p:cNvSpPr>
-            <a:spLocks noGrp="1"/>
-          </p:cNvSpPr>
-          <p:nvPr>
-            <p:ph type="dt" sz="half" idx="10"/>
-          </p:nvPr>
-        </p:nvSpPr>
-        <p:spPr/>
-        <p:txBody>
-          <a:bodyPr/>
-          <a:lstStyle/>
-          <a:p>
-            <a:r>
-              <a:rPr lang="de-DE" smtClean="0"/>
-              <a:t>23.06.2014</a:t>
-            </a:r>
-            <a:endParaRPr lang="de-DE"/>
-          </a:p>
-        </p:txBody>
-      </p:sp>
-      <p:sp>
-        <p:nvSpPr>
-          <p:cNvPr id="5" name="Foliennummernplatzhalter 4"/>
-          <p:cNvSpPr>
-            <a:spLocks noGrp="1"/>
-          </p:cNvSpPr>
-          <p:nvPr>
-            <p:ph type="sldNum" sz="quarter" idx="12"/>
-          </p:nvPr>
-        </p:nvSpPr>
-        <p:spPr/>
-        <p:txBody>
-          <a:bodyPr/>
-          <a:lstStyle/>
-          <a:p>
-            <a:fld id="{02075A8B-51D4-4999-A4F2-B3FAC6295E4D}" type="slidenum">
-              <a:rPr lang="de-DE" smtClean="0"/>
-              <a:t>28</a:t>
-            </a:fld>
-            <a:endParaRPr lang="de-DE"/>
-          </a:p>
-        </p:txBody>
-      </p:sp>
-    </p:spTree>
-    <p:extLst>
-      <p:ext uri="{BB962C8B-B14F-4D97-AF65-F5344CB8AC3E}">
-        <p14:creationId xmlns:p14="http://schemas.microsoft.com/office/powerpoint/2010/main" val="2853518205"/>
-      </p:ext>
-    </p:extLst>
-  </p:cSld>
-  <p:clrMapOvr>
-    <a:masterClrMapping/>
-  </p:clrMapOvr>
-  <p:timing>
-    <p:tnLst>
-      <p:par>
-        <p:cTn id="1" dur="indefinite" restart="never" nodeType="tmRoot"/>
-      </p:par>
-    </p:tnLst>
-  </p:timing>
-</p:sld>
-</file>
-
-<file path=ppt/slides/slide29.xml><?xml version="1.0" encoding="utf-8"?>
-<p:sld xmlns:a="http://schemas.openxmlformats.org/drawingml/2006/main" xmlns:r="http://schemas.openxmlformats.org/officeDocument/2006/relationships" xmlns:p="http://schemas.openxmlformats.org/presentationml/2006/main">
-  <p:cSld>
-    <p:spTree>
-      <p:nvGrpSpPr>
-        <p:cNvPr id="1" name=""/>
-        <p:cNvGrpSpPr/>
-        <p:nvPr/>
-      </p:nvGrpSpPr>
-      <p:grpSpPr>
-        <a:xfrm>
-          <a:off x="0" y="0"/>
-          <a:ext cx="0" cy="0"/>
-          <a:chOff x="0" y="0"/>
-          <a:chExt cx="0" cy="0"/>
-        </a:xfrm>
-      </p:grpSpPr>
-      <p:sp>
-        <p:nvSpPr>
-          <p:cNvPr id="2" name="Inhaltsplatzhalter 1"/>
-          <p:cNvSpPr>
-            <a:spLocks noGrp="1"/>
-          </p:cNvSpPr>
-          <p:nvPr>
-            <p:ph idx="1"/>
-          </p:nvPr>
-        </p:nvSpPr>
-        <p:spPr/>
-        <p:txBody>
-          <a:bodyPr/>
-          <a:lstStyle/>
-          <a:p>
-            <a:r>
-              <a:rPr lang="de-DE" dirty="0" smtClean="0"/>
-              <a:t>Lange Rechenzeit</a:t>
-            </a:r>
-          </a:p>
-          <a:p>
-            <a:r>
-              <a:rPr lang="de-DE" dirty="0" err="1" smtClean="0"/>
-              <a:t>Watchdog</a:t>
-            </a:r>
-            <a:r>
-              <a:rPr lang="de-DE" dirty="0" smtClean="0"/>
-              <a:t> </a:t>
-            </a:r>
-            <a:r>
-              <a:rPr lang="de-DE" dirty="0" err="1" smtClean="0"/>
-              <a:t>Timer</a:t>
-            </a:r>
-            <a:r>
-              <a:rPr lang="de-DE" dirty="0" smtClean="0"/>
-              <a:t> der GPU schlägt zu</a:t>
-            </a:r>
-          </a:p>
-          <a:p>
-            <a:r>
-              <a:rPr lang="de-DE" dirty="0" smtClean="0"/>
-              <a:t>Dreiecke können groß sein dadurch sehr ungenau</a:t>
-            </a:r>
-          </a:p>
-        </p:txBody>
-      </p:sp>
-      <p:sp>
-        <p:nvSpPr>
-          <p:cNvPr id="3" name="Titel 2"/>
-          <p:cNvSpPr>
-            <a:spLocks noGrp="1"/>
-          </p:cNvSpPr>
-          <p:nvPr>
-            <p:ph type="title"/>
-          </p:nvPr>
-        </p:nvSpPr>
-        <p:spPr/>
-        <p:txBody>
-          <a:bodyPr/>
-          <a:lstStyle/>
-          <a:p>
-            <a:r>
-              <a:rPr lang="de-DE" dirty="0" smtClean="0"/>
-              <a:t>Berechnung: Probleme</a:t>
-            </a:r>
-            <a:endParaRPr lang="de-DE" dirty="0"/>
-          </a:p>
-        </p:txBody>
-      </p:sp>
-      <p:sp>
-        <p:nvSpPr>
-          <p:cNvPr id="4" name="Datumsplatzhalter 3"/>
-          <p:cNvSpPr>
-            <a:spLocks noGrp="1"/>
-          </p:cNvSpPr>
-          <p:nvPr>
-            <p:ph type="dt" sz="half" idx="10"/>
-          </p:nvPr>
-        </p:nvSpPr>
-        <p:spPr/>
-        <p:txBody>
-          <a:bodyPr/>
-          <a:lstStyle/>
-          <a:p>
-            <a:r>
-              <a:rPr lang="de-DE" smtClean="0"/>
-              <a:t>23.06.2014</a:t>
-            </a:r>
-            <a:endParaRPr lang="de-DE"/>
-          </a:p>
-        </p:txBody>
-      </p:sp>
-      <p:sp>
-        <p:nvSpPr>
-          <p:cNvPr id="5" name="Foliennummernplatzhalter 4"/>
-          <p:cNvSpPr>
-            <a:spLocks noGrp="1"/>
-          </p:cNvSpPr>
-          <p:nvPr>
-            <p:ph type="sldNum" sz="quarter" idx="12"/>
-          </p:nvPr>
-        </p:nvSpPr>
-        <p:spPr/>
-        <p:txBody>
-          <a:bodyPr/>
-          <a:lstStyle/>
-          <a:p>
-            <a:fld id="{02075A8B-51D4-4999-A4F2-B3FAC6295E4D}" type="slidenum">
-              <a:rPr lang="de-DE" smtClean="0"/>
-              <a:t>29</a:t>
-            </a:fld>
-            <a:endParaRPr lang="de-DE"/>
-          </a:p>
-        </p:txBody>
-      </p:sp>
-    </p:spTree>
-    <p:extLst>
-      <p:ext uri="{BB962C8B-B14F-4D97-AF65-F5344CB8AC3E}">
-        <p14:creationId xmlns:p14="http://schemas.microsoft.com/office/powerpoint/2010/main" val="21049820"/>
-      </p:ext>
-    </p:extLst>
-  </p:cSld>
-  <p:clrMapOvr>
-    <a:masterClrMapping/>
-  </p:clrMapOvr>
-  <p:timing>
-    <p:tnLst>
-      <p:par>
-        <p:cTn id="1" dur="indefinite" restart="never" nodeType="tmRoot"/>
-      </p:par>
-    </p:tnLst>
-  </p:timing>
-</p:sld>
-</file>
-
-<file path=ppt/slides/slide3.xml><?xml version="1.0" encoding="utf-8"?>
-<p:sld xmlns:a="http://schemas.openxmlformats.org/drawingml/2006/main" xmlns:r="http://schemas.openxmlformats.org/officeDocument/2006/relationships" xmlns:p="http://schemas.openxmlformats.org/presentationml/2006/main">
-  <p:cSld>
-    <p:spTree>
-      <p:nvGrpSpPr>
-        <p:cNvPr id="1" name=""/>
-        <p:cNvGrpSpPr/>
-        <p:nvPr/>
-      </p:nvGrpSpPr>
-      <p:grpSpPr>
-        <a:xfrm>
-          <a:off x="0" y="0"/>
-          <a:ext cx="0" cy="0"/>
-          <a:chOff x="0" y="0"/>
-          <a:chExt cx="0" cy="0"/>
-        </a:xfrm>
-      </p:grpSpPr>
-      <p:sp>
-        <p:nvSpPr>
-          <p:cNvPr id="2" name="Inhaltsplatzhalter 1"/>
-          <p:cNvSpPr>
-            <a:spLocks noGrp="1"/>
-          </p:cNvSpPr>
-          <p:nvPr>
-            <p:ph idx="1"/>
-          </p:nvPr>
-        </p:nvSpPr>
-        <p:spPr/>
-        <p:txBody>
-          <a:bodyPr/>
-          <a:lstStyle/>
-          <a:p>
-            <a:r>
-              <a:rPr lang="de-DE" dirty="0" smtClean="0"/>
-              <a:t>Was ist </a:t>
-            </a:r>
-            <a:r>
-              <a:rPr lang="de-DE" dirty="0" err="1" smtClean="0"/>
-              <a:t>vCity</a:t>
-            </a:r>
-            <a:r>
-              <a:rPr lang="de-DE" dirty="0" smtClean="0"/>
-              <a:t>?</a:t>
-            </a:r>
-          </a:p>
-          <a:p>
-            <a:r>
-              <a:rPr lang="de-DE" dirty="0" smtClean="0"/>
-              <a:t>Kommunikation</a:t>
-            </a:r>
-          </a:p>
-          <a:p>
-            <a:r>
-              <a:rPr lang="de-DE" dirty="0" err="1" smtClean="0"/>
-              <a:t>GitHub</a:t>
-            </a:r>
-            <a:endParaRPr lang="de-DE" dirty="0"/>
-          </a:p>
-        </p:txBody>
-      </p:sp>
-      <p:sp>
-        <p:nvSpPr>
-          <p:cNvPr id="3" name="Datumsplatzhalter 2"/>
-          <p:cNvSpPr>
-            <a:spLocks noGrp="1"/>
-          </p:cNvSpPr>
-          <p:nvPr>
-            <p:ph type="dt" sz="half" idx="10"/>
-          </p:nvPr>
-        </p:nvSpPr>
-        <p:spPr/>
-        <p:txBody>
-          <a:bodyPr/>
-          <a:lstStyle/>
-          <a:p>
-            <a:r>
-              <a:rPr lang="de-DE" smtClean="0"/>
-              <a:t>23.06.2014</a:t>
-            </a:r>
-            <a:endParaRPr lang="de-DE"/>
-          </a:p>
-        </p:txBody>
-      </p:sp>
-      <p:sp>
-        <p:nvSpPr>
-          <p:cNvPr id="4" name="Foliennummernplatzhalter 3"/>
-          <p:cNvSpPr>
-            <a:spLocks noGrp="1"/>
-          </p:cNvSpPr>
-          <p:nvPr>
-            <p:ph type="sldNum" sz="quarter" idx="12"/>
-          </p:nvPr>
-        </p:nvSpPr>
-        <p:spPr/>
-        <p:txBody>
-          <a:bodyPr/>
-          <a:lstStyle/>
-          <a:p>
-            <a:fld id="{02075A8B-51D4-4999-A4F2-B3FAC6295E4D}" type="slidenum">
-              <a:rPr lang="de-DE" smtClean="0"/>
-              <a:t>3</a:t>
-            </a:fld>
-            <a:endParaRPr lang="de-DE"/>
-          </a:p>
-        </p:txBody>
-      </p:sp>
-      <p:sp>
-        <p:nvSpPr>
-          <p:cNvPr id="5" name="Titel 4"/>
-          <p:cNvSpPr>
-            <a:spLocks noGrp="1"/>
-          </p:cNvSpPr>
-          <p:nvPr>
-            <p:ph type="title"/>
-          </p:nvPr>
-        </p:nvSpPr>
-        <p:spPr/>
-        <p:txBody>
-          <a:bodyPr>
-            <a:normAutofit/>
-          </a:bodyPr>
-          <a:lstStyle/>
-          <a:p>
-            <a:r>
-              <a:rPr lang="de-DE" dirty="0"/>
-              <a:t>Vorstellung </a:t>
-            </a:r>
-            <a:r>
-              <a:rPr lang="de-DE" dirty="0" err="1" smtClean="0"/>
-              <a:t>vCity</a:t>
-            </a:r>
-            <a:endParaRPr lang="de-DE" dirty="0"/>
-          </a:p>
-        </p:txBody>
-      </p:sp>
-    </p:spTree>
-    <p:extLst>
-      <p:ext uri="{BB962C8B-B14F-4D97-AF65-F5344CB8AC3E}">
-        <p14:creationId xmlns:p14="http://schemas.microsoft.com/office/powerpoint/2010/main" val="1397236420"/>
-      </p:ext>
-    </p:extLst>
-  </p:cSld>
-  <p:clrMapOvr>
-    <a:masterClrMapping/>
-  </p:clrMapOvr>
-  <p:timing>
-    <p:tnLst>
-      <p:par>
-        <p:cTn id="1" dur="indefinite" restart="never" nodeType="tmRoot"/>
-      </p:par>
-    </p:tnLst>
-  </p:timing>
-</p:sld>
-</file>
-
-<file path=ppt/slides/slide30.xml><?xml version="1.0" encoding="utf-8"?>
-<p:sld xmlns:a="http://schemas.openxmlformats.org/drawingml/2006/main" xmlns:r="http://schemas.openxmlformats.org/officeDocument/2006/relationships" xmlns:p="http://schemas.openxmlformats.org/presentationml/2006/main">
-  <p:cSld>
-    <p:spTree>
-      <p:nvGrpSpPr>
-        <p:cNvPr id="1" name=""/>
-        <p:cNvGrpSpPr/>
-        <p:nvPr/>
-      </p:nvGrpSpPr>
-      <p:grpSpPr>
-        <a:xfrm>
-          <a:off x="0" y="0"/>
-          <a:ext cx="0" cy="0"/>
-          <a:chOff x="0" y="0"/>
-          <a:chExt cx="0" cy="0"/>
-        </a:xfrm>
-      </p:grpSpPr>
-      <p:sp>
-        <p:nvSpPr>
-          <p:cNvPr id="2" name="Inhaltsplatzhalter 1"/>
-          <p:cNvSpPr>
-            <a:spLocks noGrp="1"/>
-          </p:cNvSpPr>
-          <p:nvPr>
-            <p:ph idx="1"/>
-          </p:nvPr>
-        </p:nvSpPr>
-        <p:spPr/>
-        <p:txBody>
-          <a:bodyPr/>
-          <a:lstStyle/>
-          <a:p>
-            <a:r>
-              <a:rPr lang="de-DE" dirty="0" smtClean="0"/>
-              <a:t>Teile Dreiecke auf in kleinere Dreiecke</a:t>
-            </a:r>
-          </a:p>
-          <a:p>
-            <a:r>
-              <a:rPr lang="de-DE" dirty="0" smtClean="0"/>
-              <a:t>Falls Fläche von Dreieck größer als z.B. 1m² teile längste Seite in der Mitte und bilde zwei Dreiecke</a:t>
-            </a:r>
-          </a:p>
-        </p:txBody>
-      </p:sp>
-      <p:sp>
-        <p:nvSpPr>
-          <p:cNvPr id="3" name="Titel 2"/>
-          <p:cNvSpPr>
-            <a:spLocks noGrp="1"/>
-          </p:cNvSpPr>
-          <p:nvPr>
-            <p:ph type="title"/>
-          </p:nvPr>
-        </p:nvSpPr>
-        <p:spPr/>
-        <p:txBody>
-          <a:bodyPr/>
-          <a:lstStyle/>
-          <a:p>
-            <a:r>
-              <a:rPr lang="de-DE" dirty="0" smtClean="0"/>
-              <a:t>Berechnung: Lösung (1/2)</a:t>
-            </a:r>
-            <a:endParaRPr lang="de-DE" dirty="0"/>
-          </a:p>
-        </p:txBody>
-      </p:sp>
-      <p:pic>
-        <p:nvPicPr>
-          <p:cNvPr id="4" name="Grafik 3"/>
-          <p:cNvPicPr>
-            <a:picLocks noChangeAspect="1"/>
-          </p:cNvPicPr>
-          <p:nvPr/>
-        </p:nvPicPr>
-        <p:blipFill>
-          <a:blip r:embed="rId2">
-            <a:extLst>
-              <a:ext uri="{28A0092B-C50C-407E-A947-70E740481C1C}">
-                <a14:useLocalDpi xmlns:a14="http://schemas.microsoft.com/office/drawing/2010/main" val="0"/>
-              </a:ext>
-            </a:extLst>
-          </a:blip>
-          <a:stretch>
-            <a:fillRect/>
-          </a:stretch>
-        </p:blipFill>
-        <p:spPr>
-          <a:xfrm>
-            <a:off x="2339752" y="3212976"/>
-            <a:ext cx="4001059" cy="2057687"/>
-          </a:xfrm>
-          <a:prstGeom prst="rect">
-            <a:avLst/>
-          </a:prstGeom>
-        </p:spPr>
-      </p:pic>
-      <p:sp>
-        <p:nvSpPr>
-          <p:cNvPr id="5" name="Datumsplatzhalter 4"/>
-          <p:cNvSpPr>
-            <a:spLocks noGrp="1"/>
-          </p:cNvSpPr>
-          <p:nvPr>
-            <p:ph type="dt" sz="half" idx="10"/>
-          </p:nvPr>
-        </p:nvSpPr>
-        <p:spPr/>
-        <p:txBody>
-          <a:bodyPr/>
-          <a:lstStyle/>
-          <a:p>
-            <a:r>
-              <a:rPr lang="de-DE" smtClean="0"/>
-              <a:t>23.06.2014</a:t>
-            </a:r>
-            <a:endParaRPr lang="de-DE"/>
-          </a:p>
-        </p:txBody>
-      </p:sp>
-      <p:sp>
-        <p:nvSpPr>
-          <p:cNvPr id="6" name="Foliennummernplatzhalter 5"/>
-          <p:cNvSpPr>
-            <a:spLocks noGrp="1"/>
-          </p:cNvSpPr>
-          <p:nvPr>
-            <p:ph type="sldNum" sz="quarter" idx="12"/>
-          </p:nvPr>
-        </p:nvSpPr>
-        <p:spPr/>
-        <p:txBody>
-          <a:bodyPr/>
-          <a:lstStyle/>
-          <a:p>
-            <a:fld id="{02075A8B-51D4-4999-A4F2-B3FAC6295E4D}" type="slidenum">
-              <a:rPr lang="de-DE" smtClean="0"/>
-              <a:t>30</a:t>
-            </a:fld>
-            <a:endParaRPr lang="de-DE"/>
-          </a:p>
-        </p:txBody>
-      </p:sp>
-    </p:spTree>
-    <p:extLst>
-      <p:ext uri="{BB962C8B-B14F-4D97-AF65-F5344CB8AC3E}">
-        <p14:creationId xmlns:p14="http://schemas.microsoft.com/office/powerpoint/2010/main" val="3148905547"/>
-      </p:ext>
-    </p:extLst>
-  </p:cSld>
-  <p:clrMapOvr>
-    <a:masterClrMapping/>
-  </p:clrMapOvr>
-  <p:timing>
-    <p:tnLst>
-      <p:par>
-        <p:cTn id="1" dur="indefinite" restart="never" nodeType="tmRoot"/>
-      </p:par>
-    </p:tnLst>
-  </p:timing>
-</p:sld>
-</file>
-
-<file path=ppt/slides/slide31.xml><?xml version="1.0" encoding="utf-8"?>
-<p:sld xmlns:a="http://schemas.openxmlformats.org/drawingml/2006/main" xmlns:r="http://schemas.openxmlformats.org/officeDocument/2006/relationships" xmlns:p="http://schemas.openxmlformats.org/presentationml/2006/main">
-  <p:cSld>
-    <p:spTree>
-      <p:nvGrpSpPr>
-        <p:cNvPr id="1" name=""/>
-        <p:cNvGrpSpPr/>
-        <p:nvPr/>
-      </p:nvGrpSpPr>
-      <p:grpSpPr>
-        <a:xfrm>
-          <a:off x="0" y="0"/>
-          <a:ext cx="0" cy="0"/>
-          <a:chOff x="0" y="0"/>
-          <a:chExt cx="0" cy="0"/>
-        </a:xfrm>
-      </p:grpSpPr>
-      <p:sp>
-        <p:nvSpPr>
-          <p:cNvPr id="2" name="Inhaltsplatzhalter 1"/>
-          <p:cNvSpPr>
-            <a:spLocks noGrp="1"/>
-          </p:cNvSpPr>
-          <p:nvPr>
-            <p:ph idx="1"/>
-          </p:nvPr>
-        </p:nvSpPr>
-        <p:spPr/>
-        <p:txBody>
-          <a:bodyPr/>
-          <a:lstStyle/>
-          <a:p>
-            <a:r>
-              <a:rPr lang="de-DE" dirty="0" smtClean="0"/>
-              <a:t>Berechne für jedes Gebäude eine Umgebung von Gebäuden</a:t>
-            </a:r>
-          </a:p>
-          <a:p>
-            <a:r>
-              <a:rPr lang="de-DE" dirty="0" smtClean="0"/>
-              <a:t>Alle Gebäude, die weiter entfernt sind als z.B. 80m werden nicht berücksichtigt</a:t>
-            </a:r>
-          </a:p>
-          <a:p>
-            <a:r>
-              <a:rPr lang="de-DE" dirty="0" smtClean="0"/>
-              <a:t>Berechne den Schatten in Paketen</a:t>
-            </a:r>
-            <a:endParaRPr lang="de-DE" dirty="0"/>
-          </a:p>
-        </p:txBody>
-      </p:sp>
-      <p:sp>
-        <p:nvSpPr>
-          <p:cNvPr id="3" name="Titel 2"/>
-          <p:cNvSpPr>
-            <a:spLocks noGrp="1"/>
-          </p:cNvSpPr>
-          <p:nvPr>
-            <p:ph type="title"/>
-          </p:nvPr>
-        </p:nvSpPr>
-        <p:spPr/>
-        <p:txBody>
-          <a:bodyPr/>
-          <a:lstStyle/>
-          <a:p>
-            <a:r>
-              <a:rPr lang="de-DE" dirty="0" smtClean="0"/>
-              <a:t>Berechnung: Lösung (2/2)</a:t>
-            </a:r>
-            <a:endParaRPr lang="de-DE" dirty="0"/>
-          </a:p>
-        </p:txBody>
-      </p:sp>
-      <p:sp>
-        <p:nvSpPr>
-          <p:cNvPr id="4" name="Datumsplatzhalter 3"/>
-          <p:cNvSpPr>
-            <a:spLocks noGrp="1"/>
-          </p:cNvSpPr>
-          <p:nvPr>
-            <p:ph type="dt" sz="half" idx="10"/>
-          </p:nvPr>
-        </p:nvSpPr>
-        <p:spPr/>
-        <p:txBody>
-          <a:bodyPr/>
-          <a:lstStyle/>
-          <a:p>
-            <a:r>
-              <a:rPr lang="de-DE" smtClean="0"/>
-              <a:t>23.06.2014</a:t>
-            </a:r>
-            <a:endParaRPr lang="de-DE"/>
-          </a:p>
-        </p:txBody>
-      </p:sp>
-      <p:sp>
-        <p:nvSpPr>
-          <p:cNvPr id="5" name="Foliennummernplatzhalter 4"/>
-          <p:cNvSpPr>
-            <a:spLocks noGrp="1"/>
-          </p:cNvSpPr>
-          <p:nvPr>
-            <p:ph type="sldNum" sz="quarter" idx="12"/>
-          </p:nvPr>
-        </p:nvSpPr>
-        <p:spPr/>
-        <p:txBody>
-          <a:bodyPr/>
-          <a:lstStyle/>
-          <a:p>
-            <a:fld id="{02075A8B-51D4-4999-A4F2-B3FAC6295E4D}" type="slidenum">
-              <a:rPr lang="de-DE" smtClean="0"/>
-              <a:t>31</a:t>
-            </a:fld>
-            <a:endParaRPr lang="de-DE"/>
-          </a:p>
-        </p:txBody>
-      </p:sp>
-    </p:spTree>
-    <p:extLst>
-      <p:ext uri="{BB962C8B-B14F-4D97-AF65-F5344CB8AC3E}">
-        <p14:creationId xmlns:p14="http://schemas.microsoft.com/office/powerpoint/2010/main" val="1520712045"/>
-      </p:ext>
-    </p:extLst>
-  </p:cSld>
-  <p:clrMapOvr>
-    <a:masterClrMapping/>
-  </p:clrMapOvr>
-  <p:timing>
-    <p:tnLst>
-      <p:par>
-        <p:cTn id="1" dur="indefinite" restart="never" nodeType="tmRoot"/>
-      </p:par>
-    </p:tnLst>
-  </p:timing>
-</p:sld>
-</file>
-
-<file path=ppt/slides/slide32.xml><?xml version="1.0" encoding="utf-8"?>
-<p:sld xmlns:a="http://schemas.openxmlformats.org/drawingml/2006/main" xmlns:r="http://schemas.openxmlformats.org/officeDocument/2006/relationships" xmlns:p="http://schemas.openxmlformats.org/presentationml/2006/main">
-  <p:cSld>
-    <p:spTree>
-      <p:nvGrpSpPr>
-        <p:cNvPr id="1" name=""/>
-        <p:cNvGrpSpPr/>
-        <p:nvPr/>
-      </p:nvGrpSpPr>
-      <p:grpSpPr>
-        <a:xfrm>
-          <a:off x="0" y="0"/>
-          <a:ext cx="0" cy="0"/>
-          <a:chOff x="0" y="0"/>
-          <a:chExt cx="0" cy="0"/>
-        </a:xfrm>
-      </p:grpSpPr>
-      <p:sp>
-        <p:nvSpPr>
-          <p:cNvPr id="2" name="Inhaltsplatzhalter 1"/>
-          <p:cNvSpPr>
-            <a:spLocks noGrp="1"/>
-          </p:cNvSpPr>
-          <p:nvPr>
-            <p:ph idx="1"/>
-          </p:nvPr>
-        </p:nvSpPr>
-        <p:spPr/>
-        <p:txBody>
-          <a:bodyPr/>
-          <a:lstStyle/>
-          <a:p>
-            <a:r>
-              <a:rPr lang="de-DE" dirty="0" smtClean="0"/>
-              <a:t>Berechne Mittelpunkt von Gebäuden</a:t>
-            </a:r>
-          </a:p>
-          <a:p>
-            <a:r>
-              <a:rPr lang="de-DE" dirty="0" smtClean="0"/>
-              <a:t>Teile </a:t>
-            </a:r>
-            <a:r>
-              <a:rPr lang="de-DE" dirty="0" smtClean="0"/>
-              <a:t>große Dreiecke </a:t>
-            </a:r>
-            <a:r>
-              <a:rPr lang="de-DE" dirty="0" smtClean="0"/>
-              <a:t>in kleine Dreiecke</a:t>
-            </a:r>
-          </a:p>
-          <a:p>
-            <a:r>
-              <a:rPr lang="de-DE" dirty="0" smtClean="0"/>
-              <a:t>Berechne Mittelpunkt von kleinen Dreiecken</a:t>
-            </a:r>
-          </a:p>
-          <a:p>
-            <a:r>
-              <a:rPr lang="de-DE" dirty="0" smtClean="0"/>
-              <a:t>Sammle alle kleinen Dreiecke in einer Liste</a:t>
-            </a:r>
-          </a:p>
-          <a:p>
-            <a:r>
-              <a:rPr lang="de-DE" dirty="0" smtClean="0"/>
-              <a:t>Hole Pakete von 256/512/1024 Dreiecken aus Liste und bearbeite diese</a:t>
-            </a:r>
-            <a:endParaRPr lang="de-DE" dirty="0"/>
-          </a:p>
-        </p:txBody>
-      </p:sp>
-      <p:sp>
-        <p:nvSpPr>
-          <p:cNvPr id="3" name="Titel 2"/>
-          <p:cNvSpPr>
-            <a:spLocks noGrp="1"/>
-          </p:cNvSpPr>
-          <p:nvPr>
-            <p:ph type="title"/>
-          </p:nvPr>
-        </p:nvSpPr>
-        <p:spPr/>
-        <p:txBody>
-          <a:bodyPr/>
-          <a:lstStyle/>
-          <a:p>
-            <a:r>
-              <a:rPr lang="de-DE" dirty="0" smtClean="0"/>
-              <a:t>Berechnung: Umsetzung (1/2)</a:t>
-            </a:r>
-            <a:endParaRPr lang="de-DE" dirty="0"/>
-          </a:p>
-        </p:txBody>
-      </p:sp>
-      <p:sp>
-        <p:nvSpPr>
-          <p:cNvPr id="4" name="Datumsplatzhalter 3"/>
-          <p:cNvSpPr>
-            <a:spLocks noGrp="1"/>
-          </p:cNvSpPr>
-          <p:nvPr>
-            <p:ph type="dt" sz="half" idx="10"/>
-          </p:nvPr>
-        </p:nvSpPr>
-        <p:spPr/>
-        <p:txBody>
-          <a:bodyPr/>
-          <a:lstStyle/>
-          <a:p>
-            <a:r>
-              <a:rPr lang="de-DE" smtClean="0"/>
-              <a:t>23.06.2014</a:t>
-            </a:r>
-            <a:endParaRPr lang="de-DE"/>
-          </a:p>
-        </p:txBody>
-      </p:sp>
-      <p:sp>
-        <p:nvSpPr>
-          <p:cNvPr id="5" name="Foliennummernplatzhalter 4"/>
-          <p:cNvSpPr>
-            <a:spLocks noGrp="1"/>
-          </p:cNvSpPr>
-          <p:nvPr>
-            <p:ph type="sldNum" sz="quarter" idx="12"/>
-          </p:nvPr>
-        </p:nvSpPr>
-        <p:spPr/>
-        <p:txBody>
-          <a:bodyPr/>
-          <a:lstStyle/>
-          <a:p>
-            <a:fld id="{02075A8B-51D4-4999-A4F2-B3FAC6295E4D}" type="slidenum">
-              <a:rPr lang="de-DE" smtClean="0"/>
-              <a:t>32</a:t>
-            </a:fld>
-            <a:endParaRPr lang="de-DE"/>
-          </a:p>
-        </p:txBody>
-      </p:sp>
-    </p:spTree>
-    <p:extLst>
-      <p:ext uri="{BB962C8B-B14F-4D97-AF65-F5344CB8AC3E}">
-        <p14:creationId xmlns:p14="http://schemas.microsoft.com/office/powerpoint/2010/main" val="1532000112"/>
-      </p:ext>
-    </p:extLst>
-  </p:cSld>
-  <p:clrMapOvr>
-    <a:masterClrMapping/>
-  </p:clrMapOvr>
-  <p:timing>
-    <p:tnLst>
-      <p:par>
-        <p:cTn id="1" dur="indefinite" restart="never" nodeType="tmRoot"/>
-      </p:par>
-    </p:tnLst>
-  </p:timing>
-</p:sld>
-</file>
-
-<file path=ppt/slides/slide33.xml><?xml version="1.0" encoding="utf-8"?>
-<p:sld xmlns:a="http://schemas.openxmlformats.org/drawingml/2006/main" xmlns:r="http://schemas.openxmlformats.org/officeDocument/2006/relationships" xmlns:p="http://schemas.openxmlformats.org/presentationml/2006/main">
-  <p:cSld>
-    <p:spTree>
-      <p:nvGrpSpPr>
-        <p:cNvPr id="1" name=""/>
-        <p:cNvGrpSpPr/>
-        <p:nvPr/>
-      </p:nvGrpSpPr>
-      <p:grpSpPr>
-        <a:xfrm>
-          <a:off x="0" y="0"/>
-          <a:ext cx="0" cy="0"/>
-          <a:chOff x="0" y="0"/>
-          <a:chExt cx="0" cy="0"/>
-        </a:xfrm>
-      </p:grpSpPr>
-      <p:sp>
-        <p:nvSpPr>
-          <p:cNvPr id="2" name="Inhaltsplatzhalter 1"/>
-          <p:cNvSpPr>
-            <a:spLocks noGrp="1"/>
-          </p:cNvSpPr>
-          <p:nvPr>
-            <p:ph idx="1"/>
-          </p:nvPr>
-        </p:nvSpPr>
-        <p:spPr/>
-        <p:txBody>
-          <a:bodyPr/>
-          <a:lstStyle/>
-          <a:p>
-            <a:r>
-              <a:rPr lang="de-DE" dirty="0" smtClean="0"/>
-              <a:t>Ermittle zu welchen Gebäuden die Dreiecke gehören</a:t>
-            </a:r>
-          </a:p>
-          <a:p>
-            <a:r>
-              <a:rPr lang="de-DE" dirty="0" smtClean="0"/>
-              <a:t>Berechne für jedes gefundene Gebäude die Umgebung</a:t>
-            </a:r>
-          </a:p>
-          <a:p>
-            <a:r>
-              <a:rPr lang="de-DE" dirty="0" smtClean="0"/>
-              <a:t>Speicher alles auf die Grafikkarte und starte die Berechnung</a:t>
-            </a:r>
-            <a:endParaRPr lang="de-DE" dirty="0"/>
-          </a:p>
-        </p:txBody>
-      </p:sp>
-      <p:sp>
-        <p:nvSpPr>
-          <p:cNvPr id="3" name="Titel 2"/>
-          <p:cNvSpPr>
-            <a:spLocks noGrp="1"/>
-          </p:cNvSpPr>
-          <p:nvPr>
-            <p:ph type="title"/>
-          </p:nvPr>
-        </p:nvSpPr>
-        <p:spPr/>
-        <p:txBody>
-          <a:bodyPr/>
-          <a:lstStyle/>
-          <a:p>
-            <a:r>
-              <a:rPr lang="de-DE" dirty="0" smtClean="0"/>
-              <a:t>Berechnung: Umsetzung (2/2)</a:t>
-            </a:r>
-            <a:endParaRPr lang="de-DE" dirty="0"/>
-          </a:p>
-        </p:txBody>
-      </p:sp>
-      <p:sp>
-        <p:nvSpPr>
-          <p:cNvPr id="4" name="Datumsplatzhalter 3"/>
-          <p:cNvSpPr>
-            <a:spLocks noGrp="1"/>
-          </p:cNvSpPr>
-          <p:nvPr>
-            <p:ph type="dt" sz="half" idx="10"/>
-          </p:nvPr>
-        </p:nvSpPr>
-        <p:spPr/>
-        <p:txBody>
-          <a:bodyPr/>
-          <a:lstStyle/>
-          <a:p>
-            <a:r>
-              <a:rPr lang="de-DE" smtClean="0"/>
-              <a:t>23.06.2014</a:t>
-            </a:r>
-            <a:endParaRPr lang="de-DE"/>
-          </a:p>
-        </p:txBody>
-      </p:sp>
-      <p:sp>
-        <p:nvSpPr>
-          <p:cNvPr id="5" name="Foliennummernplatzhalter 4"/>
-          <p:cNvSpPr>
-            <a:spLocks noGrp="1"/>
-          </p:cNvSpPr>
-          <p:nvPr>
-            <p:ph type="sldNum" sz="quarter" idx="12"/>
-          </p:nvPr>
-        </p:nvSpPr>
-        <p:spPr/>
-        <p:txBody>
-          <a:bodyPr/>
-          <a:lstStyle/>
-          <a:p>
-            <a:fld id="{02075A8B-51D4-4999-A4F2-B3FAC6295E4D}" type="slidenum">
-              <a:rPr lang="de-DE" smtClean="0"/>
-              <a:t>33</a:t>
-            </a:fld>
-            <a:endParaRPr lang="de-DE"/>
-          </a:p>
-        </p:txBody>
-      </p:sp>
-    </p:spTree>
-    <p:extLst>
-      <p:ext uri="{BB962C8B-B14F-4D97-AF65-F5344CB8AC3E}">
-        <p14:creationId xmlns:p14="http://schemas.microsoft.com/office/powerpoint/2010/main" val="1716100772"/>
-      </p:ext>
-    </p:extLst>
-  </p:cSld>
-  <p:clrMapOvr>
-    <a:masterClrMapping/>
-  </p:clrMapOvr>
-  <p:timing>
-    <p:tnLst>
-      <p:par>
-        <p:cTn id="1" dur="indefinite" restart="never" nodeType="tmRoot"/>
-      </p:par>
-    </p:tnLst>
-  </p:timing>
-</p:sld>
-</file>
-
-<file path=ppt/slides/slide34.xml><?xml version="1.0" encoding="utf-8"?>
-<p:sld xmlns:a="http://schemas.openxmlformats.org/drawingml/2006/main" xmlns:r="http://schemas.openxmlformats.org/officeDocument/2006/relationships" xmlns:p="http://schemas.openxmlformats.org/presentationml/2006/main">
-  <p:cSld>
-    <p:spTree>
-      <p:nvGrpSpPr>
-        <p:cNvPr id="1" name=""/>
-        <p:cNvGrpSpPr/>
-        <p:nvPr/>
-      </p:nvGrpSpPr>
-      <p:grpSpPr>
-        <a:xfrm>
-          <a:off x="0" y="0"/>
-          <a:ext cx="0" cy="0"/>
-          <a:chOff x="0" y="0"/>
-          <a:chExt cx="0" cy="0"/>
-        </a:xfrm>
-      </p:grpSpPr>
-      <p:sp>
-        <p:nvSpPr>
-          <p:cNvPr id="2" name="Inhaltsplatzhalter 1"/>
-          <p:cNvSpPr>
-            <a:spLocks noGrp="1"/>
-          </p:cNvSpPr>
-          <p:nvPr>
-            <p:ph idx="1"/>
-          </p:nvPr>
-        </p:nvSpPr>
-        <p:spPr/>
-        <p:txBody>
-          <a:bodyPr/>
-          <a:lstStyle/>
-          <a:p>
-            <a:r>
-              <a:rPr lang="de-DE" dirty="0" smtClean="0"/>
-              <a:t>Rot: zu berechnendes Gebäude</a:t>
-            </a:r>
-          </a:p>
-          <a:p>
-            <a:r>
-              <a:rPr lang="de-DE" dirty="0" smtClean="0"/>
-              <a:t>Grün: Umgebung</a:t>
-            </a:r>
-          </a:p>
-          <a:p>
-            <a:r>
-              <a:rPr lang="de-DE" dirty="0" smtClean="0"/>
-              <a:t>Schwarz: Gebäude außer Reichweite</a:t>
-            </a:r>
-            <a:endParaRPr lang="de-DE" dirty="0"/>
-          </a:p>
-        </p:txBody>
-      </p:sp>
-      <p:sp>
-        <p:nvSpPr>
-          <p:cNvPr id="3" name="Titel 2"/>
-          <p:cNvSpPr>
-            <a:spLocks noGrp="1"/>
-          </p:cNvSpPr>
-          <p:nvPr>
-            <p:ph type="title"/>
-          </p:nvPr>
-        </p:nvSpPr>
-        <p:spPr/>
-        <p:txBody>
-          <a:bodyPr/>
-          <a:lstStyle/>
-          <a:p>
-            <a:r>
-              <a:rPr lang="de-DE" dirty="0" smtClean="0"/>
-              <a:t>Berechnung: Beispiel</a:t>
-            </a:r>
-            <a:endParaRPr lang="de-DE" dirty="0"/>
-          </a:p>
-        </p:txBody>
-      </p:sp>
-      <p:pic>
-        <p:nvPicPr>
-          <p:cNvPr id="5" name="Grafik 4"/>
-          <p:cNvPicPr>
-            <a:picLocks noChangeAspect="1"/>
-          </p:cNvPicPr>
-          <p:nvPr/>
-        </p:nvPicPr>
-        <p:blipFill>
-          <a:blip r:embed="rId2">
-            <a:extLst>
-              <a:ext uri="{28A0092B-C50C-407E-A947-70E740481C1C}">
-                <a14:useLocalDpi xmlns:a14="http://schemas.microsoft.com/office/drawing/2010/main" val="0"/>
-              </a:ext>
-            </a:extLst>
-          </a:blip>
-          <a:stretch>
-            <a:fillRect/>
-          </a:stretch>
-        </p:blipFill>
-        <p:spPr>
-          <a:xfrm>
-            <a:off x="3059832" y="3018538"/>
-            <a:ext cx="3696216" cy="3224358"/>
-          </a:xfrm>
-          <a:prstGeom prst="rect">
-            <a:avLst/>
-          </a:prstGeom>
-        </p:spPr>
-      </p:pic>
-      <p:sp>
-        <p:nvSpPr>
-          <p:cNvPr id="4" name="Datumsplatzhalter 3"/>
-          <p:cNvSpPr>
-            <a:spLocks noGrp="1"/>
-          </p:cNvSpPr>
-          <p:nvPr>
-            <p:ph type="dt" sz="half" idx="10"/>
-          </p:nvPr>
-        </p:nvSpPr>
-        <p:spPr/>
-        <p:txBody>
-          <a:bodyPr/>
-          <a:lstStyle/>
-          <a:p>
-            <a:r>
-              <a:rPr lang="de-DE" smtClean="0"/>
-              <a:t>23.06.2014</a:t>
-            </a:r>
-            <a:endParaRPr lang="de-DE"/>
-          </a:p>
-        </p:txBody>
-      </p:sp>
-      <p:sp>
-        <p:nvSpPr>
-          <p:cNvPr id="6" name="Foliennummernplatzhalter 5"/>
-          <p:cNvSpPr>
-            <a:spLocks noGrp="1"/>
-          </p:cNvSpPr>
-          <p:nvPr>
-            <p:ph type="sldNum" sz="quarter" idx="12"/>
-          </p:nvPr>
-        </p:nvSpPr>
-        <p:spPr/>
-        <p:txBody>
-          <a:bodyPr/>
-          <a:lstStyle/>
-          <a:p>
-            <a:fld id="{02075A8B-51D4-4999-A4F2-B3FAC6295E4D}" type="slidenum">
-              <a:rPr lang="de-DE" smtClean="0"/>
-              <a:t>34</a:t>
-            </a:fld>
-            <a:endParaRPr lang="de-DE"/>
-          </a:p>
-        </p:txBody>
-      </p:sp>
-    </p:spTree>
-    <p:extLst>
-      <p:ext uri="{BB962C8B-B14F-4D97-AF65-F5344CB8AC3E}">
-        <p14:creationId xmlns:p14="http://schemas.microsoft.com/office/powerpoint/2010/main" val="3167510390"/>
-      </p:ext>
-    </p:extLst>
-  </p:cSld>
-  <p:clrMapOvr>
-    <a:masterClrMapping/>
-  </p:clrMapOvr>
-  <p:timing>
-    <p:tnLst>
-      <p:par>
-        <p:cTn id="1" dur="indefinite" restart="never" nodeType="tmRoot"/>
-      </p:par>
-    </p:tnLst>
-  </p:timing>
-</p:sld>
-</file>
-
-<file path=ppt/slides/slide35.xml><?xml version="1.0" encoding="utf-8"?>
-<p:sld xmlns:a="http://schemas.openxmlformats.org/drawingml/2006/main" xmlns:r="http://schemas.openxmlformats.org/officeDocument/2006/relationships" xmlns:p="http://schemas.openxmlformats.org/presentationml/2006/main">
-  <p:cSld>
-    <p:spTree>
-      <p:nvGrpSpPr>
-        <p:cNvPr id="1" name=""/>
-        <p:cNvGrpSpPr/>
-        <p:nvPr/>
-      </p:nvGrpSpPr>
-      <p:grpSpPr>
-        <a:xfrm>
-          <a:off x="0" y="0"/>
-          <a:ext cx="0" cy="0"/>
-          <a:chOff x="0" y="0"/>
-          <a:chExt cx="0" cy="0"/>
-        </a:xfrm>
-      </p:grpSpPr>
-      <p:sp>
-        <p:nvSpPr>
-          <p:cNvPr id="2" name="Inhaltsplatzhalter 1"/>
-          <p:cNvSpPr>
-            <a:spLocks noGrp="1"/>
-          </p:cNvSpPr>
-          <p:nvPr>
-            <p:ph idx="1"/>
-          </p:nvPr>
-        </p:nvSpPr>
-        <p:spPr/>
-        <p:txBody>
-          <a:bodyPr/>
-          <a:lstStyle/>
-          <a:p>
-            <a:r>
-              <a:rPr lang="de-DE" dirty="0" smtClean="0"/>
-              <a:t>Anhand von Ort und Zeitpunkt (inkl. Datum) Position der Sonne bestimmen</a:t>
-            </a:r>
-          </a:p>
-          <a:p>
-            <a:r>
-              <a:rPr lang="de-DE" dirty="0" smtClean="0"/>
-              <a:t>Algorithmus aus Wikipedia übernommen</a:t>
-            </a:r>
-          </a:p>
-          <a:p>
-            <a:r>
-              <a:rPr lang="de-DE" dirty="0" smtClean="0"/>
-              <a:t>Ergebnis ist ein </a:t>
-            </a:r>
-            <a:r>
-              <a:rPr lang="de-DE" dirty="0" err="1" smtClean="0"/>
-              <a:t>Azimuthwinkel</a:t>
-            </a:r>
-            <a:r>
-              <a:rPr lang="de-DE" dirty="0" smtClean="0"/>
-              <a:t> und ein Höhenwinkel</a:t>
-            </a:r>
-          </a:p>
-          <a:p>
-            <a:r>
-              <a:rPr lang="de-DE" dirty="0" smtClean="0"/>
-              <a:t>Aus den Winkeln wird das richtige </a:t>
-            </a:r>
-            <a:r>
-              <a:rPr lang="de-DE" dirty="0" err="1" smtClean="0"/>
-              <a:t>Skypatch</a:t>
-            </a:r>
-            <a:r>
-              <a:rPr lang="de-DE" dirty="0" smtClean="0"/>
-              <a:t> ausgewählt</a:t>
-            </a:r>
-            <a:endParaRPr lang="de-DE" dirty="0"/>
-          </a:p>
-        </p:txBody>
-      </p:sp>
-      <p:sp>
-        <p:nvSpPr>
-          <p:cNvPr id="3" name="Titel 2"/>
-          <p:cNvSpPr>
-            <a:spLocks noGrp="1"/>
-          </p:cNvSpPr>
-          <p:nvPr>
-            <p:ph type="title"/>
-          </p:nvPr>
-        </p:nvSpPr>
-        <p:spPr/>
-        <p:txBody>
-          <a:bodyPr/>
-          <a:lstStyle/>
-          <a:p>
-            <a:r>
-              <a:rPr lang="de-DE" dirty="0" smtClean="0"/>
-              <a:t>Berechnung: Sonnenstand</a:t>
-            </a:r>
-            <a:endParaRPr lang="de-DE" dirty="0"/>
-          </a:p>
-        </p:txBody>
-      </p:sp>
-      <p:sp>
-        <p:nvSpPr>
-          <p:cNvPr id="4" name="Datumsplatzhalter 3"/>
-          <p:cNvSpPr>
-            <a:spLocks noGrp="1"/>
-          </p:cNvSpPr>
-          <p:nvPr>
-            <p:ph type="dt" sz="half" idx="10"/>
-          </p:nvPr>
-        </p:nvSpPr>
-        <p:spPr/>
-        <p:txBody>
-          <a:bodyPr/>
-          <a:lstStyle/>
-          <a:p>
-            <a:r>
-              <a:rPr lang="de-DE" smtClean="0"/>
-              <a:t>23.06.2014</a:t>
-            </a:r>
-            <a:endParaRPr lang="de-DE"/>
-          </a:p>
-        </p:txBody>
-      </p:sp>
-      <p:sp>
-        <p:nvSpPr>
-          <p:cNvPr id="5" name="Foliennummernplatzhalter 4"/>
-          <p:cNvSpPr>
-            <a:spLocks noGrp="1"/>
-          </p:cNvSpPr>
-          <p:nvPr>
-            <p:ph type="sldNum" sz="quarter" idx="12"/>
-          </p:nvPr>
-        </p:nvSpPr>
-        <p:spPr/>
-        <p:txBody>
-          <a:bodyPr/>
-          <a:lstStyle/>
-          <a:p>
-            <a:fld id="{02075A8B-51D4-4999-A4F2-B3FAC6295E4D}" type="slidenum">
-              <a:rPr lang="de-DE" smtClean="0"/>
-              <a:t>35</a:t>
-            </a:fld>
-            <a:endParaRPr lang="de-DE"/>
-          </a:p>
-        </p:txBody>
-      </p:sp>
-    </p:spTree>
-    <p:extLst>
-      <p:ext uri="{BB962C8B-B14F-4D97-AF65-F5344CB8AC3E}">
-        <p14:creationId xmlns:p14="http://schemas.microsoft.com/office/powerpoint/2010/main" val="952026451"/>
-      </p:ext>
-    </p:extLst>
-  </p:cSld>
-  <p:clrMapOvr>
-    <a:masterClrMapping/>
-  </p:clrMapOvr>
-  <p:timing>
-    <p:tnLst>
-      <p:par>
-        <p:cTn id="1" dur="indefinite" restart="never" nodeType="tmRoot"/>
-      </p:par>
-    </p:tnLst>
-  </p:timing>
-</p:sld>
-</file>
-
-<file path=ppt/slides/slide36.xml><?xml version="1.0" encoding="utf-8"?>
-<p:sld xmlns:a="http://schemas.openxmlformats.org/drawingml/2006/main" xmlns:r="http://schemas.openxmlformats.org/officeDocument/2006/relationships" xmlns:p="http://schemas.openxmlformats.org/presentationml/2006/main">
-  <p:cSld>
-    <p:spTree>
-      <p:nvGrpSpPr>
-        <p:cNvPr id="1" name=""/>
-        <p:cNvGrpSpPr/>
-        <p:nvPr/>
-      </p:nvGrpSpPr>
-      <p:grpSpPr>
-        <a:xfrm>
-          <a:off x="0" y="0"/>
-          <a:ext cx="0" cy="0"/>
-          <a:chOff x="0" y="0"/>
-          <a:chExt cx="0" cy="0"/>
-        </a:xfrm>
-      </p:grpSpPr>
-      <p:sp>
-        <p:nvSpPr>
-          <p:cNvPr id="2" name="Inhaltsplatzhalter 1"/>
-          <p:cNvSpPr>
-            <a:spLocks noGrp="1"/>
-          </p:cNvSpPr>
-          <p:nvPr>
-            <p:ph idx="1"/>
-          </p:nvPr>
-        </p:nvSpPr>
-        <p:spPr/>
-        <p:txBody>
-          <a:bodyPr/>
-          <a:lstStyle/>
-          <a:p>
-            <a:endParaRPr lang="de-DE" dirty="0"/>
-          </a:p>
-        </p:txBody>
-      </p:sp>
-      <p:sp>
-        <p:nvSpPr>
-          <p:cNvPr id="3" name="Datumsplatzhalter 2"/>
-          <p:cNvSpPr>
-            <a:spLocks noGrp="1"/>
-          </p:cNvSpPr>
-          <p:nvPr>
-            <p:ph type="dt" sz="half" idx="10"/>
-          </p:nvPr>
-        </p:nvSpPr>
-        <p:spPr/>
-        <p:txBody>
-          <a:bodyPr/>
-          <a:lstStyle/>
-          <a:p>
-            <a:r>
-              <a:rPr lang="de-DE" smtClean="0"/>
-              <a:t>23.06.2014</a:t>
-            </a:r>
-            <a:endParaRPr lang="de-DE"/>
-          </a:p>
-        </p:txBody>
-      </p:sp>
-      <p:sp>
-        <p:nvSpPr>
-          <p:cNvPr id="4" name="Foliennummernplatzhalter 3"/>
-          <p:cNvSpPr>
-            <a:spLocks noGrp="1"/>
-          </p:cNvSpPr>
-          <p:nvPr>
-            <p:ph type="sldNum" sz="quarter" idx="12"/>
-          </p:nvPr>
-        </p:nvSpPr>
-        <p:spPr/>
-        <p:txBody>
-          <a:bodyPr/>
-          <a:lstStyle/>
-          <a:p>
-            <a:fld id="{02075A8B-51D4-4999-A4F2-B3FAC6295E4D}" type="slidenum">
-              <a:rPr lang="de-DE" smtClean="0"/>
-              <a:t>36</a:t>
-            </a:fld>
-            <a:endParaRPr lang="de-DE"/>
-          </a:p>
-        </p:txBody>
-      </p:sp>
-      <p:sp>
-        <p:nvSpPr>
-          <p:cNvPr id="5" name="Titel 4"/>
-          <p:cNvSpPr>
-            <a:spLocks noGrp="1"/>
-          </p:cNvSpPr>
-          <p:nvPr>
-            <p:ph type="title"/>
-          </p:nvPr>
-        </p:nvSpPr>
-        <p:spPr/>
-        <p:txBody>
-          <a:bodyPr>
-            <a:normAutofit/>
-          </a:bodyPr>
-          <a:lstStyle/>
-          <a:p>
-            <a:r>
-              <a:rPr lang="de-DE" dirty="0" err="1" smtClean="0"/>
-              <a:t>Renderer</a:t>
-            </a:r>
-            <a:endParaRPr lang="de-DE" dirty="0"/>
-          </a:p>
-        </p:txBody>
-      </p:sp>
-    </p:spTree>
-    <p:extLst>
-      <p:ext uri="{BB962C8B-B14F-4D97-AF65-F5344CB8AC3E}">
-        <p14:creationId xmlns:p14="http://schemas.microsoft.com/office/powerpoint/2010/main" val="748397144"/>
-      </p:ext>
-    </p:extLst>
-  </p:cSld>
-  <p:clrMapOvr>
-    <a:masterClrMapping/>
-  </p:clrMapOvr>
-</p:sld>
-</file>
-
-<file path=ppt/slides/slide37.xml><?xml version="1.0" encoding="utf-8"?>
-<p:sld xmlns:a="http://schemas.openxmlformats.org/drawingml/2006/main" xmlns:r="http://schemas.openxmlformats.org/officeDocument/2006/relationships" xmlns:p="http://schemas.openxmlformats.org/presentationml/2006/main">
-  <p:cSld>
-    <p:spTree>
-      <p:nvGrpSpPr>
-        <p:cNvPr id="1" name=""/>
-        <p:cNvGrpSpPr/>
-        <p:nvPr/>
-      </p:nvGrpSpPr>
-      <p:grpSpPr>
-        <a:xfrm>
-          <a:off x="0" y="0"/>
-          <a:ext cx="0" cy="0"/>
-          <a:chOff x="0" y="0"/>
-          <a:chExt cx="0" cy="0"/>
-        </a:xfrm>
-      </p:grpSpPr>
-      <p:sp>
-        <p:nvSpPr>
-          <p:cNvPr id="2" name="Inhaltsplatzhalter 1"/>
-          <p:cNvSpPr>
-            <a:spLocks noGrp="1"/>
-          </p:cNvSpPr>
-          <p:nvPr>
-            <p:ph idx="1"/>
-          </p:nvPr>
-        </p:nvSpPr>
-        <p:spPr/>
-        <p:txBody>
-          <a:bodyPr>
-            <a:normAutofit lnSpcReduction="10000"/>
-          </a:bodyPr>
-          <a:lstStyle/>
-          <a:p>
-            <a:r>
-              <a:rPr lang="de-DE" dirty="0" smtClean="0"/>
-              <a:t>BILD SEITE </a:t>
-            </a:r>
-            <a:r>
-              <a:rPr lang="de-DE" dirty="0" smtClean="0">
-                <a:hlinkClick r:id="rId2"/>
-              </a:rPr>
-              <a:t>http</a:t>
-            </a:r>
-            <a:r>
-              <a:rPr lang="de-DE" dirty="0">
-                <a:hlinkClick r:id="rId2"/>
-              </a:rPr>
-              <a:t>://www.mynetcologne.de/~</a:t>
-            </a:r>
-            <a:r>
-              <a:rPr lang="de-DE" dirty="0" smtClean="0">
-                <a:hlinkClick r:id="rId2"/>
-              </a:rPr>
-              <a:t>nc-purschst3/garten/klima/Sonne.jpg</a:t>
-            </a:r>
-            <a:endParaRPr lang="de-DE" dirty="0" smtClean="0"/>
-          </a:p>
-          <a:p>
-            <a:r>
-              <a:rPr lang="de-DE" dirty="0" smtClean="0">
-                <a:hlinkClick r:id="rId3"/>
-              </a:rPr>
-              <a:t>http</a:t>
-            </a:r>
-            <a:r>
-              <a:rPr lang="de-DE" dirty="0">
-                <a:hlinkClick r:id="rId3"/>
-              </a:rPr>
-              <a:t>://</a:t>
-            </a:r>
-            <a:r>
-              <a:rPr lang="de-DE" dirty="0" smtClean="0">
-                <a:hlinkClick r:id="rId3"/>
-              </a:rPr>
-              <a:t>de.wikipedia.org/wiki/Sonnenstand</a:t>
-            </a:r>
-            <a:endParaRPr lang="de-DE" dirty="0" smtClean="0"/>
-          </a:p>
-          <a:p>
-            <a:r>
-              <a:rPr lang="de-DE" dirty="0">
-                <a:hlinkClick r:id="rId4"/>
-              </a:rPr>
-              <a:t>http://</a:t>
-            </a:r>
-            <a:r>
-              <a:rPr lang="de-DE" dirty="0" smtClean="0">
-                <a:hlinkClick r:id="rId4"/>
-              </a:rPr>
-              <a:t>stackoverflow.com/questions/1406029/how-to-calculate-the-volume-of-a-3d-mesh-object-the-surface-of-which-is-made-up</a:t>
-            </a:r>
-            <a:endParaRPr lang="de-DE" dirty="0" smtClean="0"/>
-          </a:p>
-          <a:p>
-            <a:r>
-              <a:rPr lang="de-DE" dirty="0">
-                <a:hlinkClick r:id="rId5"/>
-              </a:rPr>
-              <a:t>http://www.jocl.org</a:t>
-            </a:r>
-            <a:r>
-              <a:rPr lang="de-DE" dirty="0" smtClean="0">
-                <a:hlinkClick r:id="rId5"/>
-              </a:rPr>
-              <a:t>/</a:t>
-            </a:r>
-            <a:endParaRPr lang="de-DE" dirty="0" smtClean="0"/>
-          </a:p>
-          <a:p>
-            <a:r>
-              <a:rPr lang="de-DE" dirty="0">
-                <a:hlinkClick r:id="rId6"/>
-              </a:rPr>
-              <a:t>http://</a:t>
-            </a:r>
-            <a:r>
-              <a:rPr lang="de-DE" dirty="0" smtClean="0">
-                <a:hlinkClick r:id="rId6"/>
-              </a:rPr>
-              <a:t>www.khronos.org/registry/cl/specs/opencl-1.1.pdf</a:t>
-            </a:r>
-            <a:endParaRPr lang="de-DE" dirty="0" smtClean="0"/>
-          </a:p>
-        </p:txBody>
-      </p:sp>
-      <p:sp>
-        <p:nvSpPr>
-          <p:cNvPr id="3" name="Titel 2"/>
-          <p:cNvSpPr>
-            <a:spLocks noGrp="1"/>
-          </p:cNvSpPr>
-          <p:nvPr>
-            <p:ph type="title"/>
-          </p:nvPr>
-        </p:nvSpPr>
-        <p:spPr/>
-        <p:txBody>
-          <a:bodyPr/>
-          <a:lstStyle/>
-          <a:p>
-            <a:r>
-              <a:rPr lang="de-DE" dirty="0" smtClean="0"/>
-              <a:t>Quellen</a:t>
-            </a:r>
-            <a:endParaRPr lang="de-DE" dirty="0"/>
-          </a:p>
-        </p:txBody>
-      </p:sp>
-      <p:sp>
-        <p:nvSpPr>
-          <p:cNvPr id="4" name="Datumsplatzhalter 3"/>
-          <p:cNvSpPr>
-            <a:spLocks noGrp="1"/>
-          </p:cNvSpPr>
-          <p:nvPr>
-            <p:ph type="dt" sz="half" idx="10"/>
-          </p:nvPr>
-        </p:nvSpPr>
-        <p:spPr/>
-        <p:txBody>
-          <a:bodyPr/>
-          <a:lstStyle/>
-          <a:p>
-            <a:r>
-              <a:rPr lang="de-DE" smtClean="0"/>
-              <a:t>23.06.2014</a:t>
-            </a:r>
-            <a:endParaRPr lang="de-DE"/>
-          </a:p>
-        </p:txBody>
-      </p:sp>
-      <p:sp>
-        <p:nvSpPr>
-          <p:cNvPr id="5" name="Foliennummernplatzhalter 4"/>
-          <p:cNvSpPr>
-            <a:spLocks noGrp="1"/>
-          </p:cNvSpPr>
-          <p:nvPr>
-            <p:ph type="sldNum" sz="quarter" idx="12"/>
-          </p:nvPr>
-        </p:nvSpPr>
-        <p:spPr/>
-        <p:txBody>
-          <a:bodyPr/>
-          <a:lstStyle/>
-          <a:p>
-            <a:fld id="{02075A8B-51D4-4999-A4F2-B3FAC6295E4D}" type="slidenum">
-              <a:rPr lang="de-DE" smtClean="0"/>
-              <a:t>37</a:t>
-            </a:fld>
-            <a:endParaRPr lang="de-DE"/>
-          </a:p>
-        </p:txBody>
-      </p:sp>
-    </p:spTree>
-    <p:extLst>
-      <p:ext uri="{BB962C8B-B14F-4D97-AF65-F5344CB8AC3E}">
-        <p14:creationId xmlns:p14="http://schemas.microsoft.com/office/powerpoint/2010/main" val="1704796354"/>
       </p:ext>
     </p:extLst>
   </p:cSld>
@@ -10690,20 +11342,77 @@
           <a:lstStyle/>
           <a:p>
             <a:r>
-              <a:rPr lang="de-DE" dirty="0">
-                <a:hlinkClick r:id="rId2"/>
-              </a:rPr>
-              <a:t>http://</a:t>
-            </a:r>
-            <a:r>
-              <a:rPr lang="de-DE" dirty="0" smtClean="0">
-                <a:hlinkClick r:id="rId2"/>
-              </a:rPr>
-              <a:t>en.wikipedia.org/wiki/Tetrahedron</a:t>
-            </a:r>
-            <a:endParaRPr lang="de-DE" dirty="0" smtClean="0"/>
-          </a:p>
-          <a:p>
+              <a:rPr lang="de-DE" dirty="0" smtClean="0"/>
+              <a:t>Zeitunabhängige Berechnung</a:t>
+            </a:r>
+          </a:p>
+          <a:p>
+            <a:r>
+              <a:rPr lang="de-DE" dirty="0"/>
+              <a:t>Schatten wird pro </a:t>
+            </a:r>
+            <a:r>
+              <a:rPr lang="de-DE" dirty="0" err="1"/>
+              <a:t>Skypatch</a:t>
+            </a:r>
+            <a:r>
+              <a:rPr lang="de-DE" dirty="0"/>
+              <a:t> </a:t>
+            </a:r>
+            <a:r>
+              <a:rPr lang="de-DE" dirty="0" smtClean="0"/>
+              <a:t>berechnet</a:t>
+            </a:r>
+          </a:p>
+          <a:p>
+            <a:r>
+              <a:rPr lang="de-DE" dirty="0" smtClean="0"/>
+              <a:t>Pro </a:t>
+            </a:r>
+            <a:r>
+              <a:rPr lang="de-DE" dirty="0" err="1" smtClean="0"/>
+              <a:t>Skypatch</a:t>
+            </a:r>
+            <a:r>
+              <a:rPr lang="de-DE" dirty="0" smtClean="0"/>
+              <a:t> und Dreieck ein </a:t>
+            </a:r>
+            <a:r>
+              <a:rPr lang="de-DE" dirty="0" err="1" smtClean="0"/>
+              <a:t>boolean</a:t>
+            </a:r>
+            <a:r>
+              <a:rPr lang="de-DE" dirty="0" smtClean="0"/>
+              <a:t> Wert</a:t>
+            </a:r>
+          </a:p>
+          <a:p>
+            <a:r>
+              <a:rPr lang="de-DE" dirty="0"/>
+              <a:t>Sonnenstand wird </a:t>
+            </a:r>
+            <a:r>
+              <a:rPr lang="de-DE" dirty="0" err="1"/>
+              <a:t>Skypatch</a:t>
+            </a:r>
+            <a:r>
+              <a:rPr lang="de-DE" dirty="0"/>
+              <a:t> zugeordnet</a:t>
+            </a:r>
+          </a:p>
+          <a:p>
+            <a:r>
+              <a:rPr lang="de-DE" dirty="0" smtClean="0"/>
+              <a:t>Schatten wird von </a:t>
+            </a:r>
+            <a:r>
+              <a:rPr lang="de-DE" dirty="0" err="1" smtClean="0"/>
+              <a:t>Skypatch</a:t>
+            </a:r>
+            <a:r>
+              <a:rPr lang="de-DE" dirty="0" smtClean="0"/>
+              <a:t> genommen</a:t>
+            </a:r>
             <a:endParaRPr lang="de-DE" dirty="0"/>
           </a:p>
         </p:txBody>
@@ -10724,8 +11433,12 @@
           <a:lstStyle/>
           <a:p>
             <a:r>
-              <a:rPr lang="de-DE" dirty="0" smtClean="0"/>
-              <a:t>Quellen</a:t>
+              <a:rPr lang="de-DE" dirty="0" err="1" smtClean="0"/>
+              <a:t>Skymodel</a:t>
+            </a:r>
+            <a:r>
+              <a:rPr lang="de-DE" dirty="0" smtClean="0"/>
+              <a:t> (2/2)</a:t>
             </a:r>
             <a:endParaRPr lang="de-DE" dirty="0"/>
           </a:p>
@@ -10780,7 +11493,7 @@
     </p:spTree>
     <p:extLst>
       <p:ext uri="{BB962C8B-B14F-4D97-AF65-F5344CB8AC3E}">
-        <p14:creationId xmlns:p14="http://schemas.microsoft.com/office/powerpoint/2010/main" val="295511991"/>
+        <p14:creationId xmlns:p14="http://schemas.microsoft.com/office/powerpoint/2010/main" val="409179092"/>
       </p:ext>
     </p:extLst>
   </p:cSld>
@@ -10816,7 +11529,103 @@
       </p:grpSpPr>
       <p:sp>
         <p:nvSpPr>
-          <p:cNvPr id="3" name="Datumsplatzhalter 2"/>
+          <p:cNvPr id="2" name="Inhaltsplatzhalter 1"/>
+          <p:cNvSpPr>
+            <a:spLocks noGrp="1"/>
+          </p:cNvSpPr>
+          <p:nvPr>
+            <p:ph idx="1"/>
+          </p:nvPr>
+        </p:nvSpPr>
+        <p:spPr/>
+        <p:txBody>
+          <a:bodyPr/>
+          <a:lstStyle/>
+          <a:p>
+            <a:r>
+              <a:rPr lang="de-DE" dirty="0" smtClean="0"/>
+              <a:t>Für jedes Dreieck und </a:t>
+            </a:r>
+            <a:r>
+              <a:rPr lang="de-DE" dirty="0" err="1" smtClean="0"/>
+              <a:t>Skypatch</a:t>
+            </a:r>
+            <a:endParaRPr lang="de-DE" dirty="0" smtClean="0"/>
+          </a:p>
+          <a:p>
+            <a:pPr lvl="1"/>
+            <a:r>
+              <a:rPr lang="de-DE" dirty="0" smtClean="0"/>
+              <a:t>Bilde Gerade von Mittelpunkt von Dreieck zu Mittelpunkt </a:t>
+            </a:r>
+            <a:r>
+              <a:rPr lang="de-DE" dirty="0" err="1" smtClean="0"/>
+              <a:t>Skypatch</a:t>
+            </a:r>
+            <a:endParaRPr lang="de-DE" dirty="0" smtClean="0"/>
+          </a:p>
+          <a:p>
+            <a:pPr lvl="1"/>
+            <a:r>
+              <a:rPr lang="de-DE" dirty="0" smtClean="0"/>
+              <a:t>Prüfe ob Gerade andere Dreiecke</a:t>
+            </a:r>
+            <a:r>
+              <a:rPr lang="de-DE" dirty="0"/>
+              <a:t> </a:t>
+            </a:r>
+            <a:r>
+              <a:rPr lang="de-DE" dirty="0" smtClean="0"/>
+              <a:t>schneidet</a:t>
+            </a:r>
+          </a:p>
+          <a:p>
+            <a:pPr lvl="1"/>
+            <a:r>
+              <a:rPr lang="de-DE" dirty="0" smtClean="0"/>
+              <a:t>Falls Gerade nichts schneidet oder Dreieck hinter dem zu prüfenden Dreieck: kein Schatten</a:t>
+            </a:r>
+          </a:p>
+          <a:p>
+            <a:pPr lvl="1"/>
+            <a:r>
+              <a:rPr lang="de-DE" dirty="0" smtClean="0"/>
+              <a:t>Falls Gerade schneidet und Dreieck vor dem zu prüfenden Dreieck: Schatten</a:t>
+            </a:r>
+            <a:endParaRPr lang="de-DE" dirty="0"/>
+          </a:p>
+        </p:txBody>
+      </p:sp>
+      <p:sp>
+        <p:nvSpPr>
+          <p:cNvPr id="3" name="Titel 2"/>
+          <p:cNvSpPr>
+            <a:spLocks noGrp="1"/>
+          </p:cNvSpPr>
+          <p:nvPr>
+            <p:ph type="title"/>
+          </p:nvPr>
+        </p:nvSpPr>
+        <p:spPr/>
+        <p:txBody>
+          <a:bodyPr/>
+          <a:lstStyle/>
+          <a:p>
+            <a:r>
+              <a:rPr lang="de-DE" dirty="0" smtClean="0"/>
+              <a:t>Berechnung: </a:t>
+            </a:r>
+            <a:r>
+              <a:rPr lang="de-DE" dirty="0" err="1" smtClean="0"/>
+              <a:t>Raytracing</a:t>
+            </a:r>
+            <a:endParaRPr lang="de-DE" dirty="0"/>
+          </a:p>
+        </p:txBody>
+      </p:sp>
+      <p:sp>
+        <p:nvSpPr>
+          <p:cNvPr id="4" name="Datumsplatzhalter 3"/>
           <p:cNvSpPr>
             <a:spLocks noGrp="1"/>
           </p:cNvSpPr>
@@ -10839,7 +11648,7 @@
       </p:sp>
       <p:sp>
         <p:nvSpPr>
-          <p:cNvPr id="4" name="Foliennummernplatzhalter 3"/>
+          <p:cNvPr id="5" name="Foliennummernplatzhalter 4"/>
           <p:cNvSpPr>
             <a:spLocks noGrp="1"/>
           </p:cNvSpPr>
@@ -10860,41 +11669,10 @@
           </a:p>
         </p:txBody>
       </p:sp>
-      <p:sp>
-        <p:nvSpPr>
-          <p:cNvPr id="5" name="Titel 4"/>
-          <p:cNvSpPr>
-            <a:spLocks noGrp="1"/>
-          </p:cNvSpPr>
-          <p:nvPr>
-            <p:ph type="title"/>
-          </p:nvPr>
-        </p:nvSpPr>
-        <p:spPr>
-          <a:xfrm>
-            <a:off x="457200" y="274638"/>
-            <a:ext cx="8229600" cy="5314602"/>
-          </a:xfrm>
-        </p:spPr>
-        <p:txBody>
-          <a:bodyPr>
-            <a:noAutofit/>
-          </a:bodyPr>
-          <a:lstStyle/>
-          <a:p>
-            <a:pPr algn="ctr"/>
-            <a:r>
-              <a:rPr lang="de-DE" sz="8000" dirty="0" smtClean="0"/>
-              <a:t>Demo</a:t>
-            </a:r>
-            <a:endParaRPr lang="de-DE" sz="8000" dirty="0"/>
-          </a:p>
-        </p:txBody>
-      </p:sp>
     </p:spTree>
     <p:extLst>
       <p:ext uri="{BB962C8B-B14F-4D97-AF65-F5344CB8AC3E}">
-        <p14:creationId xmlns:p14="http://schemas.microsoft.com/office/powerpoint/2010/main" val="707920820"/>
+        <p14:creationId xmlns:p14="http://schemas.microsoft.com/office/powerpoint/2010/main" val="2853518205"/>
       </p:ext>
     </p:extLst>
   </p:cSld>
@@ -11077,6 +11855,1566 @@
 </p:sld>
 </file>
 
+<file path=ppt/slides/slide40.xml><?xml version="1.0" encoding="utf-8"?>
+<p:sld xmlns:a="http://schemas.openxmlformats.org/drawingml/2006/main" xmlns:r="http://schemas.openxmlformats.org/officeDocument/2006/relationships" xmlns:p="http://schemas.openxmlformats.org/presentationml/2006/main">
+  <p:cSld>
+    <p:spTree>
+      <p:nvGrpSpPr>
+        <p:cNvPr id="1" name=""/>
+        <p:cNvGrpSpPr/>
+        <p:nvPr/>
+      </p:nvGrpSpPr>
+      <p:grpSpPr>
+        <a:xfrm>
+          <a:off x="0" y="0"/>
+          <a:ext cx="0" cy="0"/>
+          <a:chOff x="0" y="0"/>
+          <a:chExt cx="0" cy="0"/>
+        </a:xfrm>
+      </p:grpSpPr>
+      <p:sp>
+        <p:nvSpPr>
+          <p:cNvPr id="2" name="Inhaltsplatzhalter 1"/>
+          <p:cNvSpPr>
+            <a:spLocks noGrp="1"/>
+          </p:cNvSpPr>
+          <p:nvPr>
+            <p:ph idx="1"/>
+          </p:nvPr>
+        </p:nvSpPr>
+        <p:spPr/>
+        <p:txBody>
+          <a:bodyPr/>
+          <a:lstStyle/>
+          <a:p>
+            <a:r>
+              <a:rPr lang="de-DE" dirty="0" smtClean="0"/>
+              <a:t>Lange Rechenzeit</a:t>
+            </a:r>
+          </a:p>
+          <a:p>
+            <a:r>
+              <a:rPr lang="de-DE" dirty="0" err="1" smtClean="0"/>
+              <a:t>Watchdog</a:t>
+            </a:r>
+            <a:r>
+              <a:rPr lang="de-DE" dirty="0" smtClean="0"/>
+              <a:t> </a:t>
+            </a:r>
+            <a:r>
+              <a:rPr lang="de-DE" dirty="0" err="1" smtClean="0"/>
+              <a:t>Timer</a:t>
+            </a:r>
+            <a:r>
+              <a:rPr lang="de-DE" dirty="0" smtClean="0"/>
+              <a:t> der GPU schlägt zu</a:t>
+            </a:r>
+          </a:p>
+          <a:p>
+            <a:r>
+              <a:rPr lang="de-DE" dirty="0" smtClean="0"/>
+              <a:t>Dreiecke können groß sein dadurch sehr ungenau</a:t>
+            </a:r>
+          </a:p>
+        </p:txBody>
+      </p:sp>
+      <p:sp>
+        <p:nvSpPr>
+          <p:cNvPr id="3" name="Titel 2"/>
+          <p:cNvSpPr>
+            <a:spLocks noGrp="1"/>
+          </p:cNvSpPr>
+          <p:nvPr>
+            <p:ph type="title"/>
+          </p:nvPr>
+        </p:nvSpPr>
+        <p:spPr/>
+        <p:txBody>
+          <a:bodyPr/>
+          <a:lstStyle/>
+          <a:p>
+            <a:r>
+              <a:rPr lang="de-DE" dirty="0" smtClean="0"/>
+              <a:t>Berechnung: Probleme</a:t>
+            </a:r>
+            <a:endParaRPr lang="de-DE" dirty="0"/>
+          </a:p>
+        </p:txBody>
+      </p:sp>
+      <p:sp>
+        <p:nvSpPr>
+          <p:cNvPr id="4" name="Datumsplatzhalter 3"/>
+          <p:cNvSpPr>
+            <a:spLocks noGrp="1"/>
+          </p:cNvSpPr>
+          <p:nvPr>
+            <p:ph type="dt" sz="half" idx="10"/>
+          </p:nvPr>
+        </p:nvSpPr>
+        <p:spPr/>
+        <p:txBody>
+          <a:bodyPr/>
+          <a:lstStyle/>
+          <a:p>
+            <a:r>
+              <a:rPr lang="de-DE" smtClean="0"/>
+              <a:t>23.06.2014</a:t>
+            </a:r>
+            <a:endParaRPr lang="de-DE"/>
+          </a:p>
+        </p:txBody>
+      </p:sp>
+      <p:sp>
+        <p:nvSpPr>
+          <p:cNvPr id="5" name="Foliennummernplatzhalter 4"/>
+          <p:cNvSpPr>
+            <a:spLocks noGrp="1"/>
+          </p:cNvSpPr>
+          <p:nvPr>
+            <p:ph type="sldNum" sz="quarter" idx="12"/>
+          </p:nvPr>
+        </p:nvSpPr>
+        <p:spPr/>
+        <p:txBody>
+          <a:bodyPr/>
+          <a:lstStyle/>
+          <a:p>
+            <a:fld id="{02075A8B-51D4-4999-A4F2-B3FAC6295E4D}" type="slidenum">
+              <a:rPr lang="de-DE" smtClean="0"/>
+              <a:t>40</a:t>
+            </a:fld>
+            <a:endParaRPr lang="de-DE"/>
+          </a:p>
+        </p:txBody>
+      </p:sp>
+    </p:spTree>
+    <p:extLst>
+      <p:ext uri="{BB962C8B-B14F-4D97-AF65-F5344CB8AC3E}">
+        <p14:creationId xmlns:p14="http://schemas.microsoft.com/office/powerpoint/2010/main" val="21049820"/>
+      </p:ext>
+    </p:extLst>
+  </p:cSld>
+  <p:clrMapOvr>
+    <a:masterClrMapping/>
+  </p:clrMapOvr>
+  <p:timing>
+    <p:tnLst>
+      <p:par>
+        <p:cTn id="1" dur="indefinite" restart="never" nodeType="tmRoot"/>
+      </p:par>
+    </p:tnLst>
+  </p:timing>
+</p:sld>
+</file>
+
+<file path=ppt/slides/slide41.xml><?xml version="1.0" encoding="utf-8"?>
+<p:sld xmlns:a="http://schemas.openxmlformats.org/drawingml/2006/main" xmlns:r="http://schemas.openxmlformats.org/officeDocument/2006/relationships" xmlns:p="http://schemas.openxmlformats.org/presentationml/2006/main">
+  <p:cSld>
+    <p:spTree>
+      <p:nvGrpSpPr>
+        <p:cNvPr id="1" name=""/>
+        <p:cNvGrpSpPr/>
+        <p:nvPr/>
+      </p:nvGrpSpPr>
+      <p:grpSpPr>
+        <a:xfrm>
+          <a:off x="0" y="0"/>
+          <a:ext cx="0" cy="0"/>
+          <a:chOff x="0" y="0"/>
+          <a:chExt cx="0" cy="0"/>
+        </a:xfrm>
+      </p:grpSpPr>
+      <p:sp>
+        <p:nvSpPr>
+          <p:cNvPr id="2" name="Inhaltsplatzhalter 1"/>
+          <p:cNvSpPr>
+            <a:spLocks noGrp="1"/>
+          </p:cNvSpPr>
+          <p:nvPr>
+            <p:ph idx="1"/>
+          </p:nvPr>
+        </p:nvSpPr>
+        <p:spPr/>
+        <p:txBody>
+          <a:bodyPr/>
+          <a:lstStyle/>
+          <a:p>
+            <a:r>
+              <a:rPr lang="de-DE" dirty="0" smtClean="0"/>
+              <a:t>Teile Dreiecke auf in kleinere Dreiecke</a:t>
+            </a:r>
+          </a:p>
+          <a:p>
+            <a:r>
+              <a:rPr lang="de-DE" dirty="0" smtClean="0"/>
+              <a:t>Falls Fläche von Dreieck größer als z.B. 1m² teile längste Seite in der Mitte und bilde zwei Dreiecke</a:t>
+            </a:r>
+          </a:p>
+        </p:txBody>
+      </p:sp>
+      <p:sp>
+        <p:nvSpPr>
+          <p:cNvPr id="3" name="Titel 2"/>
+          <p:cNvSpPr>
+            <a:spLocks noGrp="1"/>
+          </p:cNvSpPr>
+          <p:nvPr>
+            <p:ph type="title"/>
+          </p:nvPr>
+        </p:nvSpPr>
+        <p:spPr/>
+        <p:txBody>
+          <a:bodyPr/>
+          <a:lstStyle/>
+          <a:p>
+            <a:r>
+              <a:rPr lang="de-DE" dirty="0" smtClean="0"/>
+              <a:t>Berechnung: Lösung (1/2)</a:t>
+            </a:r>
+            <a:endParaRPr lang="de-DE" dirty="0"/>
+          </a:p>
+        </p:txBody>
+      </p:sp>
+      <p:pic>
+        <p:nvPicPr>
+          <p:cNvPr id="4" name="Grafik 3"/>
+          <p:cNvPicPr>
+            <a:picLocks noChangeAspect="1"/>
+          </p:cNvPicPr>
+          <p:nvPr/>
+        </p:nvPicPr>
+        <p:blipFill>
+          <a:blip r:embed="rId2">
+            <a:extLst>
+              <a:ext uri="{28A0092B-C50C-407E-A947-70E740481C1C}">
+                <a14:useLocalDpi xmlns:a14="http://schemas.microsoft.com/office/drawing/2010/main" val="0"/>
+              </a:ext>
+            </a:extLst>
+          </a:blip>
+          <a:stretch>
+            <a:fillRect/>
+          </a:stretch>
+        </p:blipFill>
+        <p:spPr>
+          <a:xfrm>
+            <a:off x="2339752" y="3212976"/>
+            <a:ext cx="4001059" cy="2057687"/>
+          </a:xfrm>
+          <a:prstGeom prst="rect">
+            <a:avLst/>
+          </a:prstGeom>
+        </p:spPr>
+      </p:pic>
+      <p:sp>
+        <p:nvSpPr>
+          <p:cNvPr id="5" name="Datumsplatzhalter 4"/>
+          <p:cNvSpPr>
+            <a:spLocks noGrp="1"/>
+          </p:cNvSpPr>
+          <p:nvPr>
+            <p:ph type="dt" sz="half" idx="10"/>
+          </p:nvPr>
+        </p:nvSpPr>
+        <p:spPr/>
+        <p:txBody>
+          <a:bodyPr/>
+          <a:lstStyle/>
+          <a:p>
+            <a:r>
+              <a:rPr lang="de-DE" smtClean="0"/>
+              <a:t>23.06.2014</a:t>
+            </a:r>
+            <a:endParaRPr lang="de-DE"/>
+          </a:p>
+        </p:txBody>
+      </p:sp>
+      <p:sp>
+        <p:nvSpPr>
+          <p:cNvPr id="6" name="Foliennummernplatzhalter 5"/>
+          <p:cNvSpPr>
+            <a:spLocks noGrp="1"/>
+          </p:cNvSpPr>
+          <p:nvPr>
+            <p:ph type="sldNum" sz="quarter" idx="12"/>
+          </p:nvPr>
+        </p:nvSpPr>
+        <p:spPr/>
+        <p:txBody>
+          <a:bodyPr/>
+          <a:lstStyle/>
+          <a:p>
+            <a:fld id="{02075A8B-51D4-4999-A4F2-B3FAC6295E4D}" type="slidenum">
+              <a:rPr lang="de-DE" smtClean="0"/>
+              <a:t>41</a:t>
+            </a:fld>
+            <a:endParaRPr lang="de-DE"/>
+          </a:p>
+        </p:txBody>
+      </p:sp>
+    </p:spTree>
+    <p:extLst>
+      <p:ext uri="{BB962C8B-B14F-4D97-AF65-F5344CB8AC3E}">
+        <p14:creationId xmlns:p14="http://schemas.microsoft.com/office/powerpoint/2010/main" val="3148905547"/>
+      </p:ext>
+    </p:extLst>
+  </p:cSld>
+  <p:clrMapOvr>
+    <a:masterClrMapping/>
+  </p:clrMapOvr>
+  <p:timing>
+    <p:tnLst>
+      <p:par>
+        <p:cTn id="1" dur="indefinite" restart="never" nodeType="tmRoot"/>
+      </p:par>
+    </p:tnLst>
+  </p:timing>
+</p:sld>
+</file>
+
+<file path=ppt/slides/slide42.xml><?xml version="1.0" encoding="utf-8"?>
+<p:sld xmlns:a="http://schemas.openxmlformats.org/drawingml/2006/main" xmlns:r="http://schemas.openxmlformats.org/officeDocument/2006/relationships" xmlns:p="http://schemas.openxmlformats.org/presentationml/2006/main">
+  <p:cSld>
+    <p:spTree>
+      <p:nvGrpSpPr>
+        <p:cNvPr id="1" name=""/>
+        <p:cNvGrpSpPr/>
+        <p:nvPr/>
+      </p:nvGrpSpPr>
+      <p:grpSpPr>
+        <a:xfrm>
+          <a:off x="0" y="0"/>
+          <a:ext cx="0" cy="0"/>
+          <a:chOff x="0" y="0"/>
+          <a:chExt cx="0" cy="0"/>
+        </a:xfrm>
+      </p:grpSpPr>
+      <p:sp>
+        <p:nvSpPr>
+          <p:cNvPr id="2" name="Inhaltsplatzhalter 1"/>
+          <p:cNvSpPr>
+            <a:spLocks noGrp="1"/>
+          </p:cNvSpPr>
+          <p:nvPr>
+            <p:ph idx="1"/>
+          </p:nvPr>
+        </p:nvSpPr>
+        <p:spPr/>
+        <p:txBody>
+          <a:bodyPr/>
+          <a:lstStyle/>
+          <a:p>
+            <a:r>
+              <a:rPr lang="de-DE" dirty="0" smtClean="0"/>
+              <a:t>Berechne für jedes Gebäude eine Umgebung von Gebäuden</a:t>
+            </a:r>
+          </a:p>
+          <a:p>
+            <a:r>
+              <a:rPr lang="de-DE" dirty="0" smtClean="0"/>
+              <a:t>Alle Gebäude, die weiter entfernt sind als z.B. 80m werden nicht berücksichtigt</a:t>
+            </a:r>
+          </a:p>
+          <a:p>
+            <a:r>
+              <a:rPr lang="de-DE" dirty="0" smtClean="0"/>
+              <a:t>Berechne den Schatten in Paketen</a:t>
+            </a:r>
+            <a:endParaRPr lang="de-DE" dirty="0"/>
+          </a:p>
+        </p:txBody>
+      </p:sp>
+      <p:sp>
+        <p:nvSpPr>
+          <p:cNvPr id="3" name="Titel 2"/>
+          <p:cNvSpPr>
+            <a:spLocks noGrp="1"/>
+          </p:cNvSpPr>
+          <p:nvPr>
+            <p:ph type="title"/>
+          </p:nvPr>
+        </p:nvSpPr>
+        <p:spPr/>
+        <p:txBody>
+          <a:bodyPr/>
+          <a:lstStyle/>
+          <a:p>
+            <a:r>
+              <a:rPr lang="de-DE" dirty="0" smtClean="0"/>
+              <a:t>Berechnung: Lösung (2/2)</a:t>
+            </a:r>
+            <a:endParaRPr lang="de-DE" dirty="0"/>
+          </a:p>
+        </p:txBody>
+      </p:sp>
+      <p:sp>
+        <p:nvSpPr>
+          <p:cNvPr id="4" name="Datumsplatzhalter 3"/>
+          <p:cNvSpPr>
+            <a:spLocks noGrp="1"/>
+          </p:cNvSpPr>
+          <p:nvPr>
+            <p:ph type="dt" sz="half" idx="10"/>
+          </p:nvPr>
+        </p:nvSpPr>
+        <p:spPr/>
+        <p:txBody>
+          <a:bodyPr/>
+          <a:lstStyle/>
+          <a:p>
+            <a:r>
+              <a:rPr lang="de-DE" smtClean="0"/>
+              <a:t>23.06.2014</a:t>
+            </a:r>
+            <a:endParaRPr lang="de-DE"/>
+          </a:p>
+        </p:txBody>
+      </p:sp>
+      <p:sp>
+        <p:nvSpPr>
+          <p:cNvPr id="5" name="Foliennummernplatzhalter 4"/>
+          <p:cNvSpPr>
+            <a:spLocks noGrp="1"/>
+          </p:cNvSpPr>
+          <p:nvPr>
+            <p:ph type="sldNum" sz="quarter" idx="12"/>
+          </p:nvPr>
+        </p:nvSpPr>
+        <p:spPr/>
+        <p:txBody>
+          <a:bodyPr/>
+          <a:lstStyle/>
+          <a:p>
+            <a:fld id="{02075A8B-51D4-4999-A4F2-B3FAC6295E4D}" type="slidenum">
+              <a:rPr lang="de-DE" smtClean="0"/>
+              <a:t>42</a:t>
+            </a:fld>
+            <a:endParaRPr lang="de-DE"/>
+          </a:p>
+        </p:txBody>
+      </p:sp>
+    </p:spTree>
+    <p:extLst>
+      <p:ext uri="{BB962C8B-B14F-4D97-AF65-F5344CB8AC3E}">
+        <p14:creationId xmlns:p14="http://schemas.microsoft.com/office/powerpoint/2010/main" val="1520712045"/>
+      </p:ext>
+    </p:extLst>
+  </p:cSld>
+  <p:clrMapOvr>
+    <a:masterClrMapping/>
+  </p:clrMapOvr>
+  <p:timing>
+    <p:tnLst>
+      <p:par>
+        <p:cTn id="1" dur="indefinite" restart="never" nodeType="tmRoot"/>
+      </p:par>
+    </p:tnLst>
+  </p:timing>
+</p:sld>
+</file>
+
+<file path=ppt/slides/slide43.xml><?xml version="1.0" encoding="utf-8"?>
+<p:sld xmlns:a="http://schemas.openxmlformats.org/drawingml/2006/main" xmlns:r="http://schemas.openxmlformats.org/officeDocument/2006/relationships" xmlns:p="http://schemas.openxmlformats.org/presentationml/2006/main">
+  <p:cSld>
+    <p:spTree>
+      <p:nvGrpSpPr>
+        <p:cNvPr id="1" name=""/>
+        <p:cNvGrpSpPr/>
+        <p:nvPr/>
+      </p:nvGrpSpPr>
+      <p:grpSpPr>
+        <a:xfrm>
+          <a:off x="0" y="0"/>
+          <a:ext cx="0" cy="0"/>
+          <a:chOff x="0" y="0"/>
+          <a:chExt cx="0" cy="0"/>
+        </a:xfrm>
+      </p:grpSpPr>
+      <p:sp>
+        <p:nvSpPr>
+          <p:cNvPr id="2" name="Inhaltsplatzhalter 1"/>
+          <p:cNvSpPr>
+            <a:spLocks noGrp="1"/>
+          </p:cNvSpPr>
+          <p:nvPr>
+            <p:ph idx="1"/>
+          </p:nvPr>
+        </p:nvSpPr>
+        <p:spPr/>
+        <p:txBody>
+          <a:bodyPr/>
+          <a:lstStyle/>
+          <a:p>
+            <a:r>
+              <a:rPr lang="de-DE" dirty="0" smtClean="0"/>
+              <a:t>Berechne Mittelpunkt von Gebäuden</a:t>
+            </a:r>
+          </a:p>
+          <a:p>
+            <a:r>
+              <a:rPr lang="de-DE" dirty="0" smtClean="0"/>
+              <a:t>Teile große Dreiecke in kleine Dreiecke</a:t>
+            </a:r>
+          </a:p>
+          <a:p>
+            <a:r>
+              <a:rPr lang="de-DE" dirty="0" smtClean="0"/>
+              <a:t>Berechne Mittelpunkt von kleinen Dreiecken</a:t>
+            </a:r>
+          </a:p>
+          <a:p>
+            <a:r>
+              <a:rPr lang="de-DE" dirty="0" smtClean="0"/>
+              <a:t>Sammle alle kleinen Dreiecke in einer Liste</a:t>
+            </a:r>
+          </a:p>
+          <a:p>
+            <a:r>
+              <a:rPr lang="de-DE" dirty="0" smtClean="0"/>
+              <a:t>Hole Pakete von 256/512/1024 Dreiecken aus Liste und bearbeite diese</a:t>
+            </a:r>
+            <a:endParaRPr lang="de-DE" dirty="0"/>
+          </a:p>
+        </p:txBody>
+      </p:sp>
+      <p:sp>
+        <p:nvSpPr>
+          <p:cNvPr id="3" name="Titel 2"/>
+          <p:cNvSpPr>
+            <a:spLocks noGrp="1"/>
+          </p:cNvSpPr>
+          <p:nvPr>
+            <p:ph type="title"/>
+          </p:nvPr>
+        </p:nvSpPr>
+        <p:spPr/>
+        <p:txBody>
+          <a:bodyPr/>
+          <a:lstStyle/>
+          <a:p>
+            <a:r>
+              <a:rPr lang="de-DE" dirty="0" smtClean="0"/>
+              <a:t>Berechnung: Umsetzung (1/2)</a:t>
+            </a:r>
+            <a:endParaRPr lang="de-DE" dirty="0"/>
+          </a:p>
+        </p:txBody>
+      </p:sp>
+      <p:sp>
+        <p:nvSpPr>
+          <p:cNvPr id="4" name="Datumsplatzhalter 3"/>
+          <p:cNvSpPr>
+            <a:spLocks noGrp="1"/>
+          </p:cNvSpPr>
+          <p:nvPr>
+            <p:ph type="dt" sz="half" idx="10"/>
+          </p:nvPr>
+        </p:nvSpPr>
+        <p:spPr/>
+        <p:txBody>
+          <a:bodyPr/>
+          <a:lstStyle/>
+          <a:p>
+            <a:r>
+              <a:rPr lang="de-DE" smtClean="0"/>
+              <a:t>23.06.2014</a:t>
+            </a:r>
+            <a:endParaRPr lang="de-DE"/>
+          </a:p>
+        </p:txBody>
+      </p:sp>
+      <p:sp>
+        <p:nvSpPr>
+          <p:cNvPr id="5" name="Foliennummernplatzhalter 4"/>
+          <p:cNvSpPr>
+            <a:spLocks noGrp="1"/>
+          </p:cNvSpPr>
+          <p:nvPr>
+            <p:ph type="sldNum" sz="quarter" idx="12"/>
+          </p:nvPr>
+        </p:nvSpPr>
+        <p:spPr/>
+        <p:txBody>
+          <a:bodyPr/>
+          <a:lstStyle/>
+          <a:p>
+            <a:fld id="{02075A8B-51D4-4999-A4F2-B3FAC6295E4D}" type="slidenum">
+              <a:rPr lang="de-DE" smtClean="0"/>
+              <a:t>43</a:t>
+            </a:fld>
+            <a:endParaRPr lang="de-DE"/>
+          </a:p>
+        </p:txBody>
+      </p:sp>
+    </p:spTree>
+    <p:extLst>
+      <p:ext uri="{BB962C8B-B14F-4D97-AF65-F5344CB8AC3E}">
+        <p14:creationId xmlns:p14="http://schemas.microsoft.com/office/powerpoint/2010/main" val="1532000112"/>
+      </p:ext>
+    </p:extLst>
+  </p:cSld>
+  <p:clrMapOvr>
+    <a:masterClrMapping/>
+  </p:clrMapOvr>
+  <p:timing>
+    <p:tnLst>
+      <p:par>
+        <p:cTn id="1" dur="indefinite" restart="never" nodeType="tmRoot"/>
+      </p:par>
+    </p:tnLst>
+  </p:timing>
+</p:sld>
+</file>
+
+<file path=ppt/slides/slide44.xml><?xml version="1.0" encoding="utf-8"?>
+<p:sld xmlns:a="http://schemas.openxmlformats.org/drawingml/2006/main" xmlns:r="http://schemas.openxmlformats.org/officeDocument/2006/relationships" xmlns:p="http://schemas.openxmlformats.org/presentationml/2006/main">
+  <p:cSld>
+    <p:spTree>
+      <p:nvGrpSpPr>
+        <p:cNvPr id="1" name=""/>
+        <p:cNvGrpSpPr/>
+        <p:nvPr/>
+      </p:nvGrpSpPr>
+      <p:grpSpPr>
+        <a:xfrm>
+          <a:off x="0" y="0"/>
+          <a:ext cx="0" cy="0"/>
+          <a:chOff x="0" y="0"/>
+          <a:chExt cx="0" cy="0"/>
+        </a:xfrm>
+      </p:grpSpPr>
+      <p:sp>
+        <p:nvSpPr>
+          <p:cNvPr id="2" name="Inhaltsplatzhalter 1"/>
+          <p:cNvSpPr>
+            <a:spLocks noGrp="1"/>
+          </p:cNvSpPr>
+          <p:nvPr>
+            <p:ph idx="1"/>
+          </p:nvPr>
+        </p:nvSpPr>
+        <p:spPr/>
+        <p:txBody>
+          <a:bodyPr/>
+          <a:lstStyle/>
+          <a:p>
+            <a:r>
+              <a:rPr lang="de-DE" dirty="0" smtClean="0"/>
+              <a:t>Ermittle zu welchen Gebäuden die Dreiecke gehören</a:t>
+            </a:r>
+          </a:p>
+          <a:p>
+            <a:r>
+              <a:rPr lang="de-DE" dirty="0" smtClean="0"/>
+              <a:t>Berechne für jedes gefundene Gebäude die Umgebung</a:t>
+            </a:r>
+          </a:p>
+          <a:p>
+            <a:r>
+              <a:rPr lang="de-DE" dirty="0" smtClean="0"/>
+              <a:t>Speicher alles auf die Grafikkarte und starte die Berechnung</a:t>
+            </a:r>
+            <a:endParaRPr lang="de-DE" dirty="0"/>
+          </a:p>
+        </p:txBody>
+      </p:sp>
+      <p:sp>
+        <p:nvSpPr>
+          <p:cNvPr id="3" name="Titel 2"/>
+          <p:cNvSpPr>
+            <a:spLocks noGrp="1"/>
+          </p:cNvSpPr>
+          <p:nvPr>
+            <p:ph type="title"/>
+          </p:nvPr>
+        </p:nvSpPr>
+        <p:spPr/>
+        <p:txBody>
+          <a:bodyPr/>
+          <a:lstStyle/>
+          <a:p>
+            <a:r>
+              <a:rPr lang="de-DE" dirty="0" smtClean="0"/>
+              <a:t>Berechnung: Umsetzung (2/2)</a:t>
+            </a:r>
+            <a:endParaRPr lang="de-DE" dirty="0"/>
+          </a:p>
+        </p:txBody>
+      </p:sp>
+      <p:sp>
+        <p:nvSpPr>
+          <p:cNvPr id="4" name="Datumsplatzhalter 3"/>
+          <p:cNvSpPr>
+            <a:spLocks noGrp="1"/>
+          </p:cNvSpPr>
+          <p:nvPr>
+            <p:ph type="dt" sz="half" idx="10"/>
+          </p:nvPr>
+        </p:nvSpPr>
+        <p:spPr/>
+        <p:txBody>
+          <a:bodyPr/>
+          <a:lstStyle/>
+          <a:p>
+            <a:r>
+              <a:rPr lang="de-DE" smtClean="0"/>
+              <a:t>23.06.2014</a:t>
+            </a:r>
+            <a:endParaRPr lang="de-DE"/>
+          </a:p>
+        </p:txBody>
+      </p:sp>
+      <p:sp>
+        <p:nvSpPr>
+          <p:cNvPr id="5" name="Foliennummernplatzhalter 4"/>
+          <p:cNvSpPr>
+            <a:spLocks noGrp="1"/>
+          </p:cNvSpPr>
+          <p:nvPr>
+            <p:ph type="sldNum" sz="quarter" idx="12"/>
+          </p:nvPr>
+        </p:nvSpPr>
+        <p:spPr/>
+        <p:txBody>
+          <a:bodyPr/>
+          <a:lstStyle/>
+          <a:p>
+            <a:fld id="{02075A8B-51D4-4999-A4F2-B3FAC6295E4D}" type="slidenum">
+              <a:rPr lang="de-DE" smtClean="0"/>
+              <a:t>44</a:t>
+            </a:fld>
+            <a:endParaRPr lang="de-DE"/>
+          </a:p>
+        </p:txBody>
+      </p:sp>
+    </p:spTree>
+    <p:extLst>
+      <p:ext uri="{BB962C8B-B14F-4D97-AF65-F5344CB8AC3E}">
+        <p14:creationId xmlns:p14="http://schemas.microsoft.com/office/powerpoint/2010/main" val="1716100772"/>
+      </p:ext>
+    </p:extLst>
+  </p:cSld>
+  <p:clrMapOvr>
+    <a:masterClrMapping/>
+  </p:clrMapOvr>
+  <p:timing>
+    <p:tnLst>
+      <p:par>
+        <p:cTn id="1" dur="indefinite" restart="never" nodeType="tmRoot"/>
+      </p:par>
+    </p:tnLst>
+  </p:timing>
+</p:sld>
+</file>
+
+<file path=ppt/slides/slide45.xml><?xml version="1.0" encoding="utf-8"?>
+<p:sld xmlns:a="http://schemas.openxmlformats.org/drawingml/2006/main" xmlns:r="http://schemas.openxmlformats.org/officeDocument/2006/relationships" xmlns:p="http://schemas.openxmlformats.org/presentationml/2006/main">
+  <p:cSld>
+    <p:spTree>
+      <p:nvGrpSpPr>
+        <p:cNvPr id="1" name=""/>
+        <p:cNvGrpSpPr/>
+        <p:nvPr/>
+      </p:nvGrpSpPr>
+      <p:grpSpPr>
+        <a:xfrm>
+          <a:off x="0" y="0"/>
+          <a:ext cx="0" cy="0"/>
+          <a:chOff x="0" y="0"/>
+          <a:chExt cx="0" cy="0"/>
+        </a:xfrm>
+      </p:grpSpPr>
+      <p:sp>
+        <p:nvSpPr>
+          <p:cNvPr id="2" name="Inhaltsplatzhalter 1"/>
+          <p:cNvSpPr>
+            <a:spLocks noGrp="1"/>
+          </p:cNvSpPr>
+          <p:nvPr>
+            <p:ph idx="1"/>
+          </p:nvPr>
+        </p:nvSpPr>
+        <p:spPr/>
+        <p:txBody>
+          <a:bodyPr/>
+          <a:lstStyle/>
+          <a:p>
+            <a:r>
+              <a:rPr lang="de-DE" dirty="0" smtClean="0"/>
+              <a:t>Rot: zu berechnendes Gebäude</a:t>
+            </a:r>
+          </a:p>
+          <a:p>
+            <a:r>
+              <a:rPr lang="de-DE" dirty="0" smtClean="0"/>
+              <a:t>Grün: Umgebung</a:t>
+            </a:r>
+          </a:p>
+          <a:p>
+            <a:r>
+              <a:rPr lang="de-DE" dirty="0" smtClean="0"/>
+              <a:t>Schwarz: Gebäude außer Reichweite</a:t>
+            </a:r>
+            <a:endParaRPr lang="de-DE" dirty="0"/>
+          </a:p>
+        </p:txBody>
+      </p:sp>
+      <p:sp>
+        <p:nvSpPr>
+          <p:cNvPr id="3" name="Titel 2"/>
+          <p:cNvSpPr>
+            <a:spLocks noGrp="1"/>
+          </p:cNvSpPr>
+          <p:nvPr>
+            <p:ph type="title"/>
+          </p:nvPr>
+        </p:nvSpPr>
+        <p:spPr/>
+        <p:txBody>
+          <a:bodyPr/>
+          <a:lstStyle/>
+          <a:p>
+            <a:r>
+              <a:rPr lang="de-DE" dirty="0" smtClean="0"/>
+              <a:t>Berechnung: Beispiel</a:t>
+            </a:r>
+            <a:endParaRPr lang="de-DE" dirty="0"/>
+          </a:p>
+        </p:txBody>
+      </p:sp>
+      <p:pic>
+        <p:nvPicPr>
+          <p:cNvPr id="5" name="Grafik 4"/>
+          <p:cNvPicPr>
+            <a:picLocks noChangeAspect="1"/>
+          </p:cNvPicPr>
+          <p:nvPr/>
+        </p:nvPicPr>
+        <p:blipFill>
+          <a:blip r:embed="rId2">
+            <a:extLst>
+              <a:ext uri="{28A0092B-C50C-407E-A947-70E740481C1C}">
+                <a14:useLocalDpi xmlns:a14="http://schemas.microsoft.com/office/drawing/2010/main" val="0"/>
+              </a:ext>
+            </a:extLst>
+          </a:blip>
+          <a:stretch>
+            <a:fillRect/>
+          </a:stretch>
+        </p:blipFill>
+        <p:spPr>
+          <a:xfrm>
+            <a:off x="3059832" y="3018538"/>
+            <a:ext cx="3696216" cy="3224358"/>
+          </a:xfrm>
+          <a:prstGeom prst="rect">
+            <a:avLst/>
+          </a:prstGeom>
+        </p:spPr>
+      </p:pic>
+      <p:sp>
+        <p:nvSpPr>
+          <p:cNvPr id="4" name="Datumsplatzhalter 3"/>
+          <p:cNvSpPr>
+            <a:spLocks noGrp="1"/>
+          </p:cNvSpPr>
+          <p:nvPr>
+            <p:ph type="dt" sz="half" idx="10"/>
+          </p:nvPr>
+        </p:nvSpPr>
+        <p:spPr/>
+        <p:txBody>
+          <a:bodyPr/>
+          <a:lstStyle/>
+          <a:p>
+            <a:r>
+              <a:rPr lang="de-DE" smtClean="0"/>
+              <a:t>23.06.2014</a:t>
+            </a:r>
+            <a:endParaRPr lang="de-DE"/>
+          </a:p>
+        </p:txBody>
+      </p:sp>
+      <p:sp>
+        <p:nvSpPr>
+          <p:cNvPr id="6" name="Foliennummernplatzhalter 5"/>
+          <p:cNvSpPr>
+            <a:spLocks noGrp="1"/>
+          </p:cNvSpPr>
+          <p:nvPr>
+            <p:ph type="sldNum" sz="quarter" idx="12"/>
+          </p:nvPr>
+        </p:nvSpPr>
+        <p:spPr/>
+        <p:txBody>
+          <a:bodyPr/>
+          <a:lstStyle/>
+          <a:p>
+            <a:fld id="{02075A8B-51D4-4999-A4F2-B3FAC6295E4D}" type="slidenum">
+              <a:rPr lang="de-DE" smtClean="0"/>
+              <a:t>45</a:t>
+            </a:fld>
+            <a:endParaRPr lang="de-DE"/>
+          </a:p>
+        </p:txBody>
+      </p:sp>
+    </p:spTree>
+    <p:extLst>
+      <p:ext uri="{BB962C8B-B14F-4D97-AF65-F5344CB8AC3E}">
+        <p14:creationId xmlns:p14="http://schemas.microsoft.com/office/powerpoint/2010/main" val="3167510390"/>
+      </p:ext>
+    </p:extLst>
+  </p:cSld>
+  <p:clrMapOvr>
+    <a:masterClrMapping/>
+  </p:clrMapOvr>
+  <p:timing>
+    <p:tnLst>
+      <p:par>
+        <p:cTn id="1" dur="indefinite" restart="never" nodeType="tmRoot"/>
+      </p:par>
+    </p:tnLst>
+  </p:timing>
+</p:sld>
+</file>
+
+<file path=ppt/slides/slide46.xml><?xml version="1.0" encoding="utf-8"?>
+<p:sld xmlns:a="http://schemas.openxmlformats.org/drawingml/2006/main" xmlns:r="http://schemas.openxmlformats.org/officeDocument/2006/relationships" xmlns:p="http://schemas.openxmlformats.org/presentationml/2006/main">
+  <p:cSld>
+    <p:spTree>
+      <p:nvGrpSpPr>
+        <p:cNvPr id="1" name=""/>
+        <p:cNvGrpSpPr/>
+        <p:nvPr/>
+      </p:nvGrpSpPr>
+      <p:grpSpPr>
+        <a:xfrm>
+          <a:off x="0" y="0"/>
+          <a:ext cx="0" cy="0"/>
+          <a:chOff x="0" y="0"/>
+          <a:chExt cx="0" cy="0"/>
+        </a:xfrm>
+      </p:grpSpPr>
+      <p:sp>
+        <p:nvSpPr>
+          <p:cNvPr id="2" name="Inhaltsplatzhalter 1"/>
+          <p:cNvSpPr>
+            <a:spLocks noGrp="1"/>
+          </p:cNvSpPr>
+          <p:nvPr>
+            <p:ph idx="1"/>
+          </p:nvPr>
+        </p:nvSpPr>
+        <p:spPr/>
+        <p:txBody>
+          <a:bodyPr/>
+          <a:lstStyle/>
+          <a:p>
+            <a:r>
+              <a:rPr lang="de-DE" dirty="0" smtClean="0"/>
+              <a:t>Anhand von Ort und Zeitpunkt (inkl. Datum) Position der Sonne bestimmen</a:t>
+            </a:r>
+          </a:p>
+          <a:p>
+            <a:r>
+              <a:rPr lang="de-DE" dirty="0" smtClean="0"/>
+              <a:t>Algorithmus aus Wikipedia übernommen</a:t>
+            </a:r>
+          </a:p>
+          <a:p>
+            <a:r>
+              <a:rPr lang="de-DE" dirty="0" smtClean="0"/>
+              <a:t>Ergebnis ist ein </a:t>
+            </a:r>
+            <a:r>
+              <a:rPr lang="de-DE" dirty="0" err="1" smtClean="0"/>
+              <a:t>Azimuthwinkel</a:t>
+            </a:r>
+            <a:r>
+              <a:rPr lang="de-DE" dirty="0" smtClean="0"/>
+              <a:t> und ein Höhenwinkel</a:t>
+            </a:r>
+          </a:p>
+          <a:p>
+            <a:r>
+              <a:rPr lang="de-DE" dirty="0" smtClean="0"/>
+              <a:t>Aus den Winkeln wird das richtige </a:t>
+            </a:r>
+            <a:r>
+              <a:rPr lang="de-DE" dirty="0" err="1" smtClean="0"/>
+              <a:t>Skypatch</a:t>
+            </a:r>
+            <a:r>
+              <a:rPr lang="de-DE" dirty="0" smtClean="0"/>
+              <a:t> ausgewählt</a:t>
+            </a:r>
+            <a:endParaRPr lang="de-DE" dirty="0"/>
+          </a:p>
+        </p:txBody>
+      </p:sp>
+      <p:sp>
+        <p:nvSpPr>
+          <p:cNvPr id="3" name="Titel 2"/>
+          <p:cNvSpPr>
+            <a:spLocks noGrp="1"/>
+          </p:cNvSpPr>
+          <p:nvPr>
+            <p:ph type="title"/>
+          </p:nvPr>
+        </p:nvSpPr>
+        <p:spPr/>
+        <p:txBody>
+          <a:bodyPr/>
+          <a:lstStyle/>
+          <a:p>
+            <a:r>
+              <a:rPr lang="de-DE" dirty="0" smtClean="0"/>
+              <a:t>Berechnung: Sonnenstand</a:t>
+            </a:r>
+            <a:endParaRPr lang="de-DE" dirty="0"/>
+          </a:p>
+        </p:txBody>
+      </p:sp>
+      <p:sp>
+        <p:nvSpPr>
+          <p:cNvPr id="4" name="Datumsplatzhalter 3"/>
+          <p:cNvSpPr>
+            <a:spLocks noGrp="1"/>
+          </p:cNvSpPr>
+          <p:nvPr>
+            <p:ph type="dt" sz="half" idx="10"/>
+          </p:nvPr>
+        </p:nvSpPr>
+        <p:spPr/>
+        <p:txBody>
+          <a:bodyPr/>
+          <a:lstStyle/>
+          <a:p>
+            <a:r>
+              <a:rPr lang="de-DE" smtClean="0"/>
+              <a:t>23.06.2014</a:t>
+            </a:r>
+            <a:endParaRPr lang="de-DE"/>
+          </a:p>
+        </p:txBody>
+      </p:sp>
+      <p:sp>
+        <p:nvSpPr>
+          <p:cNvPr id="5" name="Foliennummernplatzhalter 4"/>
+          <p:cNvSpPr>
+            <a:spLocks noGrp="1"/>
+          </p:cNvSpPr>
+          <p:nvPr>
+            <p:ph type="sldNum" sz="quarter" idx="12"/>
+          </p:nvPr>
+        </p:nvSpPr>
+        <p:spPr/>
+        <p:txBody>
+          <a:bodyPr/>
+          <a:lstStyle/>
+          <a:p>
+            <a:fld id="{02075A8B-51D4-4999-A4F2-B3FAC6295E4D}" type="slidenum">
+              <a:rPr lang="de-DE" smtClean="0"/>
+              <a:t>46</a:t>
+            </a:fld>
+            <a:endParaRPr lang="de-DE"/>
+          </a:p>
+        </p:txBody>
+      </p:sp>
+    </p:spTree>
+    <p:extLst>
+      <p:ext uri="{BB962C8B-B14F-4D97-AF65-F5344CB8AC3E}">
+        <p14:creationId xmlns:p14="http://schemas.microsoft.com/office/powerpoint/2010/main" val="952026451"/>
+      </p:ext>
+    </p:extLst>
+  </p:cSld>
+  <p:clrMapOvr>
+    <a:masterClrMapping/>
+  </p:clrMapOvr>
+  <p:timing>
+    <p:tnLst>
+      <p:par>
+        <p:cTn id="1" dur="indefinite" restart="never" nodeType="tmRoot"/>
+      </p:par>
+    </p:tnLst>
+  </p:timing>
+</p:sld>
+</file>
+
+<file path=ppt/slides/slide47.xml><?xml version="1.0" encoding="utf-8"?>
+<p:sld xmlns:a="http://schemas.openxmlformats.org/drawingml/2006/main" xmlns:r="http://schemas.openxmlformats.org/officeDocument/2006/relationships" xmlns:p="http://schemas.openxmlformats.org/presentationml/2006/main">
+  <p:cSld>
+    <p:spTree>
+      <p:nvGrpSpPr>
+        <p:cNvPr id="1" name=""/>
+        <p:cNvGrpSpPr/>
+        <p:nvPr/>
+      </p:nvGrpSpPr>
+      <p:grpSpPr>
+        <a:xfrm>
+          <a:off x="0" y="0"/>
+          <a:ext cx="0" cy="0"/>
+          <a:chOff x="0" y="0"/>
+          <a:chExt cx="0" cy="0"/>
+        </a:xfrm>
+      </p:grpSpPr>
+      <p:sp>
+        <p:nvSpPr>
+          <p:cNvPr id="2" name="Inhaltsplatzhalter 1"/>
+          <p:cNvSpPr>
+            <a:spLocks noGrp="1"/>
+          </p:cNvSpPr>
+          <p:nvPr>
+            <p:ph idx="1"/>
+          </p:nvPr>
+        </p:nvSpPr>
+        <p:spPr/>
+        <p:txBody>
+          <a:bodyPr/>
+          <a:lstStyle/>
+          <a:p>
+            <a:endParaRPr lang="de-DE" dirty="0"/>
+          </a:p>
+        </p:txBody>
+      </p:sp>
+      <p:sp>
+        <p:nvSpPr>
+          <p:cNvPr id="3" name="Datumsplatzhalter 2"/>
+          <p:cNvSpPr>
+            <a:spLocks noGrp="1"/>
+          </p:cNvSpPr>
+          <p:nvPr>
+            <p:ph type="dt" sz="half" idx="10"/>
+          </p:nvPr>
+        </p:nvSpPr>
+        <p:spPr/>
+        <p:txBody>
+          <a:bodyPr/>
+          <a:lstStyle/>
+          <a:p>
+            <a:r>
+              <a:rPr lang="de-DE" smtClean="0"/>
+              <a:t>23.06.2014</a:t>
+            </a:r>
+            <a:endParaRPr lang="de-DE"/>
+          </a:p>
+        </p:txBody>
+      </p:sp>
+      <p:sp>
+        <p:nvSpPr>
+          <p:cNvPr id="4" name="Foliennummernplatzhalter 3"/>
+          <p:cNvSpPr>
+            <a:spLocks noGrp="1"/>
+          </p:cNvSpPr>
+          <p:nvPr>
+            <p:ph type="sldNum" sz="quarter" idx="12"/>
+          </p:nvPr>
+        </p:nvSpPr>
+        <p:spPr/>
+        <p:txBody>
+          <a:bodyPr/>
+          <a:lstStyle/>
+          <a:p>
+            <a:fld id="{02075A8B-51D4-4999-A4F2-B3FAC6295E4D}" type="slidenum">
+              <a:rPr lang="de-DE" smtClean="0"/>
+              <a:t>47</a:t>
+            </a:fld>
+            <a:endParaRPr lang="de-DE"/>
+          </a:p>
+        </p:txBody>
+      </p:sp>
+      <p:sp>
+        <p:nvSpPr>
+          <p:cNvPr id="5" name="Titel 4"/>
+          <p:cNvSpPr>
+            <a:spLocks noGrp="1"/>
+          </p:cNvSpPr>
+          <p:nvPr>
+            <p:ph type="title"/>
+          </p:nvPr>
+        </p:nvSpPr>
+        <p:spPr/>
+        <p:txBody>
+          <a:bodyPr>
+            <a:normAutofit/>
+          </a:bodyPr>
+          <a:lstStyle/>
+          <a:p>
+            <a:r>
+              <a:rPr lang="de-DE" dirty="0" err="1" smtClean="0"/>
+              <a:t>Renderer</a:t>
+            </a:r>
+            <a:endParaRPr lang="de-DE" dirty="0"/>
+          </a:p>
+        </p:txBody>
+      </p:sp>
+    </p:spTree>
+    <p:extLst>
+      <p:ext uri="{BB962C8B-B14F-4D97-AF65-F5344CB8AC3E}">
+        <p14:creationId xmlns:p14="http://schemas.microsoft.com/office/powerpoint/2010/main" val="748397144"/>
+      </p:ext>
+    </p:extLst>
+  </p:cSld>
+  <p:clrMapOvr>
+    <a:masterClrMapping/>
+  </p:clrMapOvr>
+</p:sld>
+</file>
+
+<file path=ppt/slides/slide48.xml><?xml version="1.0" encoding="utf-8"?>
+<p:sld xmlns:a="http://schemas.openxmlformats.org/drawingml/2006/main" xmlns:r="http://schemas.openxmlformats.org/officeDocument/2006/relationships" xmlns:p="http://schemas.openxmlformats.org/presentationml/2006/main">
+  <p:cSld>
+    <p:spTree>
+      <p:nvGrpSpPr>
+        <p:cNvPr id="1" name=""/>
+        <p:cNvGrpSpPr/>
+        <p:nvPr/>
+      </p:nvGrpSpPr>
+      <p:grpSpPr>
+        <a:xfrm>
+          <a:off x="0" y="0"/>
+          <a:ext cx="0" cy="0"/>
+          <a:chOff x="0" y="0"/>
+          <a:chExt cx="0" cy="0"/>
+        </a:xfrm>
+      </p:grpSpPr>
+      <p:sp>
+        <p:nvSpPr>
+          <p:cNvPr id="2" name="Inhaltsplatzhalter 1"/>
+          <p:cNvSpPr>
+            <a:spLocks noGrp="1"/>
+          </p:cNvSpPr>
+          <p:nvPr>
+            <p:ph idx="1"/>
+          </p:nvPr>
+        </p:nvSpPr>
+        <p:spPr/>
+        <p:txBody>
+          <a:bodyPr>
+            <a:normAutofit lnSpcReduction="10000"/>
+          </a:bodyPr>
+          <a:lstStyle/>
+          <a:p>
+            <a:r>
+              <a:rPr lang="de-DE" dirty="0" smtClean="0"/>
+              <a:t>BILD SEITE </a:t>
+            </a:r>
+            <a:r>
+              <a:rPr lang="de-DE" dirty="0" smtClean="0">
+                <a:hlinkClick r:id="rId2"/>
+              </a:rPr>
+              <a:t>http</a:t>
+            </a:r>
+            <a:r>
+              <a:rPr lang="de-DE" dirty="0">
+                <a:hlinkClick r:id="rId2"/>
+              </a:rPr>
+              <a:t>://www.mynetcologne.de/~</a:t>
+            </a:r>
+            <a:r>
+              <a:rPr lang="de-DE" dirty="0" smtClean="0">
+                <a:hlinkClick r:id="rId2"/>
+              </a:rPr>
+              <a:t>nc-purschst3/garten/klima/Sonne.jpg</a:t>
+            </a:r>
+            <a:endParaRPr lang="de-DE" dirty="0" smtClean="0"/>
+          </a:p>
+          <a:p>
+            <a:r>
+              <a:rPr lang="de-DE" dirty="0" smtClean="0">
+                <a:hlinkClick r:id="rId3"/>
+              </a:rPr>
+              <a:t>http</a:t>
+            </a:r>
+            <a:r>
+              <a:rPr lang="de-DE" dirty="0">
+                <a:hlinkClick r:id="rId3"/>
+              </a:rPr>
+              <a:t>://</a:t>
+            </a:r>
+            <a:r>
+              <a:rPr lang="de-DE" dirty="0" smtClean="0">
+                <a:hlinkClick r:id="rId3"/>
+              </a:rPr>
+              <a:t>de.wikipedia.org/wiki/Sonnenstand</a:t>
+            </a:r>
+            <a:endParaRPr lang="de-DE" dirty="0" smtClean="0"/>
+          </a:p>
+          <a:p>
+            <a:r>
+              <a:rPr lang="de-DE" dirty="0">
+                <a:hlinkClick r:id="rId4"/>
+              </a:rPr>
+              <a:t>http://</a:t>
+            </a:r>
+            <a:r>
+              <a:rPr lang="de-DE" dirty="0" smtClean="0">
+                <a:hlinkClick r:id="rId4"/>
+              </a:rPr>
+              <a:t>stackoverflow.com/questions/1406029/how-to-calculate-the-volume-of-a-3d-mesh-object-the-surface-of-which-is-made-up</a:t>
+            </a:r>
+            <a:endParaRPr lang="de-DE" dirty="0" smtClean="0"/>
+          </a:p>
+          <a:p>
+            <a:r>
+              <a:rPr lang="de-DE" dirty="0">
+                <a:hlinkClick r:id="rId5"/>
+              </a:rPr>
+              <a:t>http://www.jocl.org</a:t>
+            </a:r>
+            <a:r>
+              <a:rPr lang="de-DE" dirty="0" smtClean="0">
+                <a:hlinkClick r:id="rId5"/>
+              </a:rPr>
+              <a:t>/</a:t>
+            </a:r>
+            <a:endParaRPr lang="de-DE" dirty="0" smtClean="0"/>
+          </a:p>
+          <a:p>
+            <a:r>
+              <a:rPr lang="de-DE" dirty="0">
+                <a:hlinkClick r:id="rId6"/>
+              </a:rPr>
+              <a:t>http://</a:t>
+            </a:r>
+            <a:r>
+              <a:rPr lang="de-DE" dirty="0" smtClean="0">
+                <a:hlinkClick r:id="rId6"/>
+              </a:rPr>
+              <a:t>www.khronos.org/registry/cl/specs/opencl-1.1.pdf</a:t>
+            </a:r>
+            <a:endParaRPr lang="de-DE" dirty="0" smtClean="0"/>
+          </a:p>
+        </p:txBody>
+      </p:sp>
+      <p:sp>
+        <p:nvSpPr>
+          <p:cNvPr id="3" name="Titel 2"/>
+          <p:cNvSpPr>
+            <a:spLocks noGrp="1"/>
+          </p:cNvSpPr>
+          <p:nvPr>
+            <p:ph type="title"/>
+          </p:nvPr>
+        </p:nvSpPr>
+        <p:spPr/>
+        <p:txBody>
+          <a:bodyPr/>
+          <a:lstStyle/>
+          <a:p>
+            <a:r>
+              <a:rPr lang="de-DE" dirty="0" smtClean="0"/>
+              <a:t>Quellen</a:t>
+            </a:r>
+            <a:endParaRPr lang="de-DE" dirty="0"/>
+          </a:p>
+        </p:txBody>
+      </p:sp>
+      <p:sp>
+        <p:nvSpPr>
+          <p:cNvPr id="4" name="Datumsplatzhalter 3"/>
+          <p:cNvSpPr>
+            <a:spLocks noGrp="1"/>
+          </p:cNvSpPr>
+          <p:nvPr>
+            <p:ph type="dt" sz="half" idx="10"/>
+          </p:nvPr>
+        </p:nvSpPr>
+        <p:spPr/>
+        <p:txBody>
+          <a:bodyPr/>
+          <a:lstStyle/>
+          <a:p>
+            <a:r>
+              <a:rPr lang="de-DE" smtClean="0"/>
+              <a:t>23.06.2014</a:t>
+            </a:r>
+            <a:endParaRPr lang="de-DE"/>
+          </a:p>
+        </p:txBody>
+      </p:sp>
+      <p:sp>
+        <p:nvSpPr>
+          <p:cNvPr id="5" name="Foliennummernplatzhalter 4"/>
+          <p:cNvSpPr>
+            <a:spLocks noGrp="1"/>
+          </p:cNvSpPr>
+          <p:nvPr>
+            <p:ph type="sldNum" sz="quarter" idx="12"/>
+          </p:nvPr>
+        </p:nvSpPr>
+        <p:spPr/>
+        <p:txBody>
+          <a:bodyPr/>
+          <a:lstStyle/>
+          <a:p>
+            <a:fld id="{02075A8B-51D4-4999-A4F2-B3FAC6295E4D}" type="slidenum">
+              <a:rPr lang="de-DE" smtClean="0"/>
+              <a:t>48</a:t>
+            </a:fld>
+            <a:endParaRPr lang="de-DE"/>
+          </a:p>
+        </p:txBody>
+      </p:sp>
+    </p:spTree>
+    <p:extLst>
+      <p:ext uri="{BB962C8B-B14F-4D97-AF65-F5344CB8AC3E}">
+        <p14:creationId xmlns:p14="http://schemas.microsoft.com/office/powerpoint/2010/main" val="1704796354"/>
+      </p:ext>
+    </p:extLst>
+  </p:cSld>
+  <p:clrMapOvr>
+    <a:masterClrMapping/>
+  </p:clrMapOvr>
+  <p:timing>
+    <p:tnLst>
+      <p:par>
+        <p:cTn id="1" dur="indefinite" restart="never" nodeType="tmRoot"/>
+      </p:par>
+    </p:tnLst>
+  </p:timing>
+</p:sld>
+</file>
+
+<file path=ppt/slides/slide49.xml><?xml version="1.0" encoding="utf-8"?>
+<p:sld xmlns:a="http://schemas.openxmlformats.org/drawingml/2006/main" xmlns:r="http://schemas.openxmlformats.org/officeDocument/2006/relationships" xmlns:p="http://schemas.openxmlformats.org/presentationml/2006/main">
+  <p:cSld>
+    <p:spTree>
+      <p:nvGrpSpPr>
+        <p:cNvPr id="1" name=""/>
+        <p:cNvGrpSpPr/>
+        <p:nvPr/>
+      </p:nvGrpSpPr>
+      <p:grpSpPr>
+        <a:xfrm>
+          <a:off x="0" y="0"/>
+          <a:ext cx="0" cy="0"/>
+          <a:chOff x="0" y="0"/>
+          <a:chExt cx="0" cy="0"/>
+        </a:xfrm>
+      </p:grpSpPr>
+      <p:sp>
+        <p:nvSpPr>
+          <p:cNvPr id="2" name="Inhaltsplatzhalter 1"/>
+          <p:cNvSpPr>
+            <a:spLocks noGrp="1"/>
+          </p:cNvSpPr>
+          <p:nvPr>
+            <p:ph idx="1"/>
+          </p:nvPr>
+        </p:nvSpPr>
+        <p:spPr/>
+        <p:txBody>
+          <a:bodyPr/>
+          <a:lstStyle/>
+          <a:p>
+            <a:r>
+              <a:rPr lang="de-DE" dirty="0">
+                <a:hlinkClick r:id="rId2"/>
+              </a:rPr>
+              <a:t>http://</a:t>
+            </a:r>
+            <a:r>
+              <a:rPr lang="de-DE" dirty="0" smtClean="0">
+                <a:hlinkClick r:id="rId2"/>
+              </a:rPr>
+              <a:t>en.wikipedia.org/wiki/Tetrahedron</a:t>
+            </a:r>
+            <a:endParaRPr lang="de-DE" dirty="0" smtClean="0"/>
+          </a:p>
+          <a:p>
+            <a:endParaRPr lang="de-DE" dirty="0"/>
+          </a:p>
+        </p:txBody>
+      </p:sp>
+      <p:sp>
+        <p:nvSpPr>
+          <p:cNvPr id="3" name="Titel 2"/>
+          <p:cNvSpPr>
+            <a:spLocks noGrp="1"/>
+          </p:cNvSpPr>
+          <p:nvPr>
+            <p:ph type="title"/>
+          </p:nvPr>
+        </p:nvSpPr>
+        <p:spPr/>
+        <p:txBody>
+          <a:bodyPr/>
+          <a:lstStyle/>
+          <a:p>
+            <a:r>
+              <a:rPr lang="de-DE" dirty="0" smtClean="0"/>
+              <a:t>Quellen</a:t>
+            </a:r>
+            <a:endParaRPr lang="de-DE" dirty="0"/>
+          </a:p>
+        </p:txBody>
+      </p:sp>
+      <p:sp>
+        <p:nvSpPr>
+          <p:cNvPr id="4" name="Datumsplatzhalter 3"/>
+          <p:cNvSpPr>
+            <a:spLocks noGrp="1"/>
+          </p:cNvSpPr>
+          <p:nvPr>
+            <p:ph type="dt" sz="half" idx="10"/>
+          </p:nvPr>
+        </p:nvSpPr>
+        <p:spPr/>
+        <p:txBody>
+          <a:bodyPr/>
+          <a:lstStyle/>
+          <a:p>
+            <a:r>
+              <a:rPr lang="de-DE" smtClean="0"/>
+              <a:t>23.06.2014</a:t>
+            </a:r>
+            <a:endParaRPr lang="de-DE"/>
+          </a:p>
+        </p:txBody>
+      </p:sp>
+      <p:sp>
+        <p:nvSpPr>
+          <p:cNvPr id="5" name="Foliennummernplatzhalter 4"/>
+          <p:cNvSpPr>
+            <a:spLocks noGrp="1"/>
+          </p:cNvSpPr>
+          <p:nvPr>
+            <p:ph type="sldNum" sz="quarter" idx="12"/>
+          </p:nvPr>
+        </p:nvSpPr>
+        <p:spPr/>
+        <p:txBody>
+          <a:bodyPr/>
+          <a:lstStyle/>
+          <a:p>
+            <a:fld id="{02075A8B-51D4-4999-A4F2-B3FAC6295E4D}" type="slidenum">
+              <a:rPr lang="de-DE" smtClean="0"/>
+              <a:t>49</a:t>
+            </a:fld>
+            <a:endParaRPr lang="de-DE"/>
+          </a:p>
+        </p:txBody>
+      </p:sp>
+    </p:spTree>
+    <p:extLst>
+      <p:ext uri="{BB962C8B-B14F-4D97-AF65-F5344CB8AC3E}">
+        <p14:creationId xmlns:p14="http://schemas.microsoft.com/office/powerpoint/2010/main" val="295511991"/>
+      </p:ext>
+    </p:extLst>
+  </p:cSld>
+  <p:clrMapOvr>
+    <a:masterClrMapping/>
+  </p:clrMapOvr>
+  <p:timing>
+    <p:tnLst>
+      <p:par>
+        <p:cTn id="1" dur="indefinite" restart="never" nodeType="tmRoot"/>
+      </p:par>
+    </p:tnLst>
+  </p:timing>
+</p:sld>
+</file>
+
 <file path=ppt/slides/slide5.xml><?xml version="1.0" encoding="utf-8"?>
 <p:sld xmlns:a="http://schemas.openxmlformats.org/drawingml/2006/main" xmlns:r="http://schemas.openxmlformats.org/officeDocument/2006/relationships" xmlns:p="http://schemas.openxmlformats.org/presentationml/2006/main">
   <p:cSld>
@@ -11256,6 +13594,120 @@
     <p:extLst>
       <p:ext uri="{BB962C8B-B14F-4D97-AF65-F5344CB8AC3E}">
         <p14:creationId xmlns:p14="http://schemas.microsoft.com/office/powerpoint/2010/main" val="1366542185"/>
+      </p:ext>
+    </p:extLst>
+  </p:cSld>
+  <p:clrMapOvr>
+    <a:masterClrMapping/>
+  </p:clrMapOvr>
+  <p:timing>
+    <p:tnLst>
+      <p:par>
+        <p:cTn id="1" dur="indefinite" restart="never" nodeType="tmRoot"/>
+      </p:par>
+    </p:tnLst>
+  </p:timing>
+</p:sld>
+</file>
+
+<file path=ppt/slides/slide50.xml><?xml version="1.0" encoding="utf-8"?>
+<p:sld xmlns:a="http://schemas.openxmlformats.org/drawingml/2006/main" xmlns:r="http://schemas.openxmlformats.org/officeDocument/2006/relationships" xmlns:p="http://schemas.openxmlformats.org/presentationml/2006/main">
+  <p:cSld>
+    <p:spTree>
+      <p:nvGrpSpPr>
+        <p:cNvPr id="1" name=""/>
+        <p:cNvGrpSpPr/>
+        <p:nvPr/>
+      </p:nvGrpSpPr>
+      <p:grpSpPr>
+        <a:xfrm>
+          <a:off x="0" y="0"/>
+          <a:ext cx="0" cy="0"/>
+          <a:chOff x="0" y="0"/>
+          <a:chExt cx="0" cy="0"/>
+        </a:xfrm>
+      </p:grpSpPr>
+      <p:sp>
+        <p:nvSpPr>
+          <p:cNvPr id="3" name="Datumsplatzhalter 2"/>
+          <p:cNvSpPr>
+            <a:spLocks noGrp="1"/>
+          </p:cNvSpPr>
+          <p:nvPr>
+            <p:ph type="dt" sz="half" idx="10"/>
+          </p:nvPr>
+        </p:nvSpPr>
+        <p:spPr/>
+        <p:txBody>
+          <a:bodyPr/>
+          <a:lstStyle/>
+          <a:p>
+            <a:r>
+              <a:rPr lang="de-DE" smtClean="0"/>
+              <a:t>23.06.2014</a:t>
+            </a:r>
+            <a:endParaRPr lang="de-DE"/>
+          </a:p>
+        </p:txBody>
+      </p:sp>
+      <p:sp>
+        <p:nvSpPr>
+          <p:cNvPr id="4" name="Foliennummernplatzhalter 3"/>
+          <p:cNvSpPr>
+            <a:spLocks noGrp="1"/>
+          </p:cNvSpPr>
+          <p:nvPr>
+            <p:ph type="sldNum" sz="quarter" idx="12"/>
+          </p:nvPr>
+        </p:nvSpPr>
+        <p:spPr/>
+        <p:txBody>
+          <a:bodyPr/>
+          <a:lstStyle/>
+          <a:p>
+            <a:fld id="{02075A8B-51D4-4999-A4F2-B3FAC6295E4D}" type="slidenum">
+              <a:rPr lang="de-DE" smtClean="0"/>
+              <a:t>50</a:t>
+            </a:fld>
+            <a:endParaRPr lang="de-DE"/>
+          </a:p>
+        </p:txBody>
+      </p:sp>
+      <p:sp>
+        <p:nvSpPr>
+          <p:cNvPr id="5" name="Titel 4"/>
+          <p:cNvSpPr>
+            <a:spLocks noGrp="1"/>
+          </p:cNvSpPr>
+          <p:nvPr>
+            <p:ph type="title"/>
+          </p:nvPr>
+        </p:nvSpPr>
+        <p:spPr>
+          <a:xfrm>
+            <a:off x="457200" y="274638"/>
+            <a:ext cx="8229600" cy="5314602"/>
+          </a:xfrm>
+        </p:spPr>
+        <p:txBody>
+          <a:bodyPr>
+            <a:noAutofit/>
+          </a:bodyPr>
+          <a:lstStyle/>
+          <a:p>
+            <a:pPr algn="ctr"/>
+            <a:r>
+              <a:rPr lang="de-DE" sz="8000" dirty="0" smtClean="0"/>
+              <a:t>Demo</a:t>
+            </a:r>
+            <a:endParaRPr lang="de-DE" sz="8000" dirty="0"/>
+          </a:p>
+        </p:txBody>
+      </p:sp>
+    </p:spTree>
+    <p:extLst>
+      <p:ext uri="{BB962C8B-B14F-4D97-AF65-F5344CB8AC3E}">
+        <p14:creationId xmlns:p14="http://schemas.microsoft.com/office/powerpoint/2010/main" val="707920820"/>
       </p:ext>
     </p:extLst>
   </p:cSld>
